--- a/Docs/Zwischenpraesentation/Präsentation Projekt.pptx
+++ b/Docs/Zwischenpraesentation/Präsentation Projekt.pptx
@@ -5,7 +5,7 @@
     <p:sldMasterId id="2147483648" r:id="rId1"/>
   </p:sldMasterIdLst>
   <p:notesMasterIdLst>
-    <p:notesMasterId r:id="rId22"/>
+    <p:notesMasterId r:id="rId27"/>
   </p:notesMasterIdLst>
   <p:sldIdLst>
     <p:sldId id="256" r:id="rId2"/>
@@ -18,16 +18,21 @@
     <p:sldId id="263" r:id="rId9"/>
     <p:sldId id="264" r:id="rId10"/>
     <p:sldId id="265" r:id="rId11"/>
-    <p:sldId id="281" r:id="rId12"/>
+    <p:sldId id="287" r:id="rId12"/>
     <p:sldId id="267" r:id="rId13"/>
     <p:sldId id="268" r:id="rId14"/>
     <p:sldId id="285" r:id="rId15"/>
-    <p:sldId id="277" r:id="rId16"/>
-    <p:sldId id="278" r:id="rId17"/>
-    <p:sldId id="282" r:id="rId18"/>
-    <p:sldId id="284" r:id="rId19"/>
-    <p:sldId id="283" r:id="rId20"/>
-    <p:sldId id="280" r:id="rId21"/>
+    <p:sldId id="288" r:id="rId16"/>
+    <p:sldId id="289" r:id="rId17"/>
+    <p:sldId id="290" r:id="rId18"/>
+    <p:sldId id="278" r:id="rId19"/>
+    <p:sldId id="277" r:id="rId20"/>
+    <p:sldId id="282" r:id="rId21"/>
+    <p:sldId id="291" r:id="rId22"/>
+    <p:sldId id="292" r:id="rId23"/>
+    <p:sldId id="283" r:id="rId24"/>
+    <p:sldId id="280" r:id="rId25"/>
+    <p:sldId id="293" r:id="rId26"/>
   </p:sldIdLst>
   <p:sldSz cx="12192000" cy="6858000"/>
   <p:notesSz cx="6858000" cy="9144000"/>
@@ -2586,6 +2591,209 @@
         </a:p>
       </dgm:t>
     </dgm:pt>
+    <dgm:pt modelId="{C2789919-887B-4D76-8E55-93AD41004CEA}">
+      <dgm:prSet/>
+      <dgm:spPr/>
+    </dgm:pt>
+    <dgm:pt modelId="{8D9DC617-CD0F-4478-A061-C337177A4425}" type="parTrans" cxnId="{3096A346-EAE2-42BC-ABAD-9552491333DF}">
+      <dgm:prSet/>
+      <dgm:spPr/>
+      <dgm:t>
+        <a:bodyPr/>
+        <a:lstStyle/>
+        <a:p>
+          <a:endParaRPr lang="en-US"/>
+        </a:p>
+      </dgm:t>
+    </dgm:pt>
+    <dgm:pt modelId="{91A8A712-65DE-40DD-8F98-4A2782319AE3}" type="sibTrans" cxnId="{3096A346-EAE2-42BC-ABAD-9552491333DF}">
+      <dgm:prSet/>
+      <dgm:spPr/>
+      <dgm:t>
+        <a:bodyPr/>
+        <a:lstStyle/>
+        <a:p>
+          <a:endParaRPr lang="en-US"/>
+        </a:p>
+      </dgm:t>
+    </dgm:pt>
+    <dgm:pt modelId="{489D90E7-1BB4-4931-ABA0-B9288DA8A57B}">
+      <dgm:prSet/>
+      <dgm:spPr/>
+      <dgm:t>
+        <a:bodyPr/>
+        <a:lstStyle/>
+        <a:p>
+          <a:endParaRPr lang="en-US"/>
+        </a:p>
+      </dgm:t>
+    </dgm:pt>
+    <dgm:pt modelId="{7B4F5539-8F19-472A-AB97-67FADDCAD4F1}" type="parTrans" cxnId="{84FB3BBD-5F44-4554-856D-C9ADC2BBA17E}">
+      <dgm:prSet/>
+      <dgm:spPr/>
+      <dgm:t>
+        <a:bodyPr/>
+        <a:lstStyle/>
+        <a:p>
+          <a:endParaRPr lang="en-US"/>
+        </a:p>
+      </dgm:t>
+    </dgm:pt>
+    <dgm:pt modelId="{103B42E3-979C-4885-B2D6-C31C923A497C}" type="sibTrans" cxnId="{84FB3BBD-5F44-4554-856D-C9ADC2BBA17E}">
+      <dgm:prSet/>
+      <dgm:spPr/>
+      <dgm:t>
+        <a:bodyPr/>
+        <a:lstStyle/>
+        <a:p>
+          <a:endParaRPr lang="en-US"/>
+        </a:p>
+      </dgm:t>
+    </dgm:pt>
+    <dgm:pt modelId="{66BB4918-5498-4BD5-9775-383417D6FD4B}">
+      <dgm:prSet/>
+      <dgm:spPr/>
+    </dgm:pt>
+    <dgm:pt modelId="{8748673C-7603-4700-AD72-36631B80B526}" type="parTrans" cxnId="{1427249A-427B-43A0-8372-1D40719E5F12}">
+      <dgm:prSet/>
+      <dgm:spPr/>
+      <dgm:t>
+        <a:bodyPr/>
+        <a:lstStyle/>
+        <a:p>
+          <a:endParaRPr lang="en-US"/>
+        </a:p>
+      </dgm:t>
+    </dgm:pt>
+    <dgm:pt modelId="{AF63B9E7-683B-4848-86BB-2BF7AE22234E}" type="sibTrans" cxnId="{1427249A-427B-43A0-8372-1D40719E5F12}">
+      <dgm:prSet/>
+      <dgm:spPr/>
+      <dgm:t>
+        <a:bodyPr/>
+        <a:lstStyle/>
+        <a:p>
+          <a:endParaRPr lang="en-US"/>
+        </a:p>
+      </dgm:t>
+    </dgm:pt>
+    <dgm:pt modelId="{28D6EF9F-D407-419B-A6AB-BA7B9375A4A9}">
+      <dgm:prSet/>
+      <dgm:spPr/>
+      <dgm:t>
+        <a:bodyPr/>
+        <a:lstStyle/>
+        <a:p>
+          <a:endParaRPr lang="en-US"/>
+        </a:p>
+      </dgm:t>
+    </dgm:pt>
+    <dgm:pt modelId="{FCE4655F-05F8-4AA7-9EA7-A1998E4589F8}" type="parTrans" cxnId="{AE0CD98B-FF44-43EC-B1C7-C5F79B40B62B}">
+      <dgm:prSet/>
+      <dgm:spPr/>
+      <dgm:t>
+        <a:bodyPr/>
+        <a:lstStyle/>
+        <a:p>
+          <a:endParaRPr lang="en-US"/>
+        </a:p>
+      </dgm:t>
+    </dgm:pt>
+    <dgm:pt modelId="{80F8AFA9-359D-40B8-B9BD-C476C64BBF4B}" type="sibTrans" cxnId="{AE0CD98B-FF44-43EC-B1C7-C5F79B40B62B}">
+      <dgm:prSet/>
+      <dgm:spPr/>
+      <dgm:t>
+        <a:bodyPr/>
+        <a:lstStyle/>
+        <a:p>
+          <a:endParaRPr lang="en-US"/>
+        </a:p>
+      </dgm:t>
+    </dgm:pt>
+    <dgm:pt modelId="{CF316128-03D4-4451-9F6E-055342AFFCF0}">
+      <dgm:prSet/>
+      <dgm:spPr/>
+    </dgm:pt>
+    <dgm:pt modelId="{2D520A5D-FD87-40F0-94DA-7FD4305F6494}" type="parTrans" cxnId="{65925D27-E93E-4A99-A564-BA8A454E2C0B}">
+      <dgm:prSet/>
+      <dgm:spPr/>
+      <dgm:t>
+        <a:bodyPr/>
+        <a:lstStyle/>
+        <a:p>
+          <a:endParaRPr lang="en-US"/>
+        </a:p>
+      </dgm:t>
+    </dgm:pt>
+    <dgm:pt modelId="{10ADF422-A260-42E0-BD99-26D23C3DD378}" type="sibTrans" cxnId="{65925D27-E93E-4A99-A564-BA8A454E2C0B}">
+      <dgm:prSet/>
+      <dgm:spPr/>
+      <dgm:t>
+        <a:bodyPr/>
+        <a:lstStyle/>
+        <a:p>
+          <a:endParaRPr lang="en-US"/>
+        </a:p>
+      </dgm:t>
+    </dgm:pt>
+    <dgm:pt modelId="{AC7042EC-B25D-430D-BE03-4CDC3696FF7B}">
+      <dgm:prSet/>
+      <dgm:spPr/>
+      <dgm:t>
+        <a:bodyPr/>
+        <a:lstStyle/>
+        <a:p>
+          <a:endParaRPr lang="en-US"/>
+        </a:p>
+      </dgm:t>
+    </dgm:pt>
+    <dgm:pt modelId="{4F70A419-6E2B-4792-BD00-0BD6874C6C7D}" type="parTrans" cxnId="{56F7D28A-3522-4724-BF1D-D763737127CE}">
+      <dgm:prSet/>
+      <dgm:spPr/>
+      <dgm:t>
+        <a:bodyPr/>
+        <a:lstStyle/>
+        <a:p>
+          <a:endParaRPr lang="en-US"/>
+        </a:p>
+      </dgm:t>
+    </dgm:pt>
+    <dgm:pt modelId="{48321B26-0EA5-4A3D-A498-958C2B64880C}" type="sibTrans" cxnId="{56F7D28A-3522-4724-BF1D-D763737127CE}">
+      <dgm:prSet/>
+      <dgm:spPr/>
+      <dgm:t>
+        <a:bodyPr/>
+        <a:lstStyle/>
+        <a:p>
+          <a:endParaRPr lang="en-US"/>
+        </a:p>
+      </dgm:t>
+    </dgm:pt>
+    <dgm:pt modelId="{FAA265E1-06A6-4912-8EB2-64A59A11E439}">
+      <dgm:prSet/>
+      <dgm:spPr/>
+    </dgm:pt>
+    <dgm:pt modelId="{65F797C3-6B65-42CB-A643-1586A259B36A}" type="parTrans" cxnId="{B6ABA6BC-05D0-48AD-95A3-846B3851870A}">
+      <dgm:prSet/>
+      <dgm:spPr/>
+      <dgm:t>
+        <a:bodyPr/>
+        <a:lstStyle/>
+        <a:p>
+          <a:endParaRPr lang="en-US"/>
+        </a:p>
+      </dgm:t>
+    </dgm:pt>
+    <dgm:pt modelId="{0232252E-CE9D-4348-8604-DFC6ADDD770C}" type="sibTrans" cxnId="{B6ABA6BC-05D0-48AD-95A3-846B3851870A}">
+      <dgm:prSet/>
+      <dgm:spPr/>
+      <dgm:t>
+        <a:bodyPr/>
+        <a:lstStyle/>
+        <a:p>
+          <a:endParaRPr lang="en-US"/>
+        </a:p>
+      </dgm:t>
+    </dgm:pt>
     <dgm:pt modelId="{B682A297-D863-4E92-AFF3-1FBA2760D60F}" type="pres">
       <dgm:prSet presAssocID="{71D9B8B6-4E0D-479F-A8DF-4AD812106EA5}" presName="Name0" presStyleCnt="0">
         <dgm:presLayoutVars>
@@ -2597,6 +2805,13 @@
         </dgm:presLayoutVars>
       </dgm:prSet>
       <dgm:spPr/>
+      <dgm:t>
+        <a:bodyPr/>
+        <a:lstStyle/>
+        <a:p>
+          <a:endParaRPr lang="en-US"/>
+        </a:p>
+      </dgm:t>
     </dgm:pt>
     <dgm:pt modelId="{1AB43F0A-D7F2-4D63-887F-7800AB6DD01E}" type="pres">
       <dgm:prSet presAssocID="{5C7DDEF4-C9AF-4453-AB7B-57BEFD804B4A}" presName="singleCycle" presStyleCnt="0"/>
@@ -2621,9 +2836,16 @@
     <dgm:pt modelId="{8B5051D1-2D81-40B7-BCB4-0EE79AFDEB4A}" type="pres">
       <dgm:prSet presAssocID="{9DCF10F5-7E21-48C9-BDDD-8B10EA6F1E51}" presName="Name56" presStyleLbl="parChTrans1D2" presStyleIdx="0" presStyleCnt="4"/>
       <dgm:spPr/>
+      <dgm:t>
+        <a:bodyPr/>
+        <a:lstStyle/>
+        <a:p>
+          <a:endParaRPr lang="en-US"/>
+        </a:p>
+      </dgm:t>
     </dgm:pt>
     <dgm:pt modelId="{90CFB003-8C75-4D87-AE84-A3FEA646ED8E}" type="pres">
-      <dgm:prSet presAssocID="{3761BB19-1F42-4A49-A6C2-5551E2AF8058}" presName="text0" presStyleLbl="node1" presStyleIdx="1" presStyleCnt="5">
+      <dgm:prSet presAssocID="{3761BB19-1F42-4A49-A6C2-5551E2AF8058}" presName="text0" presStyleLbl="node1" presStyleIdx="1" presStyleCnt="5" custScaleX="123794" custScaleY="115328">
         <dgm:presLayoutVars>
           <dgm:bulletEnabled val="1"/>
         </dgm:presLayoutVars>
@@ -2640,9 +2862,16 @@
     <dgm:pt modelId="{05B84FB0-D7DA-4054-A002-8FCEC5D35C10}" type="pres">
       <dgm:prSet presAssocID="{CDC0343E-0810-49C8-BAF8-7557ED2CB59E}" presName="Name56" presStyleLbl="parChTrans1D2" presStyleIdx="1" presStyleCnt="4"/>
       <dgm:spPr/>
+      <dgm:t>
+        <a:bodyPr/>
+        <a:lstStyle/>
+        <a:p>
+          <a:endParaRPr lang="en-US"/>
+        </a:p>
+      </dgm:t>
     </dgm:pt>
     <dgm:pt modelId="{B0BE16BD-0702-4392-8D11-926D2F3C1E2F}" type="pres">
-      <dgm:prSet presAssocID="{CAA500D6-0B13-493D-B067-5BF903F60399}" presName="text0" presStyleLbl="node1" presStyleIdx="2" presStyleCnt="5">
+      <dgm:prSet presAssocID="{CAA500D6-0B13-493D-B067-5BF903F60399}" presName="text0" presStyleLbl="node1" presStyleIdx="2" presStyleCnt="5" custScaleX="128942" custScaleY="123405">
         <dgm:presLayoutVars>
           <dgm:bulletEnabled val="1"/>
         </dgm:presLayoutVars>
@@ -2659,9 +2888,16 @@
     <dgm:pt modelId="{60DD6BF0-A5B4-41B3-A971-102C84777D46}" type="pres">
       <dgm:prSet presAssocID="{A0CA55DE-F391-46BF-AD2E-675B353B872F}" presName="Name56" presStyleLbl="parChTrans1D2" presStyleIdx="2" presStyleCnt="4"/>
       <dgm:spPr/>
+      <dgm:t>
+        <a:bodyPr/>
+        <a:lstStyle/>
+        <a:p>
+          <a:endParaRPr lang="en-US"/>
+        </a:p>
+      </dgm:t>
     </dgm:pt>
     <dgm:pt modelId="{8D6311F5-5472-4861-9D52-5F920F9ABE57}" type="pres">
-      <dgm:prSet presAssocID="{6DD800CA-430C-4BDB-9FF6-AD56B8360E0F}" presName="text0" presStyleLbl="node1" presStyleIdx="3" presStyleCnt="5">
+      <dgm:prSet presAssocID="{6DD800CA-430C-4BDB-9FF6-AD56B8360E0F}" presName="text0" presStyleLbl="node1" presStyleIdx="3" presStyleCnt="5" custScaleX="116409" custScaleY="110896">
         <dgm:presLayoutVars>
           <dgm:bulletEnabled val="1"/>
         </dgm:presLayoutVars>
@@ -2678,9 +2914,16 @@
     <dgm:pt modelId="{5B67BECE-0DD9-4770-8F78-0DFFA7D2D25D}" type="pres">
       <dgm:prSet presAssocID="{C58CEB3D-9F13-48F9-908A-1CCD66F5E718}" presName="Name56" presStyleLbl="parChTrans1D2" presStyleIdx="3" presStyleCnt="4"/>
       <dgm:spPr/>
+      <dgm:t>
+        <a:bodyPr/>
+        <a:lstStyle/>
+        <a:p>
+          <a:endParaRPr lang="en-US"/>
+        </a:p>
+      </dgm:t>
     </dgm:pt>
     <dgm:pt modelId="{5465158C-6DA0-4D5A-BCE0-E8179388443F}" type="pres">
-      <dgm:prSet presAssocID="{A30D52C8-7B1F-450D-A33C-10019892A908}" presName="text0" presStyleLbl="node1" presStyleIdx="4" presStyleCnt="5">
+      <dgm:prSet presAssocID="{A30D52C8-7B1F-450D-A33C-10019892A908}" presName="text0" presStyleLbl="node1" presStyleIdx="4" presStyleCnt="5" custScaleX="122523" custScaleY="123405">
         <dgm:presLayoutVars>
           <dgm:bulletEnabled val="1"/>
         </dgm:presLayoutVars>
@@ -2696,43 +2939,739 @@
     </dgm:pt>
   </dgm:ptLst>
   <dgm:cxnLst>
+    <dgm:cxn modelId="{B43B3D50-1E0F-4F28-BAD1-C92BA907464B}" type="presOf" srcId="{9DCF10F5-7E21-48C9-BDDD-8B10EA6F1E51}" destId="{8B5051D1-2D81-40B7-BCB4-0EE79AFDEB4A}" srcOrd="0" destOrd="0" presId="urn:microsoft.com/office/officeart/2008/layout/RadialCluster"/>
+    <dgm:cxn modelId="{3096A346-EAE2-42BC-ABAD-9552491333DF}" srcId="{71D9B8B6-4E0D-479F-A8DF-4AD812106EA5}" destId="{C2789919-887B-4D76-8E55-93AD41004CEA}" srcOrd="1" destOrd="0" parTransId="{8D9DC617-CD0F-4478-A061-C337177A4425}" sibTransId="{91A8A712-65DE-40DD-8F98-4A2782319AE3}"/>
     <dgm:cxn modelId="{AE5C78EF-78C2-48A0-AD4B-29C5BCC16B67}" srcId="{5C7DDEF4-C9AF-4453-AB7B-57BEFD804B4A}" destId="{6DD800CA-430C-4BDB-9FF6-AD56B8360E0F}" srcOrd="2" destOrd="0" parTransId="{A0CA55DE-F391-46BF-AD2E-675B353B872F}" sibTransId="{87004DBB-6564-4FBD-9BC3-1BC30DCB5828}"/>
-    <dgm:cxn modelId="{8F41FD45-C341-4847-A644-DF2763213B05}" type="presOf" srcId="{71D9B8B6-4E0D-479F-A8DF-4AD812106EA5}" destId="{B682A297-D863-4E92-AFF3-1FBA2760D60F}" srcOrd="0" destOrd="0" presId="urn:microsoft.com/office/officeart/2008/layout/RadialCluster"/>
+    <dgm:cxn modelId="{45ABABD9-5218-4CE9-BCCD-20DD112CE54C}" type="presOf" srcId="{C58CEB3D-9F13-48F9-908A-1CCD66F5E718}" destId="{5B67BECE-0DD9-4770-8F78-0DFFA7D2D25D}" srcOrd="0" destOrd="0" presId="urn:microsoft.com/office/officeart/2008/layout/RadialCluster"/>
     <dgm:cxn modelId="{0870515B-FBD4-4CEC-BF62-8487DB060C41}" srcId="{5C7DDEF4-C9AF-4453-AB7B-57BEFD804B4A}" destId="{A30D52C8-7B1F-450D-A33C-10019892A908}" srcOrd="3" destOrd="0" parTransId="{C58CEB3D-9F13-48F9-908A-1CCD66F5E718}" sibTransId="{26EC1524-DC73-45C4-AA29-D2F839EA5ABB}"/>
-    <dgm:cxn modelId="{1334644A-F538-46FB-89F3-5F9D9BD3EBD2}" type="presOf" srcId="{5C7DDEF4-C9AF-4453-AB7B-57BEFD804B4A}" destId="{5ED055ED-98E4-48E1-9329-116E1B0F5C23}" srcOrd="0" destOrd="0" presId="urn:microsoft.com/office/officeart/2008/layout/RadialCluster"/>
-    <dgm:cxn modelId="{C0FFED69-E789-48CC-8BA9-8AC2685B25FA}" type="presOf" srcId="{A0CA55DE-F391-46BF-AD2E-675B353B872F}" destId="{60DD6BF0-A5B4-41B3-A971-102C84777D46}" srcOrd="0" destOrd="0" presId="urn:microsoft.com/office/officeart/2008/layout/RadialCluster"/>
-    <dgm:cxn modelId="{7734FABB-E52D-4313-8718-B00E2A99B8F0}" type="presOf" srcId="{CAA500D6-0B13-493D-B067-5BF903F60399}" destId="{B0BE16BD-0702-4392-8D11-926D2F3C1E2F}" srcOrd="0" destOrd="0" presId="urn:microsoft.com/office/officeart/2008/layout/RadialCluster"/>
+    <dgm:cxn modelId="{D691DE7F-93F7-4019-B6EC-14DDDA57CFB3}" type="presOf" srcId="{6DD800CA-430C-4BDB-9FF6-AD56B8360E0F}" destId="{8D6311F5-5472-4861-9D52-5F920F9ABE57}" srcOrd="0" destOrd="0" presId="urn:microsoft.com/office/officeart/2008/layout/RadialCluster"/>
+    <dgm:cxn modelId="{65925D27-E93E-4A99-A564-BA8A454E2C0B}" srcId="{71D9B8B6-4E0D-479F-A8DF-4AD812106EA5}" destId="{CF316128-03D4-4451-9F6E-055342AFFCF0}" srcOrd="5" destOrd="0" parTransId="{2D520A5D-FD87-40F0-94DA-7FD4305F6494}" sibTransId="{10ADF422-A260-42E0-BD99-26D23C3DD378}"/>
+    <dgm:cxn modelId="{C3412FCE-9131-4494-909F-C59C01661686}" type="presOf" srcId="{A0CA55DE-F391-46BF-AD2E-675B353B872F}" destId="{60DD6BF0-A5B4-41B3-A971-102C84777D46}" srcOrd="0" destOrd="0" presId="urn:microsoft.com/office/officeart/2008/layout/RadialCluster"/>
+    <dgm:cxn modelId="{56F7D28A-3522-4724-BF1D-D763737127CE}" srcId="{71D9B8B6-4E0D-479F-A8DF-4AD812106EA5}" destId="{AC7042EC-B25D-430D-BE03-4CDC3696FF7B}" srcOrd="6" destOrd="0" parTransId="{4F70A419-6E2B-4792-BD00-0BD6874C6C7D}" sibTransId="{48321B26-0EA5-4A3D-A498-958C2B64880C}"/>
     <dgm:cxn modelId="{25385707-848A-4FDD-8C73-EBB00BC50B06}" srcId="{5C7DDEF4-C9AF-4453-AB7B-57BEFD804B4A}" destId="{3761BB19-1F42-4A49-A6C2-5551E2AF8058}" srcOrd="0" destOrd="0" parTransId="{9DCF10F5-7E21-48C9-BDDD-8B10EA6F1E51}" sibTransId="{0FA6B002-752E-4750-A905-7A25D6AE63E0}"/>
-    <dgm:cxn modelId="{02805F67-9404-4013-9A32-9F0BF5D299CE}" type="presOf" srcId="{C58CEB3D-9F13-48F9-908A-1CCD66F5E718}" destId="{5B67BECE-0DD9-4770-8F78-0DFFA7D2D25D}" srcOrd="0" destOrd="0" presId="urn:microsoft.com/office/officeart/2008/layout/RadialCluster"/>
-    <dgm:cxn modelId="{12A46BC6-0573-4C82-9D05-E2F41116A021}" type="presOf" srcId="{9DCF10F5-7E21-48C9-BDDD-8B10EA6F1E51}" destId="{8B5051D1-2D81-40B7-BCB4-0EE79AFDEB4A}" srcOrd="0" destOrd="0" presId="urn:microsoft.com/office/officeart/2008/layout/RadialCluster"/>
-    <dgm:cxn modelId="{1026068D-9627-4740-9C5D-F7B7D7C6DB2D}" type="presOf" srcId="{A30D52C8-7B1F-450D-A33C-10019892A908}" destId="{5465158C-6DA0-4D5A-BCE0-E8179388443F}" srcOrd="0" destOrd="0" presId="urn:microsoft.com/office/officeart/2008/layout/RadialCluster"/>
-    <dgm:cxn modelId="{7B9A21A4-B008-4D55-8FD0-B4DB8FAFC313}" type="presOf" srcId="{3761BB19-1F42-4A49-A6C2-5551E2AF8058}" destId="{90CFB003-8C75-4D87-AE84-A3FEA646ED8E}" srcOrd="0" destOrd="0" presId="urn:microsoft.com/office/officeart/2008/layout/RadialCluster"/>
-    <dgm:cxn modelId="{A30FC680-797F-4E88-A2E7-6AF5DC2CD22F}" type="presOf" srcId="{CDC0343E-0810-49C8-BAF8-7557ED2CB59E}" destId="{05B84FB0-D7DA-4054-A002-8FCEC5D35C10}" srcOrd="0" destOrd="0" presId="urn:microsoft.com/office/officeart/2008/layout/RadialCluster"/>
+    <dgm:cxn modelId="{84FB3BBD-5F44-4554-856D-C9ADC2BBA17E}" srcId="{71D9B8B6-4E0D-479F-A8DF-4AD812106EA5}" destId="{489D90E7-1BB4-4931-ABA0-B9288DA8A57B}" srcOrd="2" destOrd="0" parTransId="{7B4F5539-8F19-472A-AB97-67FADDCAD4F1}" sibTransId="{103B42E3-979C-4885-B2D6-C31C923A497C}"/>
+    <dgm:cxn modelId="{7D37AEA0-6781-4A13-9BAC-BA13CE5E1309}" type="presOf" srcId="{CAA500D6-0B13-493D-B067-5BF903F60399}" destId="{B0BE16BD-0702-4392-8D11-926D2F3C1E2F}" srcOrd="0" destOrd="0" presId="urn:microsoft.com/office/officeart/2008/layout/RadialCluster"/>
+    <dgm:cxn modelId="{90BB101E-0212-432B-96EC-EAAE83D712B1}" type="presOf" srcId="{71D9B8B6-4E0D-479F-A8DF-4AD812106EA5}" destId="{B682A297-D863-4E92-AFF3-1FBA2760D60F}" srcOrd="0" destOrd="0" presId="urn:microsoft.com/office/officeart/2008/layout/RadialCluster"/>
+    <dgm:cxn modelId="{D94AE87E-657F-4F03-A74C-E61EFFB3E1BE}" type="presOf" srcId="{5C7DDEF4-C9AF-4453-AB7B-57BEFD804B4A}" destId="{5ED055ED-98E4-48E1-9329-116E1B0F5C23}" srcOrd="0" destOrd="0" presId="urn:microsoft.com/office/officeart/2008/layout/RadialCluster"/>
+    <dgm:cxn modelId="{B6ABA6BC-05D0-48AD-95A3-846B3851870A}" srcId="{71D9B8B6-4E0D-479F-A8DF-4AD812106EA5}" destId="{FAA265E1-06A6-4912-8EB2-64A59A11E439}" srcOrd="7" destOrd="0" parTransId="{65F797C3-6B65-42CB-A643-1586A259B36A}" sibTransId="{0232252E-CE9D-4348-8604-DFC6ADDD770C}"/>
+    <dgm:cxn modelId="{1427249A-427B-43A0-8372-1D40719E5F12}" srcId="{71D9B8B6-4E0D-479F-A8DF-4AD812106EA5}" destId="{66BB4918-5498-4BD5-9775-383417D6FD4B}" srcOrd="3" destOrd="0" parTransId="{8748673C-7603-4700-AD72-36631B80B526}" sibTransId="{AF63B9E7-683B-4848-86BB-2BF7AE22234E}"/>
     <dgm:cxn modelId="{96CFE3DA-0B77-4F46-A5D1-018F83F543B9}" srcId="{71D9B8B6-4E0D-479F-A8DF-4AD812106EA5}" destId="{5C7DDEF4-C9AF-4453-AB7B-57BEFD804B4A}" srcOrd="0" destOrd="0" parTransId="{6C289CB9-41E6-4484-96A7-B2D970394CF1}" sibTransId="{F936A26C-B633-4A68-80F7-7F2DD1CD10F0}"/>
-    <dgm:cxn modelId="{5B34D551-C9E2-4FEF-A178-2FA6645C87EB}" type="presOf" srcId="{6DD800CA-430C-4BDB-9FF6-AD56B8360E0F}" destId="{8D6311F5-5472-4861-9D52-5F920F9ABE57}" srcOrd="0" destOrd="0" presId="urn:microsoft.com/office/officeart/2008/layout/RadialCluster"/>
+    <dgm:cxn modelId="{148FF471-8F67-4D45-9B05-19ED08572368}" type="presOf" srcId="{CDC0343E-0810-49C8-BAF8-7557ED2CB59E}" destId="{05B84FB0-D7DA-4054-A002-8FCEC5D35C10}" srcOrd="0" destOrd="0" presId="urn:microsoft.com/office/officeart/2008/layout/RadialCluster"/>
+    <dgm:cxn modelId="{AE0CD98B-FF44-43EC-B1C7-C5F79B40B62B}" srcId="{71D9B8B6-4E0D-479F-A8DF-4AD812106EA5}" destId="{28D6EF9F-D407-419B-A6AB-BA7B9375A4A9}" srcOrd="4" destOrd="0" parTransId="{FCE4655F-05F8-4AA7-9EA7-A1998E4589F8}" sibTransId="{80F8AFA9-359D-40B8-B9BD-C476C64BBF4B}"/>
+    <dgm:cxn modelId="{2A8521D3-4321-4E12-8B2F-DE9FD623427F}" type="presOf" srcId="{A30D52C8-7B1F-450D-A33C-10019892A908}" destId="{5465158C-6DA0-4D5A-BCE0-E8179388443F}" srcOrd="0" destOrd="0" presId="urn:microsoft.com/office/officeart/2008/layout/RadialCluster"/>
     <dgm:cxn modelId="{85F02E6C-B465-4160-B651-C233A6DD4C96}" srcId="{5C7DDEF4-C9AF-4453-AB7B-57BEFD804B4A}" destId="{CAA500D6-0B13-493D-B067-5BF903F60399}" srcOrd="1" destOrd="0" parTransId="{CDC0343E-0810-49C8-BAF8-7557ED2CB59E}" sibTransId="{2E134637-7567-400F-99F3-E0FCEBD14983}"/>
-    <dgm:cxn modelId="{B00C54A6-1188-4909-9D80-50A5A8CB28C5}" type="presParOf" srcId="{B682A297-D863-4E92-AFF3-1FBA2760D60F}" destId="{1AB43F0A-D7F2-4D63-887F-7800AB6DD01E}" srcOrd="0" destOrd="0" presId="urn:microsoft.com/office/officeart/2008/layout/RadialCluster"/>
-    <dgm:cxn modelId="{C64CCCBC-0374-4C51-A4B4-C6827352365B}" type="presParOf" srcId="{1AB43F0A-D7F2-4D63-887F-7800AB6DD01E}" destId="{5ED055ED-98E4-48E1-9329-116E1B0F5C23}" srcOrd="0" destOrd="0" presId="urn:microsoft.com/office/officeart/2008/layout/RadialCluster"/>
-    <dgm:cxn modelId="{73F7C7E0-689B-462E-9DD6-483B2C73D105}" type="presParOf" srcId="{1AB43F0A-D7F2-4D63-887F-7800AB6DD01E}" destId="{8B5051D1-2D81-40B7-BCB4-0EE79AFDEB4A}" srcOrd="1" destOrd="0" presId="urn:microsoft.com/office/officeart/2008/layout/RadialCluster"/>
-    <dgm:cxn modelId="{A34278B2-442B-45DD-9BC1-FBBD3AB12DBB}" type="presParOf" srcId="{1AB43F0A-D7F2-4D63-887F-7800AB6DD01E}" destId="{90CFB003-8C75-4D87-AE84-A3FEA646ED8E}" srcOrd="2" destOrd="0" presId="urn:microsoft.com/office/officeart/2008/layout/RadialCluster"/>
-    <dgm:cxn modelId="{47CF7635-3808-4B94-8A61-0E65147046BD}" type="presParOf" srcId="{1AB43F0A-D7F2-4D63-887F-7800AB6DD01E}" destId="{05B84FB0-D7DA-4054-A002-8FCEC5D35C10}" srcOrd="3" destOrd="0" presId="urn:microsoft.com/office/officeart/2008/layout/RadialCluster"/>
-    <dgm:cxn modelId="{B0754B8B-858D-4DBB-8480-C99EC9A61AE2}" type="presParOf" srcId="{1AB43F0A-D7F2-4D63-887F-7800AB6DD01E}" destId="{B0BE16BD-0702-4392-8D11-926D2F3C1E2F}" srcOrd="4" destOrd="0" presId="urn:microsoft.com/office/officeart/2008/layout/RadialCluster"/>
-    <dgm:cxn modelId="{87749B9E-48A7-4BBC-83F6-73B486D91754}" type="presParOf" srcId="{1AB43F0A-D7F2-4D63-887F-7800AB6DD01E}" destId="{60DD6BF0-A5B4-41B3-A971-102C84777D46}" srcOrd="5" destOrd="0" presId="urn:microsoft.com/office/officeart/2008/layout/RadialCluster"/>
-    <dgm:cxn modelId="{E1176BB4-5A26-4D70-ACBB-0F558BB50687}" type="presParOf" srcId="{1AB43F0A-D7F2-4D63-887F-7800AB6DD01E}" destId="{8D6311F5-5472-4861-9D52-5F920F9ABE57}" srcOrd="6" destOrd="0" presId="urn:microsoft.com/office/officeart/2008/layout/RadialCluster"/>
-    <dgm:cxn modelId="{53B3DB0B-6522-4912-8002-67129DE36D7A}" type="presParOf" srcId="{1AB43F0A-D7F2-4D63-887F-7800AB6DD01E}" destId="{5B67BECE-0DD9-4770-8F78-0DFFA7D2D25D}" srcOrd="7" destOrd="0" presId="urn:microsoft.com/office/officeart/2008/layout/RadialCluster"/>
-    <dgm:cxn modelId="{1C0F7F86-A23E-47A0-86B3-5DEEC209AE96}" type="presParOf" srcId="{1AB43F0A-D7F2-4D63-887F-7800AB6DD01E}" destId="{5465158C-6DA0-4D5A-BCE0-E8179388443F}" srcOrd="8" destOrd="0" presId="urn:microsoft.com/office/officeart/2008/layout/RadialCluster"/>
+    <dgm:cxn modelId="{8EB1A69D-B4AA-4CC9-9297-380188AC576A}" type="presOf" srcId="{3761BB19-1F42-4A49-A6C2-5551E2AF8058}" destId="{90CFB003-8C75-4D87-AE84-A3FEA646ED8E}" srcOrd="0" destOrd="0" presId="urn:microsoft.com/office/officeart/2008/layout/RadialCluster"/>
+    <dgm:cxn modelId="{F8BD5D08-E5A2-4DFE-A1D1-74CD63BF2588}" type="presParOf" srcId="{B682A297-D863-4E92-AFF3-1FBA2760D60F}" destId="{1AB43F0A-D7F2-4D63-887F-7800AB6DD01E}" srcOrd="0" destOrd="0" presId="urn:microsoft.com/office/officeart/2008/layout/RadialCluster"/>
+    <dgm:cxn modelId="{735D1CCF-06E3-4FE3-AB0A-A82EED51A106}" type="presParOf" srcId="{1AB43F0A-D7F2-4D63-887F-7800AB6DD01E}" destId="{5ED055ED-98E4-48E1-9329-116E1B0F5C23}" srcOrd="0" destOrd="0" presId="urn:microsoft.com/office/officeart/2008/layout/RadialCluster"/>
+    <dgm:cxn modelId="{6D7A9CFF-56F2-471E-B727-E7D2494AC1ED}" type="presParOf" srcId="{1AB43F0A-D7F2-4D63-887F-7800AB6DD01E}" destId="{8B5051D1-2D81-40B7-BCB4-0EE79AFDEB4A}" srcOrd="1" destOrd="0" presId="urn:microsoft.com/office/officeart/2008/layout/RadialCluster"/>
+    <dgm:cxn modelId="{E17479E6-04BB-4821-A4F1-2ACB77F3E2C1}" type="presParOf" srcId="{1AB43F0A-D7F2-4D63-887F-7800AB6DD01E}" destId="{90CFB003-8C75-4D87-AE84-A3FEA646ED8E}" srcOrd="2" destOrd="0" presId="urn:microsoft.com/office/officeart/2008/layout/RadialCluster"/>
+    <dgm:cxn modelId="{3844CE04-3A12-48C5-8FC6-770D46462D79}" type="presParOf" srcId="{1AB43F0A-D7F2-4D63-887F-7800AB6DD01E}" destId="{05B84FB0-D7DA-4054-A002-8FCEC5D35C10}" srcOrd="3" destOrd="0" presId="urn:microsoft.com/office/officeart/2008/layout/RadialCluster"/>
+    <dgm:cxn modelId="{0B7F1EC4-15F9-402F-826B-BAA7303E6F0D}" type="presParOf" srcId="{1AB43F0A-D7F2-4D63-887F-7800AB6DD01E}" destId="{B0BE16BD-0702-4392-8D11-926D2F3C1E2F}" srcOrd="4" destOrd="0" presId="urn:microsoft.com/office/officeart/2008/layout/RadialCluster"/>
+    <dgm:cxn modelId="{A74C604E-007D-41B7-A60F-9CD39944551A}" type="presParOf" srcId="{1AB43F0A-D7F2-4D63-887F-7800AB6DD01E}" destId="{60DD6BF0-A5B4-41B3-A971-102C84777D46}" srcOrd="5" destOrd="0" presId="urn:microsoft.com/office/officeart/2008/layout/RadialCluster"/>
+    <dgm:cxn modelId="{9CFDCBCE-00C6-40BE-B58C-5EDF742857D7}" type="presParOf" srcId="{1AB43F0A-D7F2-4D63-887F-7800AB6DD01E}" destId="{8D6311F5-5472-4861-9D52-5F920F9ABE57}" srcOrd="6" destOrd="0" presId="urn:microsoft.com/office/officeart/2008/layout/RadialCluster"/>
+    <dgm:cxn modelId="{173E4F6D-EFDE-49CB-A764-507A50B074FC}" type="presParOf" srcId="{1AB43F0A-D7F2-4D63-887F-7800AB6DD01E}" destId="{5B67BECE-0DD9-4770-8F78-0DFFA7D2D25D}" srcOrd="7" destOrd="0" presId="urn:microsoft.com/office/officeart/2008/layout/RadialCluster"/>
+    <dgm:cxn modelId="{8B355A4E-E530-47B3-8B13-7D271D00A5C9}" type="presParOf" srcId="{1AB43F0A-D7F2-4D63-887F-7800AB6DD01E}" destId="{5465158C-6DA0-4D5A-BCE0-E8179388443F}" srcOrd="8" destOrd="0" presId="urn:microsoft.com/office/officeart/2008/layout/RadialCluster"/>
   </dgm:cxnLst>
   <dgm:bg/>
   <dgm:whole/>
   <dgm:extLst>
     <a:ext uri="http://schemas.microsoft.com/office/drawing/2008/diagram">
-      <dsp:dataModelExt xmlns:dsp="http://schemas.microsoft.com/office/drawing/2008/diagram" relId="rId7" minVer="http://schemas.openxmlformats.org/drawingml/2006/diagram"/>
+      <dsp:dataModelExt xmlns:dsp="http://schemas.microsoft.com/office/drawing/2008/diagram" relId="rId6" minVer="http://schemas.openxmlformats.org/drawingml/2006/diagram"/>
     </a:ext>
   </dgm:extLst>
 </dgm:dataModel>
 </file>
 
 <file path=ppt/diagrams/data2.xml><?xml version="1.0" encoding="utf-8"?>
+<dgm:dataModel xmlns:dgm="http://schemas.openxmlformats.org/drawingml/2006/diagram" xmlns:a="http://schemas.openxmlformats.org/drawingml/2006/main">
+  <dgm:ptLst>
+    <dgm:pt modelId="{D461FE28-798D-4824-A708-522384F116C4}" type="doc">
+      <dgm:prSet loTypeId="urn:microsoft.com/office/officeart/2009/3/layout/StepUpProcess" loCatId="process" qsTypeId="urn:microsoft.com/office/officeart/2005/8/quickstyle/simple1" qsCatId="simple" csTypeId="urn:microsoft.com/office/officeart/2005/8/colors/accent1_2" csCatId="accent1" phldr="1"/>
+      <dgm:spPr/>
+      <dgm:t>
+        <a:bodyPr/>
+        <a:lstStyle/>
+        <a:p>
+          <a:endParaRPr lang="de-DE"/>
+        </a:p>
+      </dgm:t>
+    </dgm:pt>
+    <dgm:pt modelId="{CDB68CF7-75F2-40B7-A4A8-4990D879C09D}">
+      <dgm:prSet phldrT="[Text]"/>
+      <dgm:spPr/>
+      <dgm:t>
+        <a:bodyPr/>
+        <a:lstStyle/>
+        <a:p>
+          <a:r>
+            <a:rPr lang="de-DE" dirty="0" smtClean="0"/>
+            <a:t>Rechnungs-verwaltung</a:t>
+          </a:r>
+          <a:endParaRPr lang="de-DE" dirty="0"/>
+        </a:p>
+      </dgm:t>
+    </dgm:pt>
+    <dgm:pt modelId="{6953884B-6F20-45A4-A7E2-B6BE333B5537}" type="parTrans" cxnId="{C0DE750C-9E4F-4F4C-A8C7-2C182B44540E}">
+      <dgm:prSet/>
+      <dgm:spPr/>
+      <dgm:t>
+        <a:bodyPr/>
+        <a:lstStyle/>
+        <a:p>
+          <a:endParaRPr lang="de-DE"/>
+        </a:p>
+      </dgm:t>
+    </dgm:pt>
+    <dgm:pt modelId="{80AAFCD7-B41C-4AFC-99D4-2E16AEF7D05B}" type="sibTrans" cxnId="{C0DE750C-9E4F-4F4C-A8C7-2C182B44540E}">
+      <dgm:prSet/>
+      <dgm:spPr/>
+      <dgm:t>
+        <a:bodyPr/>
+        <a:lstStyle/>
+        <a:p>
+          <a:endParaRPr lang="de-DE"/>
+        </a:p>
+      </dgm:t>
+    </dgm:pt>
+    <dgm:pt modelId="{761BEA0F-7675-45B2-B460-9C8456559CC7}">
+      <dgm:prSet phldrT="[Text]"/>
+      <dgm:spPr/>
+      <dgm:t>
+        <a:bodyPr/>
+        <a:lstStyle/>
+        <a:p>
+          <a:r>
+            <a:rPr lang="de-DE" dirty="0" smtClean="0"/>
+            <a:t>Kursverwaltung</a:t>
+          </a:r>
+          <a:endParaRPr lang="de-DE" dirty="0"/>
+        </a:p>
+      </dgm:t>
+    </dgm:pt>
+    <dgm:pt modelId="{5C9E1A38-ED17-4F7B-8620-298841D7FEA6}" type="parTrans" cxnId="{BC1869B2-FC0A-4CB4-87DF-B07C67C0D75C}">
+      <dgm:prSet/>
+      <dgm:spPr/>
+      <dgm:t>
+        <a:bodyPr/>
+        <a:lstStyle/>
+        <a:p>
+          <a:endParaRPr lang="de-DE"/>
+        </a:p>
+      </dgm:t>
+    </dgm:pt>
+    <dgm:pt modelId="{86023D43-631E-401D-B3BA-E2712EB6CBCC}" type="sibTrans" cxnId="{BC1869B2-FC0A-4CB4-87DF-B07C67C0D75C}">
+      <dgm:prSet/>
+      <dgm:spPr/>
+      <dgm:t>
+        <a:bodyPr/>
+        <a:lstStyle/>
+        <a:p>
+          <a:endParaRPr lang="de-DE"/>
+        </a:p>
+      </dgm:t>
+    </dgm:pt>
+    <dgm:pt modelId="{BFB78C19-0773-42DB-AC5B-5BF8CA359581}">
+      <dgm:prSet phldrT="[Text]"/>
+      <dgm:spPr/>
+      <dgm:t>
+        <a:bodyPr/>
+        <a:lstStyle/>
+        <a:p>
+          <a:r>
+            <a:rPr lang="de-DE" dirty="0" smtClean="0"/>
+            <a:t>Kunden-verwaltung</a:t>
+          </a:r>
+          <a:endParaRPr lang="de-DE" dirty="0"/>
+        </a:p>
+      </dgm:t>
+    </dgm:pt>
+    <dgm:pt modelId="{A68F2133-39B2-4C2F-A6C7-D86F7C9D807B}" type="parTrans" cxnId="{DFC285F3-0117-4930-A643-F8CF8164B215}">
+      <dgm:prSet/>
+      <dgm:spPr/>
+      <dgm:t>
+        <a:bodyPr/>
+        <a:lstStyle/>
+        <a:p>
+          <a:endParaRPr lang="de-DE"/>
+        </a:p>
+      </dgm:t>
+    </dgm:pt>
+    <dgm:pt modelId="{251AE4E4-F6A7-4B36-A45E-71FBCE29453D}" type="sibTrans" cxnId="{DFC285F3-0117-4930-A643-F8CF8164B215}">
+      <dgm:prSet/>
+      <dgm:spPr/>
+      <dgm:t>
+        <a:bodyPr/>
+        <a:lstStyle/>
+        <a:p>
+          <a:endParaRPr lang="de-DE"/>
+        </a:p>
+      </dgm:t>
+    </dgm:pt>
+    <dgm:pt modelId="{47DCC563-D6F4-4196-81CC-F7C611CF1B67}">
+      <dgm:prSet phldrT="[Text]"/>
+      <dgm:spPr/>
+      <dgm:t>
+        <a:bodyPr/>
+        <a:lstStyle/>
+        <a:p>
+          <a:r>
+            <a:rPr lang="de-DE" dirty="0" smtClean="0"/>
+            <a:t>Material-verwaltung</a:t>
+          </a:r>
+          <a:endParaRPr lang="de-DE" dirty="0"/>
+        </a:p>
+      </dgm:t>
+    </dgm:pt>
+    <dgm:pt modelId="{1CF78272-D1D0-4181-AD35-272290C670C1}" type="parTrans" cxnId="{68505872-F17D-45F6-A4C2-6372F35100B5}">
+      <dgm:prSet/>
+      <dgm:spPr/>
+      <dgm:t>
+        <a:bodyPr/>
+        <a:lstStyle/>
+        <a:p>
+          <a:endParaRPr lang="de-DE"/>
+        </a:p>
+      </dgm:t>
+    </dgm:pt>
+    <dgm:pt modelId="{BBB3F1B3-A5F4-4CD9-8E10-94ECB0195E71}" type="sibTrans" cxnId="{68505872-F17D-45F6-A4C2-6372F35100B5}">
+      <dgm:prSet/>
+      <dgm:spPr/>
+      <dgm:t>
+        <a:bodyPr/>
+        <a:lstStyle/>
+        <a:p>
+          <a:endParaRPr lang="de-DE"/>
+        </a:p>
+      </dgm:t>
+    </dgm:pt>
+    <dgm:pt modelId="{EE1B9103-F3A0-4AC3-B680-C7FF416B601E}">
+      <dgm:prSet phldrT="[Text]"/>
+      <dgm:spPr/>
+      <dgm:t>
+        <a:bodyPr/>
+        <a:lstStyle/>
+        <a:p>
+          <a:r>
+            <a:rPr lang="de-DE" dirty="0" smtClean="0"/>
+            <a:t>Mitarbeiter-verwaltung</a:t>
+          </a:r>
+          <a:endParaRPr lang="de-DE" dirty="0"/>
+        </a:p>
+      </dgm:t>
+    </dgm:pt>
+    <dgm:pt modelId="{1C0040A0-55AC-4208-B2E0-D890F0C2E18F}" type="parTrans" cxnId="{BCEF95A8-0B9C-4B06-AD7A-9247DE88E198}">
+      <dgm:prSet/>
+      <dgm:spPr/>
+      <dgm:t>
+        <a:bodyPr/>
+        <a:lstStyle/>
+        <a:p>
+          <a:endParaRPr lang="de-DE"/>
+        </a:p>
+      </dgm:t>
+    </dgm:pt>
+    <dgm:pt modelId="{CC8B25C0-628C-4B13-B8AD-F1BC1EB842B5}" type="sibTrans" cxnId="{BCEF95A8-0B9C-4B06-AD7A-9247DE88E198}">
+      <dgm:prSet/>
+      <dgm:spPr/>
+      <dgm:t>
+        <a:bodyPr/>
+        <a:lstStyle/>
+        <a:p>
+          <a:endParaRPr lang="de-DE"/>
+        </a:p>
+      </dgm:t>
+    </dgm:pt>
+    <dgm:pt modelId="{60BCC350-D28F-47DD-AAC5-007042556E27}">
+      <dgm:prSet phldrT="[Text]"/>
+      <dgm:spPr/>
+      <dgm:t>
+        <a:bodyPr/>
+        <a:lstStyle/>
+        <a:p>
+          <a:r>
+            <a:rPr lang="de-DE" dirty="0" smtClean="0"/>
+            <a:t>Termin-verwaltung</a:t>
+          </a:r>
+          <a:endParaRPr lang="de-DE" dirty="0"/>
+        </a:p>
+      </dgm:t>
+    </dgm:pt>
+    <dgm:pt modelId="{D8A5B798-BCC7-464A-B191-7EE81C621D78}" type="parTrans" cxnId="{9579F44A-DC01-4C41-8E59-98F480889DC6}">
+      <dgm:prSet/>
+      <dgm:spPr/>
+      <dgm:t>
+        <a:bodyPr/>
+        <a:lstStyle/>
+        <a:p>
+          <a:endParaRPr lang="de-DE"/>
+        </a:p>
+      </dgm:t>
+    </dgm:pt>
+    <dgm:pt modelId="{C3C9F009-03C1-4DB7-8F3E-9D13988C35F0}" type="sibTrans" cxnId="{9579F44A-DC01-4C41-8E59-98F480889DC6}">
+      <dgm:prSet/>
+      <dgm:spPr/>
+      <dgm:t>
+        <a:bodyPr/>
+        <a:lstStyle/>
+        <a:p>
+          <a:endParaRPr lang="de-DE"/>
+        </a:p>
+      </dgm:t>
+    </dgm:pt>
+    <dgm:pt modelId="{CFB95FA7-C288-4C43-8F4A-42E03F413589}">
+      <dgm:prSet phldrT="[Text]"/>
+      <dgm:spPr/>
+      <dgm:t>
+        <a:bodyPr/>
+        <a:lstStyle/>
+        <a:p>
+          <a:r>
+            <a:rPr lang="de-DE" dirty="0" smtClean="0"/>
+            <a:t>Grafische Oberfläche</a:t>
+          </a:r>
+          <a:endParaRPr lang="de-DE" dirty="0"/>
+        </a:p>
+      </dgm:t>
+    </dgm:pt>
+    <dgm:pt modelId="{80A47D06-FCAF-4FB9-9EF0-EE2B8B0754A6}" type="parTrans" cxnId="{3B9D904C-55C2-4350-84BA-FEAF86E925C8}">
+      <dgm:prSet/>
+      <dgm:spPr/>
+      <dgm:t>
+        <a:bodyPr/>
+        <a:lstStyle/>
+        <a:p>
+          <a:endParaRPr lang="de-DE"/>
+        </a:p>
+      </dgm:t>
+    </dgm:pt>
+    <dgm:pt modelId="{364CF5AE-F42B-4C09-BF3D-B1225B064FDD}" type="sibTrans" cxnId="{3B9D904C-55C2-4350-84BA-FEAF86E925C8}">
+      <dgm:prSet/>
+      <dgm:spPr/>
+      <dgm:t>
+        <a:bodyPr/>
+        <a:lstStyle/>
+        <a:p>
+          <a:endParaRPr lang="de-DE"/>
+        </a:p>
+      </dgm:t>
+    </dgm:pt>
+    <dgm:pt modelId="{CB668A01-1555-484C-8E4A-9BBA5C560E1B}">
+      <dgm:prSet phldrT="[Text]" custT="1"/>
+      <dgm:spPr/>
+      <dgm:t>
+        <a:bodyPr/>
+        <a:lstStyle/>
+        <a:p>
+          <a:r>
+            <a:rPr lang="de-DE" sz="1100" b="0" dirty="0" smtClean="0"/>
+            <a:t>Projekt-organisation</a:t>
+          </a:r>
+        </a:p>
+        <a:p>
+          <a:endParaRPr lang="de-DE" sz="1200" b="1" dirty="0"/>
+        </a:p>
+      </dgm:t>
+    </dgm:pt>
+    <dgm:pt modelId="{BC6215ED-8C93-4FD2-81CB-F5D68793B43D}" type="parTrans" cxnId="{3E4A2939-3DE6-4D05-8321-32A869843646}">
+      <dgm:prSet/>
+      <dgm:spPr/>
+      <dgm:t>
+        <a:bodyPr/>
+        <a:lstStyle/>
+        <a:p>
+          <a:endParaRPr lang="de-DE"/>
+        </a:p>
+      </dgm:t>
+    </dgm:pt>
+    <dgm:pt modelId="{1C87FCCD-72E3-4251-8DD3-B974EFA97458}" type="sibTrans" cxnId="{3E4A2939-3DE6-4D05-8321-32A869843646}">
+      <dgm:prSet/>
+      <dgm:spPr/>
+      <dgm:t>
+        <a:bodyPr/>
+        <a:lstStyle/>
+        <a:p>
+          <a:endParaRPr lang="de-DE"/>
+        </a:p>
+      </dgm:t>
+    </dgm:pt>
+    <dgm:pt modelId="{2C4C9F33-DF6C-4377-A215-DD3BD9199960}" type="pres">
+      <dgm:prSet presAssocID="{D461FE28-798D-4824-A708-522384F116C4}" presName="rootnode" presStyleCnt="0">
+        <dgm:presLayoutVars>
+          <dgm:chMax/>
+          <dgm:chPref/>
+          <dgm:dir/>
+          <dgm:animLvl val="lvl"/>
+        </dgm:presLayoutVars>
+      </dgm:prSet>
+      <dgm:spPr/>
+      <dgm:t>
+        <a:bodyPr/>
+        <a:lstStyle/>
+        <a:p>
+          <a:endParaRPr lang="en-US"/>
+        </a:p>
+      </dgm:t>
+    </dgm:pt>
+    <dgm:pt modelId="{CCEC0B2E-3A39-4B8D-AED3-B745A0F9ACD3}" type="pres">
+      <dgm:prSet presAssocID="{CB668A01-1555-484C-8E4A-9BBA5C560E1B}" presName="composite" presStyleCnt="0"/>
+      <dgm:spPr/>
+    </dgm:pt>
+    <dgm:pt modelId="{DD529E39-AB99-47C4-BB76-65C5F882FE51}" type="pres">
+      <dgm:prSet presAssocID="{CB668A01-1555-484C-8E4A-9BBA5C560E1B}" presName="LShape" presStyleLbl="alignNode1" presStyleIdx="0" presStyleCnt="15"/>
+      <dgm:spPr/>
+    </dgm:pt>
+    <dgm:pt modelId="{D126BFEA-016E-4315-A32B-F253DB117006}" type="pres">
+      <dgm:prSet presAssocID="{CB668A01-1555-484C-8E4A-9BBA5C560E1B}" presName="ParentText" presStyleLbl="revTx" presStyleIdx="0" presStyleCnt="8">
+        <dgm:presLayoutVars>
+          <dgm:chMax val="0"/>
+          <dgm:chPref val="0"/>
+          <dgm:bulletEnabled val="1"/>
+        </dgm:presLayoutVars>
+      </dgm:prSet>
+      <dgm:spPr/>
+      <dgm:t>
+        <a:bodyPr/>
+        <a:lstStyle/>
+        <a:p>
+          <a:endParaRPr lang="en-US"/>
+        </a:p>
+      </dgm:t>
+    </dgm:pt>
+    <dgm:pt modelId="{8A34610C-DC5E-46B6-8FFD-EC23F26B7436}" type="pres">
+      <dgm:prSet presAssocID="{CB668A01-1555-484C-8E4A-9BBA5C560E1B}" presName="Triangle" presStyleLbl="alignNode1" presStyleIdx="1" presStyleCnt="15"/>
+      <dgm:spPr/>
+    </dgm:pt>
+    <dgm:pt modelId="{B606618D-5BA2-401A-9AB7-2BA9DD08FE52}" type="pres">
+      <dgm:prSet presAssocID="{1C87FCCD-72E3-4251-8DD3-B974EFA97458}" presName="sibTrans" presStyleCnt="0"/>
+      <dgm:spPr/>
+    </dgm:pt>
+    <dgm:pt modelId="{95EAB2D7-589C-4E19-95D1-E8E5C486D867}" type="pres">
+      <dgm:prSet presAssocID="{1C87FCCD-72E3-4251-8DD3-B974EFA97458}" presName="space" presStyleCnt="0"/>
+      <dgm:spPr/>
+    </dgm:pt>
+    <dgm:pt modelId="{A4A32888-5B41-4AC7-8D18-71DF1DD9B51B}" type="pres">
+      <dgm:prSet presAssocID="{CDB68CF7-75F2-40B7-A4A8-4990D879C09D}" presName="composite" presStyleCnt="0"/>
+      <dgm:spPr/>
+    </dgm:pt>
+    <dgm:pt modelId="{0CCB76E3-6562-4427-9AC3-01ABEB2C65E9}" type="pres">
+      <dgm:prSet presAssocID="{CDB68CF7-75F2-40B7-A4A8-4990D879C09D}" presName="LShape" presStyleLbl="alignNode1" presStyleIdx="2" presStyleCnt="15"/>
+      <dgm:spPr/>
+    </dgm:pt>
+    <dgm:pt modelId="{22634015-0DC2-4E2C-8B2D-B739BCCA19F3}" type="pres">
+      <dgm:prSet presAssocID="{CDB68CF7-75F2-40B7-A4A8-4990D879C09D}" presName="ParentText" presStyleLbl="revTx" presStyleIdx="1" presStyleCnt="8">
+        <dgm:presLayoutVars>
+          <dgm:chMax val="0"/>
+          <dgm:chPref val="0"/>
+          <dgm:bulletEnabled val="1"/>
+        </dgm:presLayoutVars>
+      </dgm:prSet>
+      <dgm:spPr/>
+      <dgm:t>
+        <a:bodyPr/>
+        <a:lstStyle/>
+        <a:p>
+          <a:endParaRPr lang="en-US"/>
+        </a:p>
+      </dgm:t>
+    </dgm:pt>
+    <dgm:pt modelId="{5A6D15F6-1C20-4BD1-99DB-F5C26F0E729F}" type="pres">
+      <dgm:prSet presAssocID="{CDB68CF7-75F2-40B7-A4A8-4990D879C09D}" presName="Triangle" presStyleLbl="alignNode1" presStyleIdx="3" presStyleCnt="15"/>
+      <dgm:spPr/>
+    </dgm:pt>
+    <dgm:pt modelId="{2AE78534-1146-49B4-BF5E-22DE13C67495}" type="pres">
+      <dgm:prSet presAssocID="{80AAFCD7-B41C-4AFC-99D4-2E16AEF7D05B}" presName="sibTrans" presStyleCnt="0"/>
+      <dgm:spPr/>
+    </dgm:pt>
+    <dgm:pt modelId="{DE79B307-738F-42B7-80C8-837D0DE6E221}" type="pres">
+      <dgm:prSet presAssocID="{80AAFCD7-B41C-4AFC-99D4-2E16AEF7D05B}" presName="space" presStyleCnt="0"/>
+      <dgm:spPr/>
+    </dgm:pt>
+    <dgm:pt modelId="{D5431609-3563-4885-A88E-E157C301CAF5}" type="pres">
+      <dgm:prSet presAssocID="{761BEA0F-7675-45B2-B460-9C8456559CC7}" presName="composite" presStyleCnt="0"/>
+      <dgm:spPr/>
+    </dgm:pt>
+    <dgm:pt modelId="{5A5B1A3D-32D7-4BB8-BD3F-B61EA4B7A995}" type="pres">
+      <dgm:prSet presAssocID="{761BEA0F-7675-45B2-B460-9C8456559CC7}" presName="LShape" presStyleLbl="alignNode1" presStyleIdx="4" presStyleCnt="15"/>
+      <dgm:spPr/>
+    </dgm:pt>
+    <dgm:pt modelId="{04D5AFD5-B108-47AD-8659-0DD5B59315B1}" type="pres">
+      <dgm:prSet presAssocID="{761BEA0F-7675-45B2-B460-9C8456559CC7}" presName="ParentText" presStyleLbl="revTx" presStyleIdx="2" presStyleCnt="8">
+        <dgm:presLayoutVars>
+          <dgm:chMax val="0"/>
+          <dgm:chPref val="0"/>
+          <dgm:bulletEnabled val="1"/>
+        </dgm:presLayoutVars>
+      </dgm:prSet>
+      <dgm:spPr/>
+      <dgm:t>
+        <a:bodyPr/>
+        <a:lstStyle/>
+        <a:p>
+          <a:endParaRPr lang="en-US"/>
+        </a:p>
+      </dgm:t>
+    </dgm:pt>
+    <dgm:pt modelId="{610BFBCA-DEDC-4631-B939-498E14A2C3D1}" type="pres">
+      <dgm:prSet presAssocID="{761BEA0F-7675-45B2-B460-9C8456559CC7}" presName="Triangle" presStyleLbl="alignNode1" presStyleIdx="5" presStyleCnt="15"/>
+      <dgm:spPr/>
+    </dgm:pt>
+    <dgm:pt modelId="{81FA50A9-E9AF-4C81-85F7-64A77DF61F3B}" type="pres">
+      <dgm:prSet presAssocID="{86023D43-631E-401D-B3BA-E2712EB6CBCC}" presName="sibTrans" presStyleCnt="0"/>
+      <dgm:spPr/>
+    </dgm:pt>
+    <dgm:pt modelId="{73F14F56-173C-4259-8AB0-B46EC7FD8D6E}" type="pres">
+      <dgm:prSet presAssocID="{86023D43-631E-401D-B3BA-E2712EB6CBCC}" presName="space" presStyleCnt="0"/>
+      <dgm:spPr/>
+    </dgm:pt>
+    <dgm:pt modelId="{65D86B1B-3878-4938-96DC-1056A98D0D08}" type="pres">
+      <dgm:prSet presAssocID="{BFB78C19-0773-42DB-AC5B-5BF8CA359581}" presName="composite" presStyleCnt="0"/>
+      <dgm:spPr/>
+    </dgm:pt>
+    <dgm:pt modelId="{EC8CAFD0-8273-4B87-8945-896FDD9396C3}" type="pres">
+      <dgm:prSet presAssocID="{BFB78C19-0773-42DB-AC5B-5BF8CA359581}" presName="LShape" presStyleLbl="alignNode1" presStyleIdx="6" presStyleCnt="15"/>
+      <dgm:spPr/>
+    </dgm:pt>
+    <dgm:pt modelId="{D858DFD1-C546-46BD-B505-8178F985CA29}" type="pres">
+      <dgm:prSet presAssocID="{BFB78C19-0773-42DB-AC5B-5BF8CA359581}" presName="ParentText" presStyleLbl="revTx" presStyleIdx="3" presStyleCnt="8">
+        <dgm:presLayoutVars>
+          <dgm:chMax val="0"/>
+          <dgm:chPref val="0"/>
+          <dgm:bulletEnabled val="1"/>
+        </dgm:presLayoutVars>
+      </dgm:prSet>
+      <dgm:spPr/>
+      <dgm:t>
+        <a:bodyPr/>
+        <a:lstStyle/>
+        <a:p>
+          <a:endParaRPr lang="en-US"/>
+        </a:p>
+      </dgm:t>
+    </dgm:pt>
+    <dgm:pt modelId="{811E6014-C5D0-497C-BC24-4C1CCD66E389}" type="pres">
+      <dgm:prSet presAssocID="{BFB78C19-0773-42DB-AC5B-5BF8CA359581}" presName="Triangle" presStyleLbl="alignNode1" presStyleIdx="7" presStyleCnt="15"/>
+      <dgm:spPr/>
+    </dgm:pt>
+    <dgm:pt modelId="{B949ADBE-8FF2-4E35-BF1E-767292A48C48}" type="pres">
+      <dgm:prSet presAssocID="{251AE4E4-F6A7-4B36-A45E-71FBCE29453D}" presName="sibTrans" presStyleCnt="0"/>
+      <dgm:spPr/>
+    </dgm:pt>
+    <dgm:pt modelId="{F9C6C935-F126-4538-BF3D-FFC6CF748BC8}" type="pres">
+      <dgm:prSet presAssocID="{251AE4E4-F6A7-4B36-A45E-71FBCE29453D}" presName="space" presStyleCnt="0"/>
+      <dgm:spPr/>
+    </dgm:pt>
+    <dgm:pt modelId="{A61C073E-8122-457E-BF28-E6389F02F225}" type="pres">
+      <dgm:prSet presAssocID="{47DCC563-D6F4-4196-81CC-F7C611CF1B67}" presName="composite" presStyleCnt="0"/>
+      <dgm:spPr/>
+    </dgm:pt>
+    <dgm:pt modelId="{82A9CAB1-5512-45F5-BC82-103114293E0F}" type="pres">
+      <dgm:prSet presAssocID="{47DCC563-D6F4-4196-81CC-F7C611CF1B67}" presName="LShape" presStyleLbl="alignNode1" presStyleIdx="8" presStyleCnt="15"/>
+      <dgm:spPr/>
+    </dgm:pt>
+    <dgm:pt modelId="{66426B21-D17F-4E21-83AC-F5D8B81CB2C6}" type="pres">
+      <dgm:prSet presAssocID="{47DCC563-D6F4-4196-81CC-F7C611CF1B67}" presName="ParentText" presStyleLbl="revTx" presStyleIdx="4" presStyleCnt="8">
+        <dgm:presLayoutVars>
+          <dgm:chMax val="0"/>
+          <dgm:chPref val="0"/>
+          <dgm:bulletEnabled val="1"/>
+        </dgm:presLayoutVars>
+      </dgm:prSet>
+      <dgm:spPr/>
+      <dgm:t>
+        <a:bodyPr/>
+        <a:lstStyle/>
+        <a:p>
+          <a:endParaRPr lang="en-US"/>
+        </a:p>
+      </dgm:t>
+    </dgm:pt>
+    <dgm:pt modelId="{F7648E4A-5E9A-4335-8595-4C6CDC589B2D}" type="pres">
+      <dgm:prSet presAssocID="{47DCC563-D6F4-4196-81CC-F7C611CF1B67}" presName="Triangle" presStyleLbl="alignNode1" presStyleIdx="9" presStyleCnt="15"/>
+      <dgm:spPr/>
+    </dgm:pt>
+    <dgm:pt modelId="{62AC6696-EEE3-4D91-B06B-6BFB31D8BF12}" type="pres">
+      <dgm:prSet presAssocID="{BBB3F1B3-A5F4-4CD9-8E10-94ECB0195E71}" presName="sibTrans" presStyleCnt="0"/>
+      <dgm:spPr/>
+    </dgm:pt>
+    <dgm:pt modelId="{FD498217-3AF8-4CA2-B19C-31701AAB69F2}" type="pres">
+      <dgm:prSet presAssocID="{BBB3F1B3-A5F4-4CD9-8E10-94ECB0195E71}" presName="space" presStyleCnt="0"/>
+      <dgm:spPr/>
+    </dgm:pt>
+    <dgm:pt modelId="{D9B76E0D-E65C-4AD4-A412-AD8721A8DE31}" type="pres">
+      <dgm:prSet presAssocID="{EE1B9103-F3A0-4AC3-B680-C7FF416B601E}" presName="composite" presStyleCnt="0"/>
+      <dgm:spPr/>
+    </dgm:pt>
+    <dgm:pt modelId="{CD88190C-01C6-46F7-8BD5-D8C9E3CFD5FA}" type="pres">
+      <dgm:prSet presAssocID="{EE1B9103-F3A0-4AC3-B680-C7FF416B601E}" presName="LShape" presStyleLbl="alignNode1" presStyleIdx="10" presStyleCnt="15"/>
+      <dgm:spPr/>
+    </dgm:pt>
+    <dgm:pt modelId="{44778676-69CC-42E9-BBE0-6A35249D3B69}" type="pres">
+      <dgm:prSet presAssocID="{EE1B9103-F3A0-4AC3-B680-C7FF416B601E}" presName="ParentText" presStyleLbl="revTx" presStyleIdx="5" presStyleCnt="8">
+        <dgm:presLayoutVars>
+          <dgm:chMax val="0"/>
+          <dgm:chPref val="0"/>
+          <dgm:bulletEnabled val="1"/>
+        </dgm:presLayoutVars>
+      </dgm:prSet>
+      <dgm:spPr/>
+      <dgm:t>
+        <a:bodyPr/>
+        <a:lstStyle/>
+        <a:p>
+          <a:endParaRPr lang="en-US"/>
+        </a:p>
+      </dgm:t>
+    </dgm:pt>
+    <dgm:pt modelId="{2205DA27-E7D1-433E-A5CC-0A1E34CE5619}" type="pres">
+      <dgm:prSet presAssocID="{EE1B9103-F3A0-4AC3-B680-C7FF416B601E}" presName="Triangle" presStyleLbl="alignNode1" presStyleIdx="11" presStyleCnt="15"/>
+      <dgm:spPr/>
+    </dgm:pt>
+    <dgm:pt modelId="{24BF1C05-A009-4BF9-9774-DE98A01BBB95}" type="pres">
+      <dgm:prSet presAssocID="{CC8B25C0-628C-4B13-B8AD-F1BC1EB842B5}" presName="sibTrans" presStyleCnt="0"/>
+      <dgm:spPr/>
+    </dgm:pt>
+    <dgm:pt modelId="{2B9A9343-3FBE-412A-877A-7A83FD200D3B}" type="pres">
+      <dgm:prSet presAssocID="{CC8B25C0-628C-4B13-B8AD-F1BC1EB842B5}" presName="space" presStyleCnt="0"/>
+      <dgm:spPr/>
+    </dgm:pt>
+    <dgm:pt modelId="{60E8DB4F-5500-4895-8D7E-33651948702E}" type="pres">
+      <dgm:prSet presAssocID="{60BCC350-D28F-47DD-AAC5-007042556E27}" presName="composite" presStyleCnt="0"/>
+      <dgm:spPr/>
+    </dgm:pt>
+    <dgm:pt modelId="{61C47974-207C-4903-9D9C-4CECAF5D5050}" type="pres">
+      <dgm:prSet presAssocID="{60BCC350-D28F-47DD-AAC5-007042556E27}" presName="LShape" presStyleLbl="alignNode1" presStyleIdx="12" presStyleCnt="15"/>
+      <dgm:spPr/>
+    </dgm:pt>
+    <dgm:pt modelId="{2527A56F-A57E-4820-8402-98F7E746C65B}" type="pres">
+      <dgm:prSet presAssocID="{60BCC350-D28F-47DD-AAC5-007042556E27}" presName="ParentText" presStyleLbl="revTx" presStyleIdx="6" presStyleCnt="8">
+        <dgm:presLayoutVars>
+          <dgm:chMax val="0"/>
+          <dgm:chPref val="0"/>
+          <dgm:bulletEnabled val="1"/>
+        </dgm:presLayoutVars>
+      </dgm:prSet>
+      <dgm:spPr/>
+      <dgm:t>
+        <a:bodyPr/>
+        <a:lstStyle/>
+        <a:p>
+          <a:endParaRPr lang="en-US"/>
+        </a:p>
+      </dgm:t>
+    </dgm:pt>
+    <dgm:pt modelId="{25EDFA51-37A6-4212-8C24-FE946BC14C81}" type="pres">
+      <dgm:prSet presAssocID="{60BCC350-D28F-47DD-AAC5-007042556E27}" presName="Triangle" presStyleLbl="alignNode1" presStyleIdx="13" presStyleCnt="15"/>
+      <dgm:spPr/>
+    </dgm:pt>
+    <dgm:pt modelId="{E4B09F7A-838C-4FEA-BD52-4E19396E8226}" type="pres">
+      <dgm:prSet presAssocID="{C3C9F009-03C1-4DB7-8F3E-9D13988C35F0}" presName="sibTrans" presStyleCnt="0"/>
+      <dgm:spPr/>
+    </dgm:pt>
+    <dgm:pt modelId="{3B7AB84A-37F4-4854-AB08-1C145182946C}" type="pres">
+      <dgm:prSet presAssocID="{C3C9F009-03C1-4DB7-8F3E-9D13988C35F0}" presName="space" presStyleCnt="0"/>
+      <dgm:spPr/>
+    </dgm:pt>
+    <dgm:pt modelId="{95972422-67D6-4612-A702-EDE73B481A2A}" type="pres">
+      <dgm:prSet presAssocID="{CFB95FA7-C288-4C43-8F4A-42E03F413589}" presName="composite" presStyleCnt="0"/>
+      <dgm:spPr/>
+    </dgm:pt>
+    <dgm:pt modelId="{9615517A-EEE3-449F-8597-5C8BF21BF214}" type="pres">
+      <dgm:prSet presAssocID="{CFB95FA7-C288-4C43-8F4A-42E03F413589}" presName="LShape" presStyleLbl="alignNode1" presStyleIdx="14" presStyleCnt="15"/>
+      <dgm:spPr/>
+    </dgm:pt>
+    <dgm:pt modelId="{A6EF5DC9-DFCD-4FA1-BE70-1AEC064C403C}" type="pres">
+      <dgm:prSet presAssocID="{CFB95FA7-C288-4C43-8F4A-42E03F413589}" presName="ParentText" presStyleLbl="revTx" presStyleIdx="7" presStyleCnt="8">
+        <dgm:presLayoutVars>
+          <dgm:chMax val="0"/>
+          <dgm:chPref val="0"/>
+          <dgm:bulletEnabled val="1"/>
+        </dgm:presLayoutVars>
+      </dgm:prSet>
+      <dgm:spPr/>
+      <dgm:t>
+        <a:bodyPr/>
+        <a:lstStyle/>
+        <a:p>
+          <a:endParaRPr lang="de-DE"/>
+        </a:p>
+      </dgm:t>
+    </dgm:pt>
+  </dgm:ptLst>
+  <dgm:cxnLst>
+    <dgm:cxn modelId="{1135E363-5D2E-4E92-8DF5-9636D9B607FF}" type="presOf" srcId="{761BEA0F-7675-45B2-B460-9C8456559CC7}" destId="{04D5AFD5-B108-47AD-8659-0DD5B59315B1}" srcOrd="0" destOrd="0" presId="urn:microsoft.com/office/officeart/2009/3/layout/StepUpProcess"/>
+    <dgm:cxn modelId="{C49B4DC4-8460-4F4C-854A-8B65CEA0FBD1}" type="presOf" srcId="{CDB68CF7-75F2-40B7-A4A8-4990D879C09D}" destId="{22634015-0DC2-4E2C-8B2D-B739BCCA19F3}" srcOrd="0" destOrd="0" presId="urn:microsoft.com/office/officeart/2009/3/layout/StepUpProcess"/>
+    <dgm:cxn modelId="{7EB3FC8D-D2EA-4A76-B349-5E87048ED085}" type="presOf" srcId="{CB668A01-1555-484C-8E4A-9BBA5C560E1B}" destId="{D126BFEA-016E-4315-A32B-F253DB117006}" srcOrd="0" destOrd="0" presId="urn:microsoft.com/office/officeart/2009/3/layout/StepUpProcess"/>
+    <dgm:cxn modelId="{3B9D904C-55C2-4350-84BA-FEAF86E925C8}" srcId="{D461FE28-798D-4824-A708-522384F116C4}" destId="{CFB95FA7-C288-4C43-8F4A-42E03F413589}" srcOrd="7" destOrd="0" parTransId="{80A47D06-FCAF-4FB9-9EF0-EE2B8B0754A6}" sibTransId="{364CF5AE-F42B-4C09-BF3D-B1225B064FDD}"/>
+    <dgm:cxn modelId="{9A49D987-FEDB-45C0-A6B9-87381A1E5596}" type="presOf" srcId="{CFB95FA7-C288-4C43-8F4A-42E03F413589}" destId="{A6EF5DC9-DFCD-4FA1-BE70-1AEC064C403C}" srcOrd="0" destOrd="0" presId="urn:microsoft.com/office/officeart/2009/3/layout/StepUpProcess"/>
+    <dgm:cxn modelId="{68505872-F17D-45F6-A4C2-6372F35100B5}" srcId="{D461FE28-798D-4824-A708-522384F116C4}" destId="{47DCC563-D6F4-4196-81CC-F7C611CF1B67}" srcOrd="4" destOrd="0" parTransId="{1CF78272-D1D0-4181-AD35-272290C670C1}" sibTransId="{BBB3F1B3-A5F4-4CD9-8E10-94ECB0195E71}"/>
+    <dgm:cxn modelId="{C0DE750C-9E4F-4F4C-A8C7-2C182B44540E}" srcId="{D461FE28-798D-4824-A708-522384F116C4}" destId="{CDB68CF7-75F2-40B7-A4A8-4990D879C09D}" srcOrd="1" destOrd="0" parTransId="{6953884B-6F20-45A4-A7E2-B6BE333B5537}" sibTransId="{80AAFCD7-B41C-4AFC-99D4-2E16AEF7D05B}"/>
+    <dgm:cxn modelId="{BCEF95A8-0B9C-4B06-AD7A-9247DE88E198}" srcId="{D461FE28-798D-4824-A708-522384F116C4}" destId="{EE1B9103-F3A0-4AC3-B680-C7FF416B601E}" srcOrd="5" destOrd="0" parTransId="{1C0040A0-55AC-4208-B2E0-D890F0C2E18F}" sibTransId="{CC8B25C0-628C-4B13-B8AD-F1BC1EB842B5}"/>
+    <dgm:cxn modelId="{A7E2246C-BD4E-4C10-9B5C-A5AF5F499503}" type="presOf" srcId="{BFB78C19-0773-42DB-AC5B-5BF8CA359581}" destId="{D858DFD1-C546-46BD-B505-8178F985CA29}" srcOrd="0" destOrd="0" presId="urn:microsoft.com/office/officeart/2009/3/layout/StepUpProcess"/>
+    <dgm:cxn modelId="{08A0941B-9E92-4432-A8FB-A38EA31047B7}" type="presOf" srcId="{60BCC350-D28F-47DD-AAC5-007042556E27}" destId="{2527A56F-A57E-4820-8402-98F7E746C65B}" srcOrd="0" destOrd="0" presId="urn:microsoft.com/office/officeart/2009/3/layout/StepUpProcess"/>
+    <dgm:cxn modelId="{DFC285F3-0117-4930-A643-F8CF8164B215}" srcId="{D461FE28-798D-4824-A708-522384F116C4}" destId="{BFB78C19-0773-42DB-AC5B-5BF8CA359581}" srcOrd="3" destOrd="0" parTransId="{A68F2133-39B2-4C2F-A6C7-D86F7C9D807B}" sibTransId="{251AE4E4-F6A7-4B36-A45E-71FBCE29453D}"/>
+    <dgm:cxn modelId="{B54C2923-296C-4662-BBB7-E35D87F61F7E}" type="presOf" srcId="{D461FE28-798D-4824-A708-522384F116C4}" destId="{2C4C9F33-DF6C-4377-A215-DD3BD9199960}" srcOrd="0" destOrd="0" presId="urn:microsoft.com/office/officeart/2009/3/layout/StepUpProcess"/>
+    <dgm:cxn modelId="{3E4A2939-3DE6-4D05-8321-32A869843646}" srcId="{D461FE28-798D-4824-A708-522384F116C4}" destId="{CB668A01-1555-484C-8E4A-9BBA5C560E1B}" srcOrd="0" destOrd="0" parTransId="{BC6215ED-8C93-4FD2-81CB-F5D68793B43D}" sibTransId="{1C87FCCD-72E3-4251-8DD3-B974EFA97458}"/>
+    <dgm:cxn modelId="{FF01DFE4-9563-4671-81B4-8C3A7B0CBE06}" type="presOf" srcId="{EE1B9103-F3A0-4AC3-B680-C7FF416B601E}" destId="{44778676-69CC-42E9-BBE0-6A35249D3B69}" srcOrd="0" destOrd="0" presId="urn:microsoft.com/office/officeart/2009/3/layout/StepUpProcess"/>
+    <dgm:cxn modelId="{9579F44A-DC01-4C41-8E59-98F480889DC6}" srcId="{D461FE28-798D-4824-A708-522384F116C4}" destId="{60BCC350-D28F-47DD-AAC5-007042556E27}" srcOrd="6" destOrd="0" parTransId="{D8A5B798-BCC7-464A-B191-7EE81C621D78}" sibTransId="{C3C9F009-03C1-4DB7-8F3E-9D13988C35F0}"/>
+    <dgm:cxn modelId="{FE0F89B8-3422-47F9-8F27-669C825AB52C}" type="presOf" srcId="{47DCC563-D6F4-4196-81CC-F7C611CF1B67}" destId="{66426B21-D17F-4E21-83AC-F5D8B81CB2C6}" srcOrd="0" destOrd="0" presId="urn:microsoft.com/office/officeart/2009/3/layout/StepUpProcess"/>
+    <dgm:cxn modelId="{BC1869B2-FC0A-4CB4-87DF-B07C67C0D75C}" srcId="{D461FE28-798D-4824-A708-522384F116C4}" destId="{761BEA0F-7675-45B2-B460-9C8456559CC7}" srcOrd="2" destOrd="0" parTransId="{5C9E1A38-ED17-4F7B-8620-298841D7FEA6}" sibTransId="{86023D43-631E-401D-B3BA-E2712EB6CBCC}"/>
+    <dgm:cxn modelId="{702EBA37-3686-45D8-A227-8BB29743ECAF}" type="presParOf" srcId="{2C4C9F33-DF6C-4377-A215-DD3BD9199960}" destId="{CCEC0B2E-3A39-4B8D-AED3-B745A0F9ACD3}" srcOrd="0" destOrd="0" presId="urn:microsoft.com/office/officeart/2009/3/layout/StepUpProcess"/>
+    <dgm:cxn modelId="{B138377B-093B-4A56-BBDB-272612260852}" type="presParOf" srcId="{CCEC0B2E-3A39-4B8D-AED3-B745A0F9ACD3}" destId="{DD529E39-AB99-47C4-BB76-65C5F882FE51}" srcOrd="0" destOrd="0" presId="urn:microsoft.com/office/officeart/2009/3/layout/StepUpProcess"/>
+    <dgm:cxn modelId="{C4D28711-715F-4108-9F78-46D72123DE40}" type="presParOf" srcId="{CCEC0B2E-3A39-4B8D-AED3-B745A0F9ACD3}" destId="{D126BFEA-016E-4315-A32B-F253DB117006}" srcOrd="1" destOrd="0" presId="urn:microsoft.com/office/officeart/2009/3/layout/StepUpProcess"/>
+    <dgm:cxn modelId="{A710FBF8-4489-46CB-825D-754BA46F1636}" type="presParOf" srcId="{CCEC0B2E-3A39-4B8D-AED3-B745A0F9ACD3}" destId="{8A34610C-DC5E-46B6-8FFD-EC23F26B7436}" srcOrd="2" destOrd="0" presId="urn:microsoft.com/office/officeart/2009/3/layout/StepUpProcess"/>
+    <dgm:cxn modelId="{E8BE496A-076F-459B-823A-E88C0292F8BF}" type="presParOf" srcId="{2C4C9F33-DF6C-4377-A215-DD3BD9199960}" destId="{B606618D-5BA2-401A-9AB7-2BA9DD08FE52}" srcOrd="1" destOrd="0" presId="urn:microsoft.com/office/officeart/2009/3/layout/StepUpProcess"/>
+    <dgm:cxn modelId="{05C2A878-C829-479D-AAD3-D91AFAB0152B}" type="presParOf" srcId="{B606618D-5BA2-401A-9AB7-2BA9DD08FE52}" destId="{95EAB2D7-589C-4E19-95D1-E8E5C486D867}" srcOrd="0" destOrd="0" presId="urn:microsoft.com/office/officeart/2009/3/layout/StepUpProcess"/>
+    <dgm:cxn modelId="{C06DCE50-E863-45D9-BEB3-733BF5D32C2C}" type="presParOf" srcId="{2C4C9F33-DF6C-4377-A215-DD3BD9199960}" destId="{A4A32888-5B41-4AC7-8D18-71DF1DD9B51B}" srcOrd="2" destOrd="0" presId="urn:microsoft.com/office/officeart/2009/3/layout/StepUpProcess"/>
+    <dgm:cxn modelId="{73D1F242-9AE0-451C-8FA7-439D835BA1A5}" type="presParOf" srcId="{A4A32888-5B41-4AC7-8D18-71DF1DD9B51B}" destId="{0CCB76E3-6562-4427-9AC3-01ABEB2C65E9}" srcOrd="0" destOrd="0" presId="urn:microsoft.com/office/officeart/2009/3/layout/StepUpProcess"/>
+    <dgm:cxn modelId="{BF071C47-5E59-4B3D-B4E4-5DEC5AC8F56E}" type="presParOf" srcId="{A4A32888-5B41-4AC7-8D18-71DF1DD9B51B}" destId="{22634015-0DC2-4E2C-8B2D-B739BCCA19F3}" srcOrd="1" destOrd="0" presId="urn:microsoft.com/office/officeart/2009/3/layout/StepUpProcess"/>
+    <dgm:cxn modelId="{D0F20974-C94A-4118-B76C-B9FBFF4103EF}" type="presParOf" srcId="{A4A32888-5B41-4AC7-8D18-71DF1DD9B51B}" destId="{5A6D15F6-1C20-4BD1-99DB-F5C26F0E729F}" srcOrd="2" destOrd="0" presId="urn:microsoft.com/office/officeart/2009/3/layout/StepUpProcess"/>
+    <dgm:cxn modelId="{C67A04C5-4CE9-47D9-8CDC-09F1EE5F950D}" type="presParOf" srcId="{2C4C9F33-DF6C-4377-A215-DD3BD9199960}" destId="{2AE78534-1146-49B4-BF5E-22DE13C67495}" srcOrd="3" destOrd="0" presId="urn:microsoft.com/office/officeart/2009/3/layout/StepUpProcess"/>
+    <dgm:cxn modelId="{495A9F97-A829-4492-AA53-845DA6DD53D8}" type="presParOf" srcId="{2AE78534-1146-49B4-BF5E-22DE13C67495}" destId="{DE79B307-738F-42B7-80C8-837D0DE6E221}" srcOrd="0" destOrd="0" presId="urn:microsoft.com/office/officeart/2009/3/layout/StepUpProcess"/>
+    <dgm:cxn modelId="{67FA2B54-4E43-4655-89C6-753D3B88218F}" type="presParOf" srcId="{2C4C9F33-DF6C-4377-A215-DD3BD9199960}" destId="{D5431609-3563-4885-A88E-E157C301CAF5}" srcOrd="4" destOrd="0" presId="urn:microsoft.com/office/officeart/2009/3/layout/StepUpProcess"/>
+    <dgm:cxn modelId="{44AF0C2C-990E-49A6-B9FF-F291FEBD9D99}" type="presParOf" srcId="{D5431609-3563-4885-A88E-E157C301CAF5}" destId="{5A5B1A3D-32D7-4BB8-BD3F-B61EA4B7A995}" srcOrd="0" destOrd="0" presId="urn:microsoft.com/office/officeart/2009/3/layout/StepUpProcess"/>
+    <dgm:cxn modelId="{EBF43781-3F3F-4631-9E92-9498BC717847}" type="presParOf" srcId="{D5431609-3563-4885-A88E-E157C301CAF5}" destId="{04D5AFD5-B108-47AD-8659-0DD5B59315B1}" srcOrd="1" destOrd="0" presId="urn:microsoft.com/office/officeart/2009/3/layout/StepUpProcess"/>
+    <dgm:cxn modelId="{EA2088B8-75EA-4339-BB0F-022D54442712}" type="presParOf" srcId="{D5431609-3563-4885-A88E-E157C301CAF5}" destId="{610BFBCA-DEDC-4631-B939-498E14A2C3D1}" srcOrd="2" destOrd="0" presId="urn:microsoft.com/office/officeart/2009/3/layout/StepUpProcess"/>
+    <dgm:cxn modelId="{0E6D3A0C-2A92-41A5-ABDC-4721D4C15DEB}" type="presParOf" srcId="{2C4C9F33-DF6C-4377-A215-DD3BD9199960}" destId="{81FA50A9-E9AF-4C81-85F7-64A77DF61F3B}" srcOrd="5" destOrd="0" presId="urn:microsoft.com/office/officeart/2009/3/layout/StepUpProcess"/>
+    <dgm:cxn modelId="{2C5E9E6E-88E4-4E1B-A061-3FA70DAC674E}" type="presParOf" srcId="{81FA50A9-E9AF-4C81-85F7-64A77DF61F3B}" destId="{73F14F56-173C-4259-8AB0-B46EC7FD8D6E}" srcOrd="0" destOrd="0" presId="urn:microsoft.com/office/officeart/2009/3/layout/StepUpProcess"/>
+    <dgm:cxn modelId="{C52E60B7-94C4-46F0-B30E-AEA2732A52B9}" type="presParOf" srcId="{2C4C9F33-DF6C-4377-A215-DD3BD9199960}" destId="{65D86B1B-3878-4938-96DC-1056A98D0D08}" srcOrd="6" destOrd="0" presId="urn:microsoft.com/office/officeart/2009/3/layout/StepUpProcess"/>
+    <dgm:cxn modelId="{53CB7CB7-C906-4BD9-AE68-054BC4EB4010}" type="presParOf" srcId="{65D86B1B-3878-4938-96DC-1056A98D0D08}" destId="{EC8CAFD0-8273-4B87-8945-896FDD9396C3}" srcOrd="0" destOrd="0" presId="urn:microsoft.com/office/officeart/2009/3/layout/StepUpProcess"/>
+    <dgm:cxn modelId="{FAA1936F-D33F-40B9-8B97-06C8D37DA8AB}" type="presParOf" srcId="{65D86B1B-3878-4938-96DC-1056A98D0D08}" destId="{D858DFD1-C546-46BD-B505-8178F985CA29}" srcOrd="1" destOrd="0" presId="urn:microsoft.com/office/officeart/2009/3/layout/StepUpProcess"/>
+    <dgm:cxn modelId="{836A3044-93A4-4DD3-8CA0-0CBC9EE6B30C}" type="presParOf" srcId="{65D86B1B-3878-4938-96DC-1056A98D0D08}" destId="{811E6014-C5D0-497C-BC24-4C1CCD66E389}" srcOrd="2" destOrd="0" presId="urn:microsoft.com/office/officeart/2009/3/layout/StepUpProcess"/>
+    <dgm:cxn modelId="{80F8C597-EFFB-4A8C-B648-D18649EAA346}" type="presParOf" srcId="{2C4C9F33-DF6C-4377-A215-DD3BD9199960}" destId="{B949ADBE-8FF2-4E35-BF1E-767292A48C48}" srcOrd="7" destOrd="0" presId="urn:microsoft.com/office/officeart/2009/3/layout/StepUpProcess"/>
+    <dgm:cxn modelId="{6C28341E-3DBC-451B-BF06-A5FC23F974C3}" type="presParOf" srcId="{B949ADBE-8FF2-4E35-BF1E-767292A48C48}" destId="{F9C6C935-F126-4538-BF3D-FFC6CF748BC8}" srcOrd="0" destOrd="0" presId="urn:microsoft.com/office/officeart/2009/3/layout/StepUpProcess"/>
+    <dgm:cxn modelId="{C345F838-5435-4AAB-BA24-332E6AC86D71}" type="presParOf" srcId="{2C4C9F33-DF6C-4377-A215-DD3BD9199960}" destId="{A61C073E-8122-457E-BF28-E6389F02F225}" srcOrd="8" destOrd="0" presId="urn:microsoft.com/office/officeart/2009/3/layout/StepUpProcess"/>
+    <dgm:cxn modelId="{B303B73A-5BE0-43ED-989B-A751F7DC327F}" type="presParOf" srcId="{A61C073E-8122-457E-BF28-E6389F02F225}" destId="{82A9CAB1-5512-45F5-BC82-103114293E0F}" srcOrd="0" destOrd="0" presId="urn:microsoft.com/office/officeart/2009/3/layout/StepUpProcess"/>
+    <dgm:cxn modelId="{EE73B7AE-18C7-4A06-915F-1198B1007857}" type="presParOf" srcId="{A61C073E-8122-457E-BF28-E6389F02F225}" destId="{66426B21-D17F-4E21-83AC-F5D8B81CB2C6}" srcOrd="1" destOrd="0" presId="urn:microsoft.com/office/officeart/2009/3/layout/StepUpProcess"/>
+    <dgm:cxn modelId="{176388FB-0A91-4CAA-9053-70C55F2DD4C1}" type="presParOf" srcId="{A61C073E-8122-457E-BF28-E6389F02F225}" destId="{F7648E4A-5E9A-4335-8595-4C6CDC589B2D}" srcOrd="2" destOrd="0" presId="urn:microsoft.com/office/officeart/2009/3/layout/StepUpProcess"/>
+    <dgm:cxn modelId="{715477AE-BB92-4DDA-9BA9-79EE39D52FBC}" type="presParOf" srcId="{2C4C9F33-DF6C-4377-A215-DD3BD9199960}" destId="{62AC6696-EEE3-4D91-B06B-6BFB31D8BF12}" srcOrd="9" destOrd="0" presId="urn:microsoft.com/office/officeart/2009/3/layout/StepUpProcess"/>
+    <dgm:cxn modelId="{9AA44BD9-ADA5-441B-BC02-25BD561FA5CC}" type="presParOf" srcId="{62AC6696-EEE3-4D91-B06B-6BFB31D8BF12}" destId="{FD498217-3AF8-4CA2-B19C-31701AAB69F2}" srcOrd="0" destOrd="0" presId="urn:microsoft.com/office/officeart/2009/3/layout/StepUpProcess"/>
+    <dgm:cxn modelId="{233D2ED2-28A7-449B-9C02-ED109354A919}" type="presParOf" srcId="{2C4C9F33-DF6C-4377-A215-DD3BD9199960}" destId="{D9B76E0D-E65C-4AD4-A412-AD8721A8DE31}" srcOrd="10" destOrd="0" presId="urn:microsoft.com/office/officeart/2009/3/layout/StepUpProcess"/>
+    <dgm:cxn modelId="{894A1359-A6BE-463B-8A7C-AA2E5C49C874}" type="presParOf" srcId="{D9B76E0D-E65C-4AD4-A412-AD8721A8DE31}" destId="{CD88190C-01C6-46F7-8BD5-D8C9E3CFD5FA}" srcOrd="0" destOrd="0" presId="urn:microsoft.com/office/officeart/2009/3/layout/StepUpProcess"/>
+    <dgm:cxn modelId="{ABFEBC32-C3B4-4B5E-8A30-E760835B8C41}" type="presParOf" srcId="{D9B76E0D-E65C-4AD4-A412-AD8721A8DE31}" destId="{44778676-69CC-42E9-BBE0-6A35249D3B69}" srcOrd="1" destOrd="0" presId="urn:microsoft.com/office/officeart/2009/3/layout/StepUpProcess"/>
+    <dgm:cxn modelId="{3B2BB65E-6B50-45A3-9813-01468387EAB5}" type="presParOf" srcId="{D9B76E0D-E65C-4AD4-A412-AD8721A8DE31}" destId="{2205DA27-E7D1-433E-A5CC-0A1E34CE5619}" srcOrd="2" destOrd="0" presId="urn:microsoft.com/office/officeart/2009/3/layout/StepUpProcess"/>
+    <dgm:cxn modelId="{76F9E14E-2096-4146-82BF-3EDE65CC7498}" type="presParOf" srcId="{2C4C9F33-DF6C-4377-A215-DD3BD9199960}" destId="{24BF1C05-A009-4BF9-9774-DE98A01BBB95}" srcOrd="11" destOrd="0" presId="urn:microsoft.com/office/officeart/2009/3/layout/StepUpProcess"/>
+    <dgm:cxn modelId="{B87D6A1B-FF2F-463E-81D9-DC40455F5038}" type="presParOf" srcId="{24BF1C05-A009-4BF9-9774-DE98A01BBB95}" destId="{2B9A9343-3FBE-412A-877A-7A83FD200D3B}" srcOrd="0" destOrd="0" presId="urn:microsoft.com/office/officeart/2009/3/layout/StepUpProcess"/>
+    <dgm:cxn modelId="{47D8E045-0551-4D16-B075-96E8C03AAF6F}" type="presParOf" srcId="{2C4C9F33-DF6C-4377-A215-DD3BD9199960}" destId="{60E8DB4F-5500-4895-8D7E-33651948702E}" srcOrd="12" destOrd="0" presId="urn:microsoft.com/office/officeart/2009/3/layout/StepUpProcess"/>
+    <dgm:cxn modelId="{53B59136-B881-451B-A4DD-F9B3BE17F87B}" type="presParOf" srcId="{60E8DB4F-5500-4895-8D7E-33651948702E}" destId="{61C47974-207C-4903-9D9C-4CECAF5D5050}" srcOrd="0" destOrd="0" presId="urn:microsoft.com/office/officeart/2009/3/layout/StepUpProcess"/>
+    <dgm:cxn modelId="{A6CED0E8-98EF-4FFD-A1C3-FA0C7C20CFE6}" type="presParOf" srcId="{60E8DB4F-5500-4895-8D7E-33651948702E}" destId="{2527A56F-A57E-4820-8402-98F7E746C65B}" srcOrd="1" destOrd="0" presId="urn:microsoft.com/office/officeart/2009/3/layout/StepUpProcess"/>
+    <dgm:cxn modelId="{714BB43A-C3B5-42A3-9EA2-760E8B2DB375}" type="presParOf" srcId="{60E8DB4F-5500-4895-8D7E-33651948702E}" destId="{25EDFA51-37A6-4212-8C24-FE946BC14C81}" srcOrd="2" destOrd="0" presId="urn:microsoft.com/office/officeart/2009/3/layout/StepUpProcess"/>
+    <dgm:cxn modelId="{A597FC19-D51A-4A33-A1B9-F647FAD0AF93}" type="presParOf" srcId="{2C4C9F33-DF6C-4377-A215-DD3BD9199960}" destId="{E4B09F7A-838C-4FEA-BD52-4E19396E8226}" srcOrd="13" destOrd="0" presId="urn:microsoft.com/office/officeart/2009/3/layout/StepUpProcess"/>
+    <dgm:cxn modelId="{7B13BE80-F295-4E81-ACEB-959957B85C68}" type="presParOf" srcId="{E4B09F7A-838C-4FEA-BD52-4E19396E8226}" destId="{3B7AB84A-37F4-4854-AB08-1C145182946C}" srcOrd="0" destOrd="0" presId="urn:microsoft.com/office/officeart/2009/3/layout/StepUpProcess"/>
+    <dgm:cxn modelId="{E256866F-E93A-4CFC-8FD9-21E9AE80B770}" type="presParOf" srcId="{2C4C9F33-DF6C-4377-A215-DD3BD9199960}" destId="{95972422-67D6-4612-A702-EDE73B481A2A}" srcOrd="14" destOrd="0" presId="urn:microsoft.com/office/officeart/2009/3/layout/StepUpProcess"/>
+    <dgm:cxn modelId="{23786301-EF5C-459E-A7A7-3EA817A9E248}" type="presParOf" srcId="{95972422-67D6-4612-A702-EDE73B481A2A}" destId="{9615517A-EEE3-449F-8597-5C8BF21BF214}" srcOrd="0" destOrd="0" presId="urn:microsoft.com/office/officeart/2009/3/layout/StepUpProcess"/>
+    <dgm:cxn modelId="{CD8750C9-619D-4D80-97F3-6BDB42885406}" type="presParOf" srcId="{95972422-67D6-4612-A702-EDE73B481A2A}" destId="{A6EF5DC9-DFCD-4FA1-BE70-1AEC064C403C}" srcOrd="1" destOrd="0" presId="urn:microsoft.com/office/officeart/2009/3/layout/StepUpProcess"/>
+  </dgm:cxnLst>
+  <dgm:bg/>
+  <dgm:whole/>
+  <dgm:extLst>
+    <a:ext uri="http://schemas.microsoft.com/office/drawing/2008/diagram">
+      <dsp:dataModelExt xmlns:dsp="http://schemas.microsoft.com/office/drawing/2008/diagram" relId="rId6" minVer="http://schemas.openxmlformats.org/drawingml/2006/diagram"/>
+    </a:ext>
+  </dgm:extLst>
+</dgm:dataModel>
+</file>
+
+<file path=ppt/diagrams/data3.xml><?xml version="1.0" encoding="utf-8"?>
 <dgm:dataModel xmlns:dgm="http://schemas.openxmlformats.org/drawingml/2006/diagram" xmlns:a="http://schemas.openxmlformats.org/drawingml/2006/main">
   <dgm:ptLst>
     <dgm:pt modelId="{445D7CFE-DD36-4B9E-86F2-33173531E827}" type="doc">
@@ -3452,36 +4391,36 @@
     </dgm:pt>
   </dgm:ptLst>
   <dgm:cxnLst>
+    <dgm:cxn modelId="{0812E1E5-9E26-4E3D-9414-E044BB7EA917}" srcId="{75BA3AB8-FA27-4DBD-8136-B0ADF608E209}" destId="{72915466-8DFF-4A07-B85C-47A3BAAB8D75}" srcOrd="4" destOrd="0" parTransId="{CC34472A-37B5-49B6-8B49-5A9B04E999C8}" sibTransId="{1B91C5D3-7D7D-4C03-A80B-5E53B80FD10A}"/>
+    <dgm:cxn modelId="{7560C90D-C88F-4EB3-A3E7-A59F4F7FE8F6}" srcId="{75BA3AB8-FA27-4DBD-8136-B0ADF608E209}" destId="{2ABAD6DA-70A8-41F1-BF0B-EF861A709F61}" srcOrd="3" destOrd="0" parTransId="{508D6D7D-8904-43AD-8C65-378658561D25}" sibTransId="{8613F6D3-5A26-4EA7-BE97-0C77DB94E302}"/>
+    <dgm:cxn modelId="{A84E2A31-D3FB-47EC-A372-DB76851B9006}" type="presOf" srcId="{5631C195-8DD5-47E6-A96D-394871C0DA7D}" destId="{9E44132C-8324-46A3-B331-34E510770468}" srcOrd="0" destOrd="2" presId="urn:microsoft.com/office/officeart/2009/3/layout/IncreasingArrowsProcess"/>
+    <dgm:cxn modelId="{1AB2EDEC-C8D0-4AFF-8499-CCF88E4AD9BF}" srcId="{445D7CFE-DD36-4B9E-86F2-33173531E827}" destId="{75BA3AB8-FA27-4DBD-8136-B0ADF608E209}" srcOrd="1" destOrd="0" parTransId="{52DCAE03-2EFD-4998-B82E-97766D4D3F93}" sibTransId="{9164CCCA-CCA1-4383-920B-88609E25541E}"/>
+    <dgm:cxn modelId="{57935C2C-EC69-4483-B626-D8EAE543AFB0}" type="presOf" srcId="{2ABAD6DA-70A8-41F1-BF0B-EF861A709F61}" destId="{9E44132C-8324-46A3-B331-34E510770468}" srcOrd="0" destOrd="3" presId="urn:microsoft.com/office/officeart/2009/3/layout/IncreasingArrowsProcess"/>
+    <dgm:cxn modelId="{9CB00DF1-393D-441C-8AF4-39883F6E79AE}" srcId="{03BAFF2E-2054-4E1C-8CB1-F908FEB237DA}" destId="{821F7152-91A2-4FF3-BB50-2A349715C726}" srcOrd="1" destOrd="0" parTransId="{12552306-91E3-4421-B697-33849D695ECF}" sibTransId="{1099CB26-FB94-4B44-A0C3-8CA5A29060DD}"/>
+    <dgm:cxn modelId="{A010F0A4-FE11-412C-ACB6-63220564B7D6}" type="presOf" srcId="{75BA3AB8-FA27-4DBD-8136-B0ADF608E209}" destId="{694A9EB9-F0F7-4A21-B303-BBCAA0524F9C}" srcOrd="0" destOrd="0" presId="urn:microsoft.com/office/officeart/2009/3/layout/IncreasingArrowsProcess"/>
+    <dgm:cxn modelId="{E5858145-F10C-4C27-B1FD-2AFED059B04C}" type="presOf" srcId="{B99C5CDE-B5D9-4A71-8316-96A3CE0E5A65}" destId="{9E44132C-8324-46A3-B331-34E510770468}" srcOrd="0" destOrd="1" presId="urn:microsoft.com/office/officeart/2009/3/layout/IncreasingArrowsProcess"/>
+    <dgm:cxn modelId="{F3E03B73-72A2-4D0E-A77E-B8CA65B5E8AE}" srcId="{03BAFF2E-2054-4E1C-8CB1-F908FEB237DA}" destId="{11FE0FA2-B05E-4536-A77C-299D563625D7}" srcOrd="3" destOrd="0" parTransId="{DC387888-EFB0-437F-80AC-3AEFD589B62F}" sibTransId="{9D9A5A2A-8ADA-43DE-A942-95CAC92F0C76}"/>
+    <dgm:cxn modelId="{646B6BE0-5075-42F8-9C93-9F271DFA617A}" srcId="{75BA3AB8-FA27-4DBD-8136-B0ADF608E209}" destId="{5631C195-8DD5-47E6-A96D-394871C0DA7D}" srcOrd="2" destOrd="0" parTransId="{540D8E12-DEB2-4E29-8E02-850E22B0880F}" sibTransId="{DB3ACF6B-A7C0-4BE5-83BB-BB08EDEFEA32}"/>
+    <dgm:cxn modelId="{A30C256E-AF6B-4F93-9D5B-2438151CCA5F}" srcId="{03BAFF2E-2054-4E1C-8CB1-F908FEB237DA}" destId="{6B2DB6F2-88BA-4A3A-B3E2-B1954A4C965F}" srcOrd="0" destOrd="0" parTransId="{2A24A98B-F43B-481B-9673-0F6E4FF5DDCD}" sibTransId="{9E89BC9C-1439-4A11-932C-A5CB1A99540D}"/>
+    <dgm:cxn modelId="{E9553AF8-68B7-4D90-A63A-667DCC9DFDEF}" srcId="{050B96AB-08B3-4F52-9910-3BA477047103}" destId="{2D805D3C-D087-488B-ACCF-C16FF15F7CF6}" srcOrd="0" destOrd="0" parTransId="{9D375B9D-03CF-45AB-81CD-3A8510191BFC}" sibTransId="{F282E3CB-A5E5-49C1-8477-3EB4AC2A31FD}"/>
+    <dgm:cxn modelId="{14543BB8-2281-47B9-ABD5-9C56CF83B3EF}" type="presOf" srcId="{72915466-8DFF-4A07-B85C-47A3BAAB8D75}" destId="{9E44132C-8324-46A3-B331-34E510770468}" srcOrd="0" destOrd="4" presId="urn:microsoft.com/office/officeart/2009/3/layout/IncreasingArrowsProcess"/>
+    <dgm:cxn modelId="{58CBE0C5-DF02-466B-AF2F-1478A12F4CF9}" type="presOf" srcId="{6B2DB6F2-88BA-4A3A-B3E2-B1954A4C965F}" destId="{7EACA938-B70E-429F-8548-55DC77EF8118}" srcOrd="0" destOrd="0" presId="urn:microsoft.com/office/officeart/2009/3/layout/IncreasingArrowsProcess"/>
+    <dgm:cxn modelId="{5618E42E-8CE6-43FE-AE56-F2643B03C4C9}" type="presOf" srcId="{050B96AB-08B3-4F52-9910-3BA477047103}" destId="{9B611828-DB53-4D91-8204-F0E60EA74807}" srcOrd="0" destOrd="0" presId="urn:microsoft.com/office/officeart/2009/3/layout/IncreasingArrowsProcess"/>
     <dgm:cxn modelId="{A0F222C3-19F2-402C-A575-77E1B19A3047}" srcId="{75BA3AB8-FA27-4DBD-8136-B0ADF608E209}" destId="{B99C5CDE-B5D9-4A71-8316-96A3CE0E5A65}" srcOrd="1" destOrd="0" parTransId="{DBD76866-929C-41A1-982E-E90BC822163C}" sibTransId="{20081605-8119-4459-87AA-10C07D360757}"/>
+    <dgm:cxn modelId="{45E7B2BA-6707-4D47-8254-FAB9E8DAFA91}" type="presOf" srcId="{D26AC188-AA32-4E97-B897-2A94F23BE3D8}" destId="{917FF7F2-210A-48A2-9D27-67C8AAFC2925}" srcOrd="0" destOrd="1" presId="urn:microsoft.com/office/officeart/2009/3/layout/IncreasingArrowsProcess"/>
+    <dgm:cxn modelId="{D3099B65-CD13-4532-B160-B931BF4C7599}" srcId="{03BAFF2E-2054-4E1C-8CB1-F908FEB237DA}" destId="{ABB96F31-2477-4F98-ADAF-6DADF16680CB}" srcOrd="2" destOrd="0" parTransId="{612DB353-58F3-4933-95C1-309EACBCE5D6}" sibTransId="{F81702F0-E96C-4943-A5E3-F6601B59BEE8}"/>
+    <dgm:cxn modelId="{728B95AA-11F8-4997-9A0D-265EBB27AC3C}" srcId="{445D7CFE-DD36-4B9E-86F2-33173531E827}" destId="{050B96AB-08B3-4F52-9910-3BA477047103}" srcOrd="3" destOrd="0" parTransId="{8DE6D32C-E1F9-49F5-A3F3-E0239A9FCCE1}" sibTransId="{4E61FCC3-DDD3-478E-8845-94D73DE27ECB}"/>
     <dgm:cxn modelId="{9AB36BCC-F808-4330-8708-61DE438FDA36}" type="presOf" srcId="{445D7CFE-DD36-4B9E-86F2-33173531E827}" destId="{69BDEF38-3D17-405E-9188-A24DC2BF16BB}" srcOrd="0" destOrd="0" presId="urn:microsoft.com/office/officeart/2009/3/layout/IncreasingArrowsProcess"/>
-    <dgm:cxn modelId="{A010F0A4-FE11-412C-ACB6-63220564B7D6}" type="presOf" srcId="{75BA3AB8-FA27-4DBD-8136-B0ADF608E209}" destId="{694A9EB9-F0F7-4A21-B303-BBCAA0524F9C}" srcOrd="0" destOrd="0" presId="urn:microsoft.com/office/officeart/2009/3/layout/IncreasingArrowsProcess"/>
-    <dgm:cxn modelId="{D3099B65-CD13-4532-B160-B931BF4C7599}" srcId="{03BAFF2E-2054-4E1C-8CB1-F908FEB237DA}" destId="{ABB96F31-2477-4F98-ADAF-6DADF16680CB}" srcOrd="2" destOrd="0" parTransId="{612DB353-58F3-4933-95C1-309EACBCE5D6}" sibTransId="{F81702F0-E96C-4943-A5E3-F6601B59BEE8}"/>
+    <dgm:cxn modelId="{BE3CF701-4404-4BFC-AF44-7C12D02ED9BC}" type="presOf" srcId="{FC6361C7-5471-4D2C-AB3C-0B6CEA745E00}" destId="{6FDDAC2B-1938-402C-A865-F1E203D6C204}" srcOrd="0" destOrd="0" presId="urn:microsoft.com/office/officeart/2009/3/layout/IncreasingArrowsProcess"/>
+    <dgm:cxn modelId="{12CE2AAB-48EC-4FE5-A342-4162090A3656}" type="presOf" srcId="{11FE0FA2-B05E-4536-A77C-299D563625D7}" destId="{7EACA938-B70E-429F-8548-55DC77EF8118}" srcOrd="0" destOrd="3" presId="urn:microsoft.com/office/officeart/2009/3/layout/IncreasingArrowsProcess"/>
     <dgm:cxn modelId="{0E64C25E-D633-4532-9C1E-27C58C154CCF}" type="presOf" srcId="{2D805D3C-D087-488B-ACCF-C16FF15F7CF6}" destId="{917FF7F2-210A-48A2-9D27-67C8AAFC2925}" srcOrd="0" destOrd="0" presId="urn:microsoft.com/office/officeart/2009/3/layout/IncreasingArrowsProcess"/>
-    <dgm:cxn modelId="{F3E03B73-72A2-4D0E-A77E-B8CA65B5E8AE}" srcId="{03BAFF2E-2054-4E1C-8CB1-F908FEB237DA}" destId="{11FE0FA2-B05E-4536-A77C-299D563625D7}" srcOrd="3" destOrd="0" parTransId="{DC387888-EFB0-437F-80AC-3AEFD589B62F}" sibTransId="{9D9A5A2A-8ADA-43DE-A942-95CAC92F0C76}"/>
-    <dgm:cxn modelId="{A30C256E-AF6B-4F93-9D5B-2438151CCA5F}" srcId="{03BAFF2E-2054-4E1C-8CB1-F908FEB237DA}" destId="{6B2DB6F2-88BA-4A3A-B3E2-B1954A4C965F}" srcOrd="0" destOrd="0" parTransId="{2A24A98B-F43B-481B-9673-0F6E4FF5DDCD}" sibTransId="{9E89BC9C-1439-4A11-932C-A5CB1A99540D}"/>
-    <dgm:cxn modelId="{646B6BE0-5075-42F8-9C93-9F271DFA617A}" srcId="{75BA3AB8-FA27-4DBD-8136-B0ADF608E209}" destId="{5631C195-8DD5-47E6-A96D-394871C0DA7D}" srcOrd="2" destOrd="0" parTransId="{540D8E12-DEB2-4E29-8E02-850E22B0880F}" sibTransId="{DB3ACF6B-A7C0-4BE5-83BB-BB08EDEFEA32}"/>
-    <dgm:cxn modelId="{57935C2C-EC69-4483-B626-D8EAE543AFB0}" type="presOf" srcId="{2ABAD6DA-70A8-41F1-BF0B-EF861A709F61}" destId="{9E44132C-8324-46A3-B331-34E510770468}" srcOrd="0" destOrd="3" presId="urn:microsoft.com/office/officeart/2009/3/layout/IncreasingArrowsProcess"/>
-    <dgm:cxn modelId="{7DB3E0D5-D8D5-43CC-A9C9-4E7D7129F4F2}" srcId="{445D7CFE-DD36-4B9E-86F2-33173531E827}" destId="{FC6361C7-5471-4D2C-AB3C-0B6CEA745E00}" srcOrd="2" destOrd="0" parTransId="{3767ADD3-92CB-4E80-91AA-0068FFCEFA77}" sibTransId="{89195B7B-1AF0-4734-BF34-2EC51CC11B42}"/>
-    <dgm:cxn modelId="{A84E2A31-D3FB-47EC-A372-DB76851B9006}" type="presOf" srcId="{5631C195-8DD5-47E6-A96D-394871C0DA7D}" destId="{9E44132C-8324-46A3-B331-34E510770468}" srcOrd="0" destOrd="2" presId="urn:microsoft.com/office/officeart/2009/3/layout/IncreasingArrowsProcess"/>
-    <dgm:cxn modelId="{45E7B2BA-6707-4D47-8254-FAB9E8DAFA91}" type="presOf" srcId="{D26AC188-AA32-4E97-B897-2A94F23BE3D8}" destId="{917FF7F2-210A-48A2-9D27-67C8AAFC2925}" srcOrd="0" destOrd="1" presId="urn:microsoft.com/office/officeart/2009/3/layout/IncreasingArrowsProcess"/>
-    <dgm:cxn modelId="{344C0826-9E60-47F5-98B4-A0A9308ABCB2}" srcId="{75BA3AB8-FA27-4DBD-8136-B0ADF608E209}" destId="{80327A37-A18F-4A7E-B098-FD5D25A10237}" srcOrd="0" destOrd="0" parTransId="{D56E71A8-50D4-40D3-8BCE-B226AD2F6A88}" sibTransId="{C5F1B9CA-64FE-46A6-8BA9-17A215602C39}"/>
-    <dgm:cxn modelId="{728B95AA-11F8-4997-9A0D-265EBB27AC3C}" srcId="{445D7CFE-DD36-4B9E-86F2-33173531E827}" destId="{050B96AB-08B3-4F52-9910-3BA477047103}" srcOrd="3" destOrd="0" parTransId="{8DE6D32C-E1F9-49F5-A3F3-E0239A9FCCE1}" sibTransId="{4E61FCC3-DDD3-478E-8845-94D73DE27ECB}"/>
-    <dgm:cxn modelId="{12CE2AAB-48EC-4FE5-A342-4162090A3656}" type="presOf" srcId="{11FE0FA2-B05E-4536-A77C-299D563625D7}" destId="{7EACA938-B70E-429F-8548-55DC77EF8118}" srcOrd="0" destOrd="3" presId="urn:microsoft.com/office/officeart/2009/3/layout/IncreasingArrowsProcess"/>
-    <dgm:cxn modelId="{BE3CF701-4404-4BFC-AF44-7C12D02ED9BC}" type="presOf" srcId="{FC6361C7-5471-4D2C-AB3C-0B6CEA745E00}" destId="{6FDDAC2B-1938-402C-A865-F1E203D6C204}" srcOrd="0" destOrd="0" presId="urn:microsoft.com/office/officeart/2009/3/layout/IncreasingArrowsProcess"/>
-    <dgm:cxn modelId="{8B6F436E-DCAE-44CE-8E4A-37B7CC083CA7}" srcId="{445D7CFE-DD36-4B9E-86F2-33173531E827}" destId="{03BAFF2E-2054-4E1C-8CB1-F908FEB237DA}" srcOrd="0" destOrd="0" parTransId="{747ED427-F338-4833-932E-02E738354BC0}" sibTransId="{2B3F5005-12A3-430E-85FA-C5D958D95A07}"/>
-    <dgm:cxn modelId="{58CBE0C5-DF02-466B-AF2F-1478A12F4CF9}" type="presOf" srcId="{6B2DB6F2-88BA-4A3A-B3E2-B1954A4C965F}" destId="{7EACA938-B70E-429F-8548-55DC77EF8118}" srcOrd="0" destOrd="0" presId="urn:microsoft.com/office/officeart/2009/3/layout/IncreasingArrowsProcess"/>
-    <dgm:cxn modelId="{7560C90D-C88F-4EB3-A3E7-A59F4F7FE8F6}" srcId="{75BA3AB8-FA27-4DBD-8136-B0ADF608E209}" destId="{2ABAD6DA-70A8-41F1-BF0B-EF861A709F61}" srcOrd="3" destOrd="0" parTransId="{508D6D7D-8904-43AD-8C65-378658561D25}" sibTransId="{8613F6D3-5A26-4EA7-BE97-0C77DB94E302}"/>
-    <dgm:cxn modelId="{841E9093-834B-4517-A24A-1FF1CD42AC76}" srcId="{050B96AB-08B3-4F52-9910-3BA477047103}" destId="{D26AC188-AA32-4E97-B897-2A94F23BE3D8}" srcOrd="1" destOrd="0" parTransId="{F1863D50-5F0A-4916-A77D-27FF93A26E22}" sibTransId="{8EC35666-CBCB-41A3-B480-5624CC136F06}"/>
-    <dgm:cxn modelId="{0812E1E5-9E26-4E3D-9414-E044BB7EA917}" srcId="{75BA3AB8-FA27-4DBD-8136-B0ADF608E209}" destId="{72915466-8DFF-4A07-B85C-47A3BAAB8D75}" srcOrd="4" destOrd="0" parTransId="{CC34472A-37B5-49B6-8B49-5A9B04E999C8}" sibTransId="{1B91C5D3-7D7D-4C03-A80B-5E53B80FD10A}"/>
-    <dgm:cxn modelId="{9CB00DF1-393D-441C-8AF4-39883F6E79AE}" srcId="{03BAFF2E-2054-4E1C-8CB1-F908FEB237DA}" destId="{821F7152-91A2-4FF3-BB50-2A349715C726}" srcOrd="1" destOrd="0" parTransId="{12552306-91E3-4421-B697-33849D695ECF}" sibTransId="{1099CB26-FB94-4B44-A0C3-8CA5A29060DD}"/>
-    <dgm:cxn modelId="{1AB2EDEC-C8D0-4AFF-8499-CCF88E4AD9BF}" srcId="{445D7CFE-DD36-4B9E-86F2-33173531E827}" destId="{75BA3AB8-FA27-4DBD-8136-B0ADF608E209}" srcOrd="1" destOrd="0" parTransId="{52DCAE03-2EFD-4998-B82E-97766D4D3F93}" sibTransId="{9164CCCA-CCA1-4383-920B-88609E25541E}"/>
-    <dgm:cxn modelId="{F4D3916A-D832-4AC2-95D4-CDC10DE90DCD}" type="presOf" srcId="{80327A37-A18F-4A7E-B098-FD5D25A10237}" destId="{9E44132C-8324-46A3-B331-34E510770468}" srcOrd="0" destOrd="0" presId="urn:microsoft.com/office/officeart/2009/3/layout/IncreasingArrowsProcess"/>
-    <dgm:cxn modelId="{14543BB8-2281-47B9-ABD5-9C56CF83B3EF}" type="presOf" srcId="{72915466-8DFF-4A07-B85C-47A3BAAB8D75}" destId="{9E44132C-8324-46A3-B331-34E510770468}" srcOrd="0" destOrd="4" presId="urn:microsoft.com/office/officeart/2009/3/layout/IncreasingArrowsProcess"/>
     <dgm:cxn modelId="{1ED39E5D-B08E-451B-B1E4-538AC4480526}" type="presOf" srcId="{03BAFF2E-2054-4E1C-8CB1-F908FEB237DA}" destId="{9D082147-CB47-49C0-8C4E-79F46F02CC84}" srcOrd="0" destOrd="0" presId="urn:microsoft.com/office/officeart/2009/3/layout/IncreasingArrowsProcess"/>
     <dgm:cxn modelId="{484C9DC2-2918-47FE-9693-B5DE076A5690}" type="presOf" srcId="{821F7152-91A2-4FF3-BB50-2A349715C726}" destId="{7EACA938-B70E-429F-8548-55DC77EF8118}" srcOrd="0" destOrd="1" presId="urn:microsoft.com/office/officeart/2009/3/layout/IncreasingArrowsProcess"/>
-    <dgm:cxn modelId="{E5858145-F10C-4C27-B1FD-2AFED059B04C}" type="presOf" srcId="{B99C5CDE-B5D9-4A71-8316-96A3CE0E5A65}" destId="{9E44132C-8324-46A3-B331-34E510770468}" srcOrd="0" destOrd="1" presId="urn:microsoft.com/office/officeart/2009/3/layout/IncreasingArrowsProcess"/>
-    <dgm:cxn modelId="{E9553AF8-68B7-4D90-A63A-667DCC9DFDEF}" srcId="{050B96AB-08B3-4F52-9910-3BA477047103}" destId="{2D805D3C-D087-488B-ACCF-C16FF15F7CF6}" srcOrd="0" destOrd="0" parTransId="{9D375B9D-03CF-45AB-81CD-3A8510191BFC}" sibTransId="{F282E3CB-A5E5-49C1-8477-3EB4AC2A31FD}"/>
-    <dgm:cxn modelId="{5618E42E-8CE6-43FE-AE56-F2643B03C4C9}" type="presOf" srcId="{050B96AB-08B3-4F52-9910-3BA477047103}" destId="{9B611828-DB53-4D91-8204-F0E60EA74807}" srcOrd="0" destOrd="0" presId="urn:microsoft.com/office/officeart/2009/3/layout/IncreasingArrowsProcess"/>
+    <dgm:cxn modelId="{344C0826-9E60-47F5-98B4-A0A9308ABCB2}" srcId="{75BA3AB8-FA27-4DBD-8136-B0ADF608E209}" destId="{80327A37-A18F-4A7E-B098-FD5D25A10237}" srcOrd="0" destOrd="0" parTransId="{D56E71A8-50D4-40D3-8BCE-B226AD2F6A88}" sibTransId="{C5F1B9CA-64FE-46A6-8BA9-17A215602C39}"/>
+    <dgm:cxn modelId="{8B6F436E-DCAE-44CE-8E4A-37B7CC083CA7}" srcId="{445D7CFE-DD36-4B9E-86F2-33173531E827}" destId="{03BAFF2E-2054-4E1C-8CB1-F908FEB237DA}" srcOrd="0" destOrd="0" parTransId="{747ED427-F338-4833-932E-02E738354BC0}" sibTransId="{2B3F5005-12A3-430E-85FA-C5D958D95A07}"/>
+    <dgm:cxn modelId="{7DB3E0D5-D8D5-43CC-A9C9-4E7D7129F4F2}" srcId="{445D7CFE-DD36-4B9E-86F2-33173531E827}" destId="{FC6361C7-5471-4D2C-AB3C-0B6CEA745E00}" srcOrd="2" destOrd="0" parTransId="{3767ADD3-92CB-4E80-91AA-0068FFCEFA77}" sibTransId="{89195B7B-1AF0-4734-BF34-2EC51CC11B42}"/>
+    <dgm:cxn modelId="{841E9093-834B-4517-A24A-1FF1CD42AC76}" srcId="{050B96AB-08B3-4F52-9910-3BA477047103}" destId="{D26AC188-AA32-4E97-B897-2A94F23BE3D8}" srcOrd="1" destOrd="0" parTransId="{F1863D50-5F0A-4916-A77D-27FF93A26E22}" sibTransId="{8EC35666-CBCB-41A3-B480-5624CC136F06}"/>
+    <dgm:cxn modelId="{F4D3916A-D832-4AC2-95D4-CDC10DE90DCD}" type="presOf" srcId="{80327A37-A18F-4A7E-B098-FD5D25A10237}" destId="{9E44132C-8324-46A3-B331-34E510770468}" srcOrd="0" destOrd="0" presId="urn:microsoft.com/office/officeart/2009/3/layout/IncreasingArrowsProcess"/>
     <dgm:cxn modelId="{32DAD44F-6A2B-4E79-9C57-56410097FC16}" type="presOf" srcId="{ABB96F31-2477-4F98-ADAF-6DADF16680CB}" destId="{7EACA938-B70E-429F-8548-55DC77EF8118}" srcOrd="0" destOrd="2" presId="urn:microsoft.com/office/officeart/2009/3/layout/IncreasingArrowsProcess"/>
     <dgm:cxn modelId="{381A1993-A5CB-4443-AC8A-CEC3DE1DB0F8}" type="presParOf" srcId="{69BDEF38-3D17-405E-9188-A24DC2BF16BB}" destId="{9D082147-CB47-49C0-8C4E-79F46F02CC84}" srcOrd="0" destOrd="0" presId="urn:microsoft.com/office/officeart/2009/3/layout/IncreasingArrowsProcess"/>
     <dgm:cxn modelId="{827E8F45-F54D-4FAB-8185-4E3BDD1A8249}" type="presParOf" srcId="{69BDEF38-3D17-405E-9188-A24DC2BF16BB}" destId="{7EACA938-B70E-429F-8548-55DC77EF8118}" srcOrd="1" destOrd="0" presId="urn:microsoft.com/office/officeart/2009/3/layout/IncreasingArrowsProcess"/>
@@ -3490,637 +4429,6 @@
     <dgm:cxn modelId="{385F5E0A-ADEB-4259-8DC0-45F98011693F}" type="presParOf" srcId="{69BDEF38-3D17-405E-9188-A24DC2BF16BB}" destId="{6FDDAC2B-1938-402C-A865-F1E203D6C204}" srcOrd="4" destOrd="0" presId="urn:microsoft.com/office/officeart/2009/3/layout/IncreasingArrowsProcess"/>
     <dgm:cxn modelId="{D54CCDC0-6744-4CFE-A273-F04E86767627}" type="presParOf" srcId="{69BDEF38-3D17-405E-9188-A24DC2BF16BB}" destId="{9B611828-DB53-4D91-8204-F0E60EA74807}" srcOrd="5" destOrd="0" presId="urn:microsoft.com/office/officeart/2009/3/layout/IncreasingArrowsProcess"/>
     <dgm:cxn modelId="{7863B0A6-C70D-4A91-9195-7404490E2A2B}" type="presParOf" srcId="{69BDEF38-3D17-405E-9188-A24DC2BF16BB}" destId="{917FF7F2-210A-48A2-9D27-67C8AAFC2925}" srcOrd="6" destOrd="0" presId="urn:microsoft.com/office/officeart/2009/3/layout/IncreasingArrowsProcess"/>
-  </dgm:cxnLst>
-  <dgm:bg/>
-  <dgm:whole/>
-  <dgm:extLst>
-    <a:ext uri="http://schemas.microsoft.com/office/drawing/2008/diagram">
-      <dsp:dataModelExt xmlns:dsp="http://schemas.microsoft.com/office/drawing/2008/diagram" relId="rId6" minVer="http://schemas.openxmlformats.org/drawingml/2006/diagram"/>
-    </a:ext>
-  </dgm:extLst>
-</dgm:dataModel>
-</file>
-
-<file path=ppt/diagrams/data3.xml><?xml version="1.0" encoding="utf-8"?>
-<dgm:dataModel xmlns:dgm="http://schemas.openxmlformats.org/drawingml/2006/diagram" xmlns:a="http://schemas.openxmlformats.org/drawingml/2006/main">
-  <dgm:ptLst>
-    <dgm:pt modelId="{D461FE28-798D-4824-A708-522384F116C4}" type="doc">
-      <dgm:prSet loTypeId="urn:microsoft.com/office/officeart/2009/3/layout/StepUpProcess" loCatId="process" qsTypeId="urn:microsoft.com/office/officeart/2005/8/quickstyle/simple1" qsCatId="simple" csTypeId="urn:microsoft.com/office/officeart/2005/8/colors/accent1_2" csCatId="accent1" phldr="1"/>
-      <dgm:spPr/>
-      <dgm:t>
-        <a:bodyPr/>
-        <a:lstStyle/>
-        <a:p>
-          <a:endParaRPr lang="de-DE"/>
-        </a:p>
-      </dgm:t>
-    </dgm:pt>
-    <dgm:pt modelId="{CDB68CF7-75F2-40B7-A4A8-4990D879C09D}">
-      <dgm:prSet phldrT="[Text]"/>
-      <dgm:spPr/>
-      <dgm:t>
-        <a:bodyPr/>
-        <a:lstStyle/>
-        <a:p>
-          <a:r>
-            <a:rPr lang="de-DE" dirty="0" smtClean="0"/>
-            <a:t>Rechnungs-verwaltung</a:t>
-          </a:r>
-          <a:endParaRPr lang="de-DE" dirty="0"/>
-        </a:p>
-      </dgm:t>
-    </dgm:pt>
-    <dgm:pt modelId="{6953884B-6F20-45A4-A7E2-B6BE333B5537}" type="parTrans" cxnId="{C0DE750C-9E4F-4F4C-A8C7-2C182B44540E}">
-      <dgm:prSet/>
-      <dgm:spPr/>
-      <dgm:t>
-        <a:bodyPr/>
-        <a:lstStyle/>
-        <a:p>
-          <a:endParaRPr lang="de-DE"/>
-        </a:p>
-      </dgm:t>
-    </dgm:pt>
-    <dgm:pt modelId="{80AAFCD7-B41C-4AFC-99D4-2E16AEF7D05B}" type="sibTrans" cxnId="{C0DE750C-9E4F-4F4C-A8C7-2C182B44540E}">
-      <dgm:prSet/>
-      <dgm:spPr/>
-      <dgm:t>
-        <a:bodyPr/>
-        <a:lstStyle/>
-        <a:p>
-          <a:endParaRPr lang="de-DE"/>
-        </a:p>
-      </dgm:t>
-    </dgm:pt>
-    <dgm:pt modelId="{761BEA0F-7675-45B2-B460-9C8456559CC7}">
-      <dgm:prSet phldrT="[Text]"/>
-      <dgm:spPr/>
-      <dgm:t>
-        <a:bodyPr/>
-        <a:lstStyle/>
-        <a:p>
-          <a:r>
-            <a:rPr lang="de-DE" dirty="0" smtClean="0"/>
-            <a:t>Kursverwaltung</a:t>
-          </a:r>
-          <a:endParaRPr lang="de-DE" dirty="0"/>
-        </a:p>
-      </dgm:t>
-    </dgm:pt>
-    <dgm:pt modelId="{5C9E1A38-ED17-4F7B-8620-298841D7FEA6}" type="parTrans" cxnId="{BC1869B2-FC0A-4CB4-87DF-B07C67C0D75C}">
-      <dgm:prSet/>
-      <dgm:spPr/>
-      <dgm:t>
-        <a:bodyPr/>
-        <a:lstStyle/>
-        <a:p>
-          <a:endParaRPr lang="de-DE"/>
-        </a:p>
-      </dgm:t>
-    </dgm:pt>
-    <dgm:pt modelId="{86023D43-631E-401D-B3BA-E2712EB6CBCC}" type="sibTrans" cxnId="{BC1869B2-FC0A-4CB4-87DF-B07C67C0D75C}">
-      <dgm:prSet/>
-      <dgm:spPr/>
-      <dgm:t>
-        <a:bodyPr/>
-        <a:lstStyle/>
-        <a:p>
-          <a:endParaRPr lang="de-DE"/>
-        </a:p>
-      </dgm:t>
-    </dgm:pt>
-    <dgm:pt modelId="{BFB78C19-0773-42DB-AC5B-5BF8CA359581}">
-      <dgm:prSet phldrT="[Text]"/>
-      <dgm:spPr/>
-      <dgm:t>
-        <a:bodyPr/>
-        <a:lstStyle/>
-        <a:p>
-          <a:r>
-            <a:rPr lang="de-DE" dirty="0" smtClean="0"/>
-            <a:t>Kunden-verwaltung</a:t>
-          </a:r>
-          <a:endParaRPr lang="de-DE" dirty="0"/>
-        </a:p>
-      </dgm:t>
-    </dgm:pt>
-    <dgm:pt modelId="{A68F2133-39B2-4C2F-A6C7-D86F7C9D807B}" type="parTrans" cxnId="{DFC285F3-0117-4930-A643-F8CF8164B215}">
-      <dgm:prSet/>
-      <dgm:spPr/>
-      <dgm:t>
-        <a:bodyPr/>
-        <a:lstStyle/>
-        <a:p>
-          <a:endParaRPr lang="de-DE"/>
-        </a:p>
-      </dgm:t>
-    </dgm:pt>
-    <dgm:pt modelId="{251AE4E4-F6A7-4B36-A45E-71FBCE29453D}" type="sibTrans" cxnId="{DFC285F3-0117-4930-A643-F8CF8164B215}">
-      <dgm:prSet/>
-      <dgm:spPr/>
-      <dgm:t>
-        <a:bodyPr/>
-        <a:lstStyle/>
-        <a:p>
-          <a:endParaRPr lang="de-DE"/>
-        </a:p>
-      </dgm:t>
-    </dgm:pt>
-    <dgm:pt modelId="{47DCC563-D6F4-4196-81CC-F7C611CF1B67}">
-      <dgm:prSet phldrT="[Text]"/>
-      <dgm:spPr/>
-      <dgm:t>
-        <a:bodyPr/>
-        <a:lstStyle/>
-        <a:p>
-          <a:r>
-            <a:rPr lang="de-DE" dirty="0" smtClean="0"/>
-            <a:t>Material-verwaltung</a:t>
-          </a:r>
-          <a:endParaRPr lang="de-DE" dirty="0"/>
-        </a:p>
-      </dgm:t>
-    </dgm:pt>
-    <dgm:pt modelId="{1CF78272-D1D0-4181-AD35-272290C670C1}" type="parTrans" cxnId="{68505872-F17D-45F6-A4C2-6372F35100B5}">
-      <dgm:prSet/>
-      <dgm:spPr/>
-      <dgm:t>
-        <a:bodyPr/>
-        <a:lstStyle/>
-        <a:p>
-          <a:endParaRPr lang="de-DE"/>
-        </a:p>
-      </dgm:t>
-    </dgm:pt>
-    <dgm:pt modelId="{BBB3F1B3-A5F4-4CD9-8E10-94ECB0195E71}" type="sibTrans" cxnId="{68505872-F17D-45F6-A4C2-6372F35100B5}">
-      <dgm:prSet/>
-      <dgm:spPr/>
-      <dgm:t>
-        <a:bodyPr/>
-        <a:lstStyle/>
-        <a:p>
-          <a:endParaRPr lang="de-DE"/>
-        </a:p>
-      </dgm:t>
-    </dgm:pt>
-    <dgm:pt modelId="{EE1B9103-F3A0-4AC3-B680-C7FF416B601E}">
-      <dgm:prSet phldrT="[Text]"/>
-      <dgm:spPr/>
-      <dgm:t>
-        <a:bodyPr/>
-        <a:lstStyle/>
-        <a:p>
-          <a:r>
-            <a:rPr lang="de-DE" dirty="0" smtClean="0"/>
-            <a:t>Mitarbeiter-verwaltung</a:t>
-          </a:r>
-          <a:endParaRPr lang="de-DE" dirty="0"/>
-        </a:p>
-      </dgm:t>
-    </dgm:pt>
-    <dgm:pt modelId="{1C0040A0-55AC-4208-B2E0-D890F0C2E18F}" type="parTrans" cxnId="{BCEF95A8-0B9C-4B06-AD7A-9247DE88E198}">
-      <dgm:prSet/>
-      <dgm:spPr/>
-      <dgm:t>
-        <a:bodyPr/>
-        <a:lstStyle/>
-        <a:p>
-          <a:endParaRPr lang="de-DE"/>
-        </a:p>
-      </dgm:t>
-    </dgm:pt>
-    <dgm:pt modelId="{CC8B25C0-628C-4B13-B8AD-F1BC1EB842B5}" type="sibTrans" cxnId="{BCEF95A8-0B9C-4B06-AD7A-9247DE88E198}">
-      <dgm:prSet/>
-      <dgm:spPr/>
-      <dgm:t>
-        <a:bodyPr/>
-        <a:lstStyle/>
-        <a:p>
-          <a:endParaRPr lang="de-DE"/>
-        </a:p>
-      </dgm:t>
-    </dgm:pt>
-    <dgm:pt modelId="{60BCC350-D28F-47DD-AAC5-007042556E27}">
-      <dgm:prSet phldrT="[Text]"/>
-      <dgm:spPr/>
-      <dgm:t>
-        <a:bodyPr/>
-        <a:lstStyle/>
-        <a:p>
-          <a:r>
-            <a:rPr lang="de-DE" dirty="0" smtClean="0"/>
-            <a:t>Termin-verwaltung</a:t>
-          </a:r>
-          <a:endParaRPr lang="de-DE" dirty="0"/>
-        </a:p>
-      </dgm:t>
-    </dgm:pt>
-    <dgm:pt modelId="{D8A5B798-BCC7-464A-B191-7EE81C621D78}" type="parTrans" cxnId="{9579F44A-DC01-4C41-8E59-98F480889DC6}">
-      <dgm:prSet/>
-      <dgm:spPr/>
-      <dgm:t>
-        <a:bodyPr/>
-        <a:lstStyle/>
-        <a:p>
-          <a:endParaRPr lang="de-DE"/>
-        </a:p>
-      </dgm:t>
-    </dgm:pt>
-    <dgm:pt modelId="{C3C9F009-03C1-4DB7-8F3E-9D13988C35F0}" type="sibTrans" cxnId="{9579F44A-DC01-4C41-8E59-98F480889DC6}">
-      <dgm:prSet/>
-      <dgm:spPr/>
-      <dgm:t>
-        <a:bodyPr/>
-        <a:lstStyle/>
-        <a:p>
-          <a:endParaRPr lang="de-DE"/>
-        </a:p>
-      </dgm:t>
-    </dgm:pt>
-    <dgm:pt modelId="{CFB95FA7-C288-4C43-8F4A-42E03F413589}">
-      <dgm:prSet phldrT="[Text]"/>
-      <dgm:spPr/>
-      <dgm:t>
-        <a:bodyPr/>
-        <a:lstStyle/>
-        <a:p>
-          <a:r>
-            <a:rPr lang="de-DE" dirty="0" smtClean="0"/>
-            <a:t>Grafische Oberfläche</a:t>
-          </a:r>
-          <a:endParaRPr lang="de-DE" dirty="0"/>
-        </a:p>
-      </dgm:t>
-    </dgm:pt>
-    <dgm:pt modelId="{80A47D06-FCAF-4FB9-9EF0-EE2B8B0754A6}" type="parTrans" cxnId="{3B9D904C-55C2-4350-84BA-FEAF86E925C8}">
-      <dgm:prSet/>
-      <dgm:spPr/>
-      <dgm:t>
-        <a:bodyPr/>
-        <a:lstStyle/>
-        <a:p>
-          <a:endParaRPr lang="de-DE"/>
-        </a:p>
-      </dgm:t>
-    </dgm:pt>
-    <dgm:pt modelId="{364CF5AE-F42B-4C09-BF3D-B1225B064FDD}" type="sibTrans" cxnId="{3B9D904C-55C2-4350-84BA-FEAF86E925C8}">
-      <dgm:prSet/>
-      <dgm:spPr/>
-      <dgm:t>
-        <a:bodyPr/>
-        <a:lstStyle/>
-        <a:p>
-          <a:endParaRPr lang="de-DE"/>
-        </a:p>
-      </dgm:t>
-    </dgm:pt>
-    <dgm:pt modelId="{CB668A01-1555-484C-8E4A-9BBA5C560E1B}">
-      <dgm:prSet phldrT="[Text]"/>
-      <dgm:spPr/>
-      <dgm:t>
-        <a:bodyPr/>
-        <a:lstStyle/>
-        <a:p>
-          <a:r>
-            <a:rPr lang="de-DE" dirty="0" smtClean="0"/>
-            <a:t>Projekt-organisation</a:t>
-          </a:r>
-          <a:endParaRPr lang="de-DE" dirty="0"/>
-        </a:p>
-      </dgm:t>
-    </dgm:pt>
-    <dgm:pt modelId="{BC6215ED-8C93-4FD2-81CB-F5D68793B43D}" type="parTrans" cxnId="{3E4A2939-3DE6-4D05-8321-32A869843646}">
-      <dgm:prSet/>
-      <dgm:spPr/>
-      <dgm:t>
-        <a:bodyPr/>
-        <a:lstStyle/>
-        <a:p>
-          <a:endParaRPr lang="de-DE"/>
-        </a:p>
-      </dgm:t>
-    </dgm:pt>
-    <dgm:pt modelId="{1C87FCCD-72E3-4251-8DD3-B974EFA97458}" type="sibTrans" cxnId="{3E4A2939-3DE6-4D05-8321-32A869843646}">
-      <dgm:prSet/>
-      <dgm:spPr/>
-      <dgm:t>
-        <a:bodyPr/>
-        <a:lstStyle/>
-        <a:p>
-          <a:endParaRPr lang="de-DE"/>
-        </a:p>
-      </dgm:t>
-    </dgm:pt>
-    <dgm:pt modelId="{2C4C9F33-DF6C-4377-A215-DD3BD9199960}" type="pres">
-      <dgm:prSet presAssocID="{D461FE28-798D-4824-A708-522384F116C4}" presName="rootnode" presStyleCnt="0">
-        <dgm:presLayoutVars>
-          <dgm:chMax/>
-          <dgm:chPref/>
-          <dgm:dir/>
-          <dgm:animLvl val="lvl"/>
-        </dgm:presLayoutVars>
-      </dgm:prSet>
-      <dgm:spPr/>
-    </dgm:pt>
-    <dgm:pt modelId="{CCEC0B2E-3A39-4B8D-AED3-B745A0F9ACD3}" type="pres">
-      <dgm:prSet presAssocID="{CB668A01-1555-484C-8E4A-9BBA5C560E1B}" presName="composite" presStyleCnt="0"/>
-      <dgm:spPr/>
-    </dgm:pt>
-    <dgm:pt modelId="{DD529E39-AB99-47C4-BB76-65C5F882FE51}" type="pres">
-      <dgm:prSet presAssocID="{CB668A01-1555-484C-8E4A-9BBA5C560E1B}" presName="LShape" presStyleLbl="alignNode1" presStyleIdx="0" presStyleCnt="15"/>
-      <dgm:spPr/>
-    </dgm:pt>
-    <dgm:pt modelId="{D126BFEA-016E-4315-A32B-F253DB117006}" type="pres">
-      <dgm:prSet presAssocID="{CB668A01-1555-484C-8E4A-9BBA5C560E1B}" presName="ParentText" presStyleLbl="revTx" presStyleIdx="0" presStyleCnt="8">
-        <dgm:presLayoutVars>
-          <dgm:chMax val="0"/>
-          <dgm:chPref val="0"/>
-          <dgm:bulletEnabled val="1"/>
-        </dgm:presLayoutVars>
-      </dgm:prSet>
-      <dgm:spPr/>
-    </dgm:pt>
-    <dgm:pt modelId="{8A34610C-DC5E-46B6-8FFD-EC23F26B7436}" type="pres">
-      <dgm:prSet presAssocID="{CB668A01-1555-484C-8E4A-9BBA5C560E1B}" presName="Triangle" presStyleLbl="alignNode1" presStyleIdx="1" presStyleCnt="15"/>
-      <dgm:spPr/>
-    </dgm:pt>
-    <dgm:pt modelId="{B606618D-5BA2-401A-9AB7-2BA9DD08FE52}" type="pres">
-      <dgm:prSet presAssocID="{1C87FCCD-72E3-4251-8DD3-B974EFA97458}" presName="sibTrans" presStyleCnt="0"/>
-      <dgm:spPr/>
-    </dgm:pt>
-    <dgm:pt modelId="{95EAB2D7-589C-4E19-95D1-E8E5C486D867}" type="pres">
-      <dgm:prSet presAssocID="{1C87FCCD-72E3-4251-8DD3-B974EFA97458}" presName="space" presStyleCnt="0"/>
-      <dgm:spPr/>
-    </dgm:pt>
-    <dgm:pt modelId="{A4A32888-5B41-4AC7-8D18-71DF1DD9B51B}" type="pres">
-      <dgm:prSet presAssocID="{CDB68CF7-75F2-40B7-A4A8-4990D879C09D}" presName="composite" presStyleCnt="0"/>
-      <dgm:spPr/>
-    </dgm:pt>
-    <dgm:pt modelId="{0CCB76E3-6562-4427-9AC3-01ABEB2C65E9}" type="pres">
-      <dgm:prSet presAssocID="{CDB68CF7-75F2-40B7-A4A8-4990D879C09D}" presName="LShape" presStyleLbl="alignNode1" presStyleIdx="2" presStyleCnt="15"/>
-      <dgm:spPr/>
-    </dgm:pt>
-    <dgm:pt modelId="{22634015-0DC2-4E2C-8B2D-B739BCCA19F3}" type="pres">
-      <dgm:prSet presAssocID="{CDB68CF7-75F2-40B7-A4A8-4990D879C09D}" presName="ParentText" presStyleLbl="revTx" presStyleIdx="1" presStyleCnt="8">
-        <dgm:presLayoutVars>
-          <dgm:chMax val="0"/>
-          <dgm:chPref val="0"/>
-          <dgm:bulletEnabled val="1"/>
-        </dgm:presLayoutVars>
-      </dgm:prSet>
-      <dgm:spPr/>
-    </dgm:pt>
-    <dgm:pt modelId="{5A6D15F6-1C20-4BD1-99DB-F5C26F0E729F}" type="pres">
-      <dgm:prSet presAssocID="{CDB68CF7-75F2-40B7-A4A8-4990D879C09D}" presName="Triangle" presStyleLbl="alignNode1" presStyleIdx="3" presStyleCnt="15"/>
-      <dgm:spPr/>
-    </dgm:pt>
-    <dgm:pt modelId="{2AE78534-1146-49B4-BF5E-22DE13C67495}" type="pres">
-      <dgm:prSet presAssocID="{80AAFCD7-B41C-4AFC-99D4-2E16AEF7D05B}" presName="sibTrans" presStyleCnt="0"/>
-      <dgm:spPr/>
-    </dgm:pt>
-    <dgm:pt modelId="{DE79B307-738F-42B7-80C8-837D0DE6E221}" type="pres">
-      <dgm:prSet presAssocID="{80AAFCD7-B41C-4AFC-99D4-2E16AEF7D05B}" presName="space" presStyleCnt="0"/>
-      <dgm:spPr/>
-    </dgm:pt>
-    <dgm:pt modelId="{D5431609-3563-4885-A88E-E157C301CAF5}" type="pres">
-      <dgm:prSet presAssocID="{761BEA0F-7675-45B2-B460-9C8456559CC7}" presName="composite" presStyleCnt="0"/>
-      <dgm:spPr/>
-    </dgm:pt>
-    <dgm:pt modelId="{5A5B1A3D-32D7-4BB8-BD3F-B61EA4B7A995}" type="pres">
-      <dgm:prSet presAssocID="{761BEA0F-7675-45B2-B460-9C8456559CC7}" presName="LShape" presStyleLbl="alignNode1" presStyleIdx="4" presStyleCnt="15"/>
-      <dgm:spPr/>
-    </dgm:pt>
-    <dgm:pt modelId="{04D5AFD5-B108-47AD-8659-0DD5B59315B1}" type="pres">
-      <dgm:prSet presAssocID="{761BEA0F-7675-45B2-B460-9C8456559CC7}" presName="ParentText" presStyleLbl="revTx" presStyleIdx="2" presStyleCnt="8">
-        <dgm:presLayoutVars>
-          <dgm:chMax val="0"/>
-          <dgm:chPref val="0"/>
-          <dgm:bulletEnabled val="1"/>
-        </dgm:presLayoutVars>
-      </dgm:prSet>
-      <dgm:spPr/>
-    </dgm:pt>
-    <dgm:pt modelId="{610BFBCA-DEDC-4631-B939-498E14A2C3D1}" type="pres">
-      <dgm:prSet presAssocID="{761BEA0F-7675-45B2-B460-9C8456559CC7}" presName="Triangle" presStyleLbl="alignNode1" presStyleIdx="5" presStyleCnt="15"/>
-      <dgm:spPr/>
-    </dgm:pt>
-    <dgm:pt modelId="{81FA50A9-E9AF-4C81-85F7-64A77DF61F3B}" type="pres">
-      <dgm:prSet presAssocID="{86023D43-631E-401D-B3BA-E2712EB6CBCC}" presName="sibTrans" presStyleCnt="0"/>
-      <dgm:spPr/>
-    </dgm:pt>
-    <dgm:pt modelId="{73F14F56-173C-4259-8AB0-B46EC7FD8D6E}" type="pres">
-      <dgm:prSet presAssocID="{86023D43-631E-401D-B3BA-E2712EB6CBCC}" presName="space" presStyleCnt="0"/>
-      <dgm:spPr/>
-    </dgm:pt>
-    <dgm:pt modelId="{65D86B1B-3878-4938-96DC-1056A98D0D08}" type="pres">
-      <dgm:prSet presAssocID="{BFB78C19-0773-42DB-AC5B-5BF8CA359581}" presName="composite" presStyleCnt="0"/>
-      <dgm:spPr/>
-    </dgm:pt>
-    <dgm:pt modelId="{EC8CAFD0-8273-4B87-8945-896FDD9396C3}" type="pres">
-      <dgm:prSet presAssocID="{BFB78C19-0773-42DB-AC5B-5BF8CA359581}" presName="LShape" presStyleLbl="alignNode1" presStyleIdx="6" presStyleCnt="15"/>
-      <dgm:spPr/>
-    </dgm:pt>
-    <dgm:pt modelId="{D858DFD1-C546-46BD-B505-8178F985CA29}" type="pres">
-      <dgm:prSet presAssocID="{BFB78C19-0773-42DB-AC5B-5BF8CA359581}" presName="ParentText" presStyleLbl="revTx" presStyleIdx="3" presStyleCnt="8">
-        <dgm:presLayoutVars>
-          <dgm:chMax val="0"/>
-          <dgm:chPref val="0"/>
-          <dgm:bulletEnabled val="1"/>
-        </dgm:presLayoutVars>
-      </dgm:prSet>
-      <dgm:spPr/>
-    </dgm:pt>
-    <dgm:pt modelId="{811E6014-C5D0-497C-BC24-4C1CCD66E389}" type="pres">
-      <dgm:prSet presAssocID="{BFB78C19-0773-42DB-AC5B-5BF8CA359581}" presName="Triangle" presStyleLbl="alignNode1" presStyleIdx="7" presStyleCnt="15"/>
-      <dgm:spPr/>
-    </dgm:pt>
-    <dgm:pt modelId="{B949ADBE-8FF2-4E35-BF1E-767292A48C48}" type="pres">
-      <dgm:prSet presAssocID="{251AE4E4-F6A7-4B36-A45E-71FBCE29453D}" presName="sibTrans" presStyleCnt="0"/>
-      <dgm:spPr/>
-    </dgm:pt>
-    <dgm:pt modelId="{F9C6C935-F126-4538-BF3D-FFC6CF748BC8}" type="pres">
-      <dgm:prSet presAssocID="{251AE4E4-F6A7-4B36-A45E-71FBCE29453D}" presName="space" presStyleCnt="0"/>
-      <dgm:spPr/>
-    </dgm:pt>
-    <dgm:pt modelId="{A61C073E-8122-457E-BF28-E6389F02F225}" type="pres">
-      <dgm:prSet presAssocID="{47DCC563-D6F4-4196-81CC-F7C611CF1B67}" presName="composite" presStyleCnt="0"/>
-      <dgm:spPr/>
-    </dgm:pt>
-    <dgm:pt modelId="{82A9CAB1-5512-45F5-BC82-103114293E0F}" type="pres">
-      <dgm:prSet presAssocID="{47DCC563-D6F4-4196-81CC-F7C611CF1B67}" presName="LShape" presStyleLbl="alignNode1" presStyleIdx="8" presStyleCnt="15"/>
-      <dgm:spPr/>
-    </dgm:pt>
-    <dgm:pt modelId="{66426B21-D17F-4E21-83AC-F5D8B81CB2C6}" type="pres">
-      <dgm:prSet presAssocID="{47DCC563-D6F4-4196-81CC-F7C611CF1B67}" presName="ParentText" presStyleLbl="revTx" presStyleIdx="4" presStyleCnt="8">
-        <dgm:presLayoutVars>
-          <dgm:chMax val="0"/>
-          <dgm:chPref val="0"/>
-          <dgm:bulletEnabled val="1"/>
-        </dgm:presLayoutVars>
-      </dgm:prSet>
-      <dgm:spPr/>
-    </dgm:pt>
-    <dgm:pt modelId="{F7648E4A-5E9A-4335-8595-4C6CDC589B2D}" type="pres">
-      <dgm:prSet presAssocID="{47DCC563-D6F4-4196-81CC-F7C611CF1B67}" presName="Triangle" presStyleLbl="alignNode1" presStyleIdx="9" presStyleCnt="15"/>
-      <dgm:spPr/>
-    </dgm:pt>
-    <dgm:pt modelId="{62AC6696-EEE3-4D91-B06B-6BFB31D8BF12}" type="pres">
-      <dgm:prSet presAssocID="{BBB3F1B3-A5F4-4CD9-8E10-94ECB0195E71}" presName="sibTrans" presStyleCnt="0"/>
-      <dgm:spPr/>
-    </dgm:pt>
-    <dgm:pt modelId="{FD498217-3AF8-4CA2-B19C-31701AAB69F2}" type="pres">
-      <dgm:prSet presAssocID="{BBB3F1B3-A5F4-4CD9-8E10-94ECB0195E71}" presName="space" presStyleCnt="0"/>
-      <dgm:spPr/>
-    </dgm:pt>
-    <dgm:pt modelId="{D9B76E0D-E65C-4AD4-A412-AD8721A8DE31}" type="pres">
-      <dgm:prSet presAssocID="{EE1B9103-F3A0-4AC3-B680-C7FF416B601E}" presName="composite" presStyleCnt="0"/>
-      <dgm:spPr/>
-    </dgm:pt>
-    <dgm:pt modelId="{CD88190C-01C6-46F7-8BD5-D8C9E3CFD5FA}" type="pres">
-      <dgm:prSet presAssocID="{EE1B9103-F3A0-4AC3-B680-C7FF416B601E}" presName="LShape" presStyleLbl="alignNode1" presStyleIdx="10" presStyleCnt="15"/>
-      <dgm:spPr/>
-    </dgm:pt>
-    <dgm:pt modelId="{44778676-69CC-42E9-BBE0-6A35249D3B69}" type="pres">
-      <dgm:prSet presAssocID="{EE1B9103-F3A0-4AC3-B680-C7FF416B601E}" presName="ParentText" presStyleLbl="revTx" presStyleIdx="5" presStyleCnt="8">
-        <dgm:presLayoutVars>
-          <dgm:chMax val="0"/>
-          <dgm:chPref val="0"/>
-          <dgm:bulletEnabled val="1"/>
-        </dgm:presLayoutVars>
-      </dgm:prSet>
-      <dgm:spPr/>
-    </dgm:pt>
-    <dgm:pt modelId="{2205DA27-E7D1-433E-A5CC-0A1E34CE5619}" type="pres">
-      <dgm:prSet presAssocID="{EE1B9103-F3A0-4AC3-B680-C7FF416B601E}" presName="Triangle" presStyleLbl="alignNode1" presStyleIdx="11" presStyleCnt="15"/>
-      <dgm:spPr/>
-    </dgm:pt>
-    <dgm:pt modelId="{24BF1C05-A009-4BF9-9774-DE98A01BBB95}" type="pres">
-      <dgm:prSet presAssocID="{CC8B25C0-628C-4B13-B8AD-F1BC1EB842B5}" presName="sibTrans" presStyleCnt="0"/>
-      <dgm:spPr/>
-    </dgm:pt>
-    <dgm:pt modelId="{2B9A9343-3FBE-412A-877A-7A83FD200D3B}" type="pres">
-      <dgm:prSet presAssocID="{CC8B25C0-628C-4B13-B8AD-F1BC1EB842B5}" presName="space" presStyleCnt="0"/>
-      <dgm:spPr/>
-    </dgm:pt>
-    <dgm:pt modelId="{60E8DB4F-5500-4895-8D7E-33651948702E}" type="pres">
-      <dgm:prSet presAssocID="{60BCC350-D28F-47DD-AAC5-007042556E27}" presName="composite" presStyleCnt="0"/>
-      <dgm:spPr/>
-    </dgm:pt>
-    <dgm:pt modelId="{61C47974-207C-4903-9D9C-4CECAF5D5050}" type="pres">
-      <dgm:prSet presAssocID="{60BCC350-D28F-47DD-AAC5-007042556E27}" presName="LShape" presStyleLbl="alignNode1" presStyleIdx="12" presStyleCnt="15"/>
-      <dgm:spPr/>
-    </dgm:pt>
-    <dgm:pt modelId="{2527A56F-A57E-4820-8402-98F7E746C65B}" type="pres">
-      <dgm:prSet presAssocID="{60BCC350-D28F-47DD-AAC5-007042556E27}" presName="ParentText" presStyleLbl="revTx" presStyleIdx="6" presStyleCnt="8">
-        <dgm:presLayoutVars>
-          <dgm:chMax val="0"/>
-          <dgm:chPref val="0"/>
-          <dgm:bulletEnabled val="1"/>
-        </dgm:presLayoutVars>
-      </dgm:prSet>
-      <dgm:spPr/>
-    </dgm:pt>
-    <dgm:pt modelId="{25EDFA51-37A6-4212-8C24-FE946BC14C81}" type="pres">
-      <dgm:prSet presAssocID="{60BCC350-D28F-47DD-AAC5-007042556E27}" presName="Triangle" presStyleLbl="alignNode1" presStyleIdx="13" presStyleCnt="15"/>
-      <dgm:spPr/>
-    </dgm:pt>
-    <dgm:pt modelId="{E4B09F7A-838C-4FEA-BD52-4E19396E8226}" type="pres">
-      <dgm:prSet presAssocID="{C3C9F009-03C1-4DB7-8F3E-9D13988C35F0}" presName="sibTrans" presStyleCnt="0"/>
-      <dgm:spPr/>
-    </dgm:pt>
-    <dgm:pt modelId="{3B7AB84A-37F4-4854-AB08-1C145182946C}" type="pres">
-      <dgm:prSet presAssocID="{C3C9F009-03C1-4DB7-8F3E-9D13988C35F0}" presName="space" presStyleCnt="0"/>
-      <dgm:spPr/>
-    </dgm:pt>
-    <dgm:pt modelId="{95972422-67D6-4612-A702-EDE73B481A2A}" type="pres">
-      <dgm:prSet presAssocID="{CFB95FA7-C288-4C43-8F4A-42E03F413589}" presName="composite" presStyleCnt="0"/>
-      <dgm:spPr/>
-    </dgm:pt>
-    <dgm:pt modelId="{9615517A-EEE3-449F-8597-5C8BF21BF214}" type="pres">
-      <dgm:prSet presAssocID="{CFB95FA7-C288-4C43-8F4A-42E03F413589}" presName="LShape" presStyleLbl="alignNode1" presStyleIdx="14" presStyleCnt="15"/>
-      <dgm:spPr/>
-    </dgm:pt>
-    <dgm:pt modelId="{A6EF5DC9-DFCD-4FA1-BE70-1AEC064C403C}" type="pres">
-      <dgm:prSet presAssocID="{CFB95FA7-C288-4C43-8F4A-42E03F413589}" presName="ParentText" presStyleLbl="revTx" presStyleIdx="7" presStyleCnt="8">
-        <dgm:presLayoutVars>
-          <dgm:chMax val="0"/>
-          <dgm:chPref val="0"/>
-          <dgm:bulletEnabled val="1"/>
-        </dgm:presLayoutVars>
-      </dgm:prSet>
-      <dgm:spPr/>
-      <dgm:t>
-        <a:bodyPr/>
-        <a:lstStyle/>
-        <a:p>
-          <a:endParaRPr lang="de-DE"/>
-        </a:p>
-      </dgm:t>
-    </dgm:pt>
-  </dgm:ptLst>
-  <dgm:cxnLst>
-    <dgm:cxn modelId="{3E4A2939-3DE6-4D05-8321-32A869843646}" srcId="{D461FE28-798D-4824-A708-522384F116C4}" destId="{CB668A01-1555-484C-8E4A-9BBA5C560E1B}" srcOrd="0" destOrd="0" parTransId="{BC6215ED-8C93-4FD2-81CB-F5D68793B43D}" sibTransId="{1C87FCCD-72E3-4251-8DD3-B974EFA97458}"/>
-    <dgm:cxn modelId="{A7E2246C-BD4E-4C10-9B5C-A5AF5F499503}" type="presOf" srcId="{BFB78C19-0773-42DB-AC5B-5BF8CA359581}" destId="{D858DFD1-C546-46BD-B505-8178F985CA29}" srcOrd="0" destOrd="0" presId="urn:microsoft.com/office/officeart/2009/3/layout/StepUpProcess"/>
-    <dgm:cxn modelId="{68505872-F17D-45F6-A4C2-6372F35100B5}" srcId="{D461FE28-798D-4824-A708-522384F116C4}" destId="{47DCC563-D6F4-4196-81CC-F7C611CF1B67}" srcOrd="4" destOrd="0" parTransId="{1CF78272-D1D0-4181-AD35-272290C670C1}" sibTransId="{BBB3F1B3-A5F4-4CD9-8E10-94ECB0195E71}"/>
-    <dgm:cxn modelId="{DFC285F3-0117-4930-A643-F8CF8164B215}" srcId="{D461FE28-798D-4824-A708-522384F116C4}" destId="{BFB78C19-0773-42DB-AC5B-5BF8CA359581}" srcOrd="3" destOrd="0" parTransId="{A68F2133-39B2-4C2F-A6C7-D86F7C9D807B}" sibTransId="{251AE4E4-F6A7-4B36-A45E-71FBCE29453D}"/>
-    <dgm:cxn modelId="{C0DE750C-9E4F-4F4C-A8C7-2C182B44540E}" srcId="{D461FE28-798D-4824-A708-522384F116C4}" destId="{CDB68CF7-75F2-40B7-A4A8-4990D879C09D}" srcOrd="1" destOrd="0" parTransId="{6953884B-6F20-45A4-A7E2-B6BE333B5537}" sibTransId="{80AAFCD7-B41C-4AFC-99D4-2E16AEF7D05B}"/>
-    <dgm:cxn modelId="{B54C2923-296C-4662-BBB7-E35D87F61F7E}" type="presOf" srcId="{D461FE28-798D-4824-A708-522384F116C4}" destId="{2C4C9F33-DF6C-4377-A215-DD3BD9199960}" srcOrd="0" destOrd="0" presId="urn:microsoft.com/office/officeart/2009/3/layout/StepUpProcess"/>
-    <dgm:cxn modelId="{C49B4DC4-8460-4F4C-854A-8B65CEA0FBD1}" type="presOf" srcId="{CDB68CF7-75F2-40B7-A4A8-4990D879C09D}" destId="{22634015-0DC2-4E2C-8B2D-B739BCCA19F3}" srcOrd="0" destOrd="0" presId="urn:microsoft.com/office/officeart/2009/3/layout/StepUpProcess"/>
-    <dgm:cxn modelId="{3B9D904C-55C2-4350-84BA-FEAF86E925C8}" srcId="{D461FE28-798D-4824-A708-522384F116C4}" destId="{CFB95FA7-C288-4C43-8F4A-42E03F413589}" srcOrd="7" destOrd="0" parTransId="{80A47D06-FCAF-4FB9-9EF0-EE2B8B0754A6}" sibTransId="{364CF5AE-F42B-4C09-BF3D-B1225B064FDD}"/>
-    <dgm:cxn modelId="{FF01DFE4-9563-4671-81B4-8C3A7B0CBE06}" type="presOf" srcId="{EE1B9103-F3A0-4AC3-B680-C7FF416B601E}" destId="{44778676-69CC-42E9-BBE0-6A35249D3B69}" srcOrd="0" destOrd="0" presId="urn:microsoft.com/office/officeart/2009/3/layout/StepUpProcess"/>
-    <dgm:cxn modelId="{FE0F89B8-3422-47F9-8F27-669C825AB52C}" type="presOf" srcId="{47DCC563-D6F4-4196-81CC-F7C611CF1B67}" destId="{66426B21-D17F-4E21-83AC-F5D8B81CB2C6}" srcOrd="0" destOrd="0" presId="urn:microsoft.com/office/officeart/2009/3/layout/StepUpProcess"/>
-    <dgm:cxn modelId="{9579F44A-DC01-4C41-8E59-98F480889DC6}" srcId="{D461FE28-798D-4824-A708-522384F116C4}" destId="{60BCC350-D28F-47DD-AAC5-007042556E27}" srcOrd="6" destOrd="0" parTransId="{D8A5B798-BCC7-464A-B191-7EE81C621D78}" sibTransId="{C3C9F009-03C1-4DB7-8F3E-9D13988C35F0}"/>
-    <dgm:cxn modelId="{9A49D987-FEDB-45C0-A6B9-87381A1E5596}" type="presOf" srcId="{CFB95FA7-C288-4C43-8F4A-42E03F413589}" destId="{A6EF5DC9-DFCD-4FA1-BE70-1AEC064C403C}" srcOrd="0" destOrd="0" presId="urn:microsoft.com/office/officeart/2009/3/layout/StepUpProcess"/>
-    <dgm:cxn modelId="{7EB3FC8D-D2EA-4A76-B349-5E87048ED085}" type="presOf" srcId="{CB668A01-1555-484C-8E4A-9BBA5C560E1B}" destId="{D126BFEA-016E-4315-A32B-F253DB117006}" srcOrd="0" destOrd="0" presId="urn:microsoft.com/office/officeart/2009/3/layout/StepUpProcess"/>
-    <dgm:cxn modelId="{BC1869B2-FC0A-4CB4-87DF-B07C67C0D75C}" srcId="{D461FE28-798D-4824-A708-522384F116C4}" destId="{761BEA0F-7675-45B2-B460-9C8456559CC7}" srcOrd="2" destOrd="0" parTransId="{5C9E1A38-ED17-4F7B-8620-298841D7FEA6}" sibTransId="{86023D43-631E-401D-B3BA-E2712EB6CBCC}"/>
-    <dgm:cxn modelId="{08A0941B-9E92-4432-A8FB-A38EA31047B7}" type="presOf" srcId="{60BCC350-D28F-47DD-AAC5-007042556E27}" destId="{2527A56F-A57E-4820-8402-98F7E746C65B}" srcOrd="0" destOrd="0" presId="urn:microsoft.com/office/officeart/2009/3/layout/StepUpProcess"/>
-    <dgm:cxn modelId="{BCEF95A8-0B9C-4B06-AD7A-9247DE88E198}" srcId="{D461FE28-798D-4824-A708-522384F116C4}" destId="{EE1B9103-F3A0-4AC3-B680-C7FF416B601E}" srcOrd="5" destOrd="0" parTransId="{1C0040A0-55AC-4208-B2E0-D890F0C2E18F}" sibTransId="{CC8B25C0-628C-4B13-B8AD-F1BC1EB842B5}"/>
-    <dgm:cxn modelId="{1135E363-5D2E-4E92-8DF5-9636D9B607FF}" type="presOf" srcId="{761BEA0F-7675-45B2-B460-9C8456559CC7}" destId="{04D5AFD5-B108-47AD-8659-0DD5B59315B1}" srcOrd="0" destOrd="0" presId="urn:microsoft.com/office/officeart/2009/3/layout/StepUpProcess"/>
-    <dgm:cxn modelId="{702EBA37-3686-45D8-A227-8BB29743ECAF}" type="presParOf" srcId="{2C4C9F33-DF6C-4377-A215-DD3BD9199960}" destId="{CCEC0B2E-3A39-4B8D-AED3-B745A0F9ACD3}" srcOrd="0" destOrd="0" presId="urn:microsoft.com/office/officeart/2009/3/layout/StepUpProcess"/>
-    <dgm:cxn modelId="{B138377B-093B-4A56-BBDB-272612260852}" type="presParOf" srcId="{CCEC0B2E-3A39-4B8D-AED3-B745A0F9ACD3}" destId="{DD529E39-AB99-47C4-BB76-65C5F882FE51}" srcOrd="0" destOrd="0" presId="urn:microsoft.com/office/officeart/2009/3/layout/StepUpProcess"/>
-    <dgm:cxn modelId="{C4D28711-715F-4108-9F78-46D72123DE40}" type="presParOf" srcId="{CCEC0B2E-3A39-4B8D-AED3-B745A0F9ACD3}" destId="{D126BFEA-016E-4315-A32B-F253DB117006}" srcOrd="1" destOrd="0" presId="urn:microsoft.com/office/officeart/2009/3/layout/StepUpProcess"/>
-    <dgm:cxn modelId="{A710FBF8-4489-46CB-825D-754BA46F1636}" type="presParOf" srcId="{CCEC0B2E-3A39-4B8D-AED3-B745A0F9ACD3}" destId="{8A34610C-DC5E-46B6-8FFD-EC23F26B7436}" srcOrd="2" destOrd="0" presId="urn:microsoft.com/office/officeart/2009/3/layout/StepUpProcess"/>
-    <dgm:cxn modelId="{E8BE496A-076F-459B-823A-E88C0292F8BF}" type="presParOf" srcId="{2C4C9F33-DF6C-4377-A215-DD3BD9199960}" destId="{B606618D-5BA2-401A-9AB7-2BA9DD08FE52}" srcOrd="1" destOrd="0" presId="urn:microsoft.com/office/officeart/2009/3/layout/StepUpProcess"/>
-    <dgm:cxn modelId="{05C2A878-C829-479D-AAD3-D91AFAB0152B}" type="presParOf" srcId="{B606618D-5BA2-401A-9AB7-2BA9DD08FE52}" destId="{95EAB2D7-589C-4E19-95D1-E8E5C486D867}" srcOrd="0" destOrd="0" presId="urn:microsoft.com/office/officeart/2009/3/layout/StepUpProcess"/>
-    <dgm:cxn modelId="{C06DCE50-E863-45D9-BEB3-733BF5D32C2C}" type="presParOf" srcId="{2C4C9F33-DF6C-4377-A215-DD3BD9199960}" destId="{A4A32888-5B41-4AC7-8D18-71DF1DD9B51B}" srcOrd="2" destOrd="0" presId="urn:microsoft.com/office/officeart/2009/3/layout/StepUpProcess"/>
-    <dgm:cxn modelId="{73D1F242-9AE0-451C-8FA7-439D835BA1A5}" type="presParOf" srcId="{A4A32888-5B41-4AC7-8D18-71DF1DD9B51B}" destId="{0CCB76E3-6562-4427-9AC3-01ABEB2C65E9}" srcOrd="0" destOrd="0" presId="urn:microsoft.com/office/officeart/2009/3/layout/StepUpProcess"/>
-    <dgm:cxn modelId="{BF071C47-5E59-4B3D-B4E4-5DEC5AC8F56E}" type="presParOf" srcId="{A4A32888-5B41-4AC7-8D18-71DF1DD9B51B}" destId="{22634015-0DC2-4E2C-8B2D-B739BCCA19F3}" srcOrd="1" destOrd="0" presId="urn:microsoft.com/office/officeart/2009/3/layout/StepUpProcess"/>
-    <dgm:cxn modelId="{D0F20974-C94A-4118-B76C-B9FBFF4103EF}" type="presParOf" srcId="{A4A32888-5B41-4AC7-8D18-71DF1DD9B51B}" destId="{5A6D15F6-1C20-4BD1-99DB-F5C26F0E729F}" srcOrd="2" destOrd="0" presId="urn:microsoft.com/office/officeart/2009/3/layout/StepUpProcess"/>
-    <dgm:cxn modelId="{C67A04C5-4CE9-47D9-8CDC-09F1EE5F950D}" type="presParOf" srcId="{2C4C9F33-DF6C-4377-A215-DD3BD9199960}" destId="{2AE78534-1146-49B4-BF5E-22DE13C67495}" srcOrd="3" destOrd="0" presId="urn:microsoft.com/office/officeart/2009/3/layout/StepUpProcess"/>
-    <dgm:cxn modelId="{495A9F97-A829-4492-AA53-845DA6DD53D8}" type="presParOf" srcId="{2AE78534-1146-49B4-BF5E-22DE13C67495}" destId="{DE79B307-738F-42B7-80C8-837D0DE6E221}" srcOrd="0" destOrd="0" presId="urn:microsoft.com/office/officeart/2009/3/layout/StepUpProcess"/>
-    <dgm:cxn modelId="{67FA2B54-4E43-4655-89C6-753D3B88218F}" type="presParOf" srcId="{2C4C9F33-DF6C-4377-A215-DD3BD9199960}" destId="{D5431609-3563-4885-A88E-E157C301CAF5}" srcOrd="4" destOrd="0" presId="urn:microsoft.com/office/officeart/2009/3/layout/StepUpProcess"/>
-    <dgm:cxn modelId="{44AF0C2C-990E-49A6-B9FF-F291FEBD9D99}" type="presParOf" srcId="{D5431609-3563-4885-A88E-E157C301CAF5}" destId="{5A5B1A3D-32D7-4BB8-BD3F-B61EA4B7A995}" srcOrd="0" destOrd="0" presId="urn:microsoft.com/office/officeart/2009/3/layout/StepUpProcess"/>
-    <dgm:cxn modelId="{EBF43781-3F3F-4631-9E92-9498BC717847}" type="presParOf" srcId="{D5431609-3563-4885-A88E-E157C301CAF5}" destId="{04D5AFD5-B108-47AD-8659-0DD5B59315B1}" srcOrd="1" destOrd="0" presId="urn:microsoft.com/office/officeart/2009/3/layout/StepUpProcess"/>
-    <dgm:cxn modelId="{EA2088B8-75EA-4339-BB0F-022D54442712}" type="presParOf" srcId="{D5431609-3563-4885-A88E-E157C301CAF5}" destId="{610BFBCA-DEDC-4631-B939-498E14A2C3D1}" srcOrd="2" destOrd="0" presId="urn:microsoft.com/office/officeart/2009/3/layout/StepUpProcess"/>
-    <dgm:cxn modelId="{0E6D3A0C-2A92-41A5-ABDC-4721D4C15DEB}" type="presParOf" srcId="{2C4C9F33-DF6C-4377-A215-DD3BD9199960}" destId="{81FA50A9-E9AF-4C81-85F7-64A77DF61F3B}" srcOrd="5" destOrd="0" presId="urn:microsoft.com/office/officeart/2009/3/layout/StepUpProcess"/>
-    <dgm:cxn modelId="{2C5E9E6E-88E4-4E1B-A061-3FA70DAC674E}" type="presParOf" srcId="{81FA50A9-E9AF-4C81-85F7-64A77DF61F3B}" destId="{73F14F56-173C-4259-8AB0-B46EC7FD8D6E}" srcOrd="0" destOrd="0" presId="urn:microsoft.com/office/officeart/2009/3/layout/StepUpProcess"/>
-    <dgm:cxn modelId="{C52E60B7-94C4-46F0-B30E-AEA2732A52B9}" type="presParOf" srcId="{2C4C9F33-DF6C-4377-A215-DD3BD9199960}" destId="{65D86B1B-3878-4938-96DC-1056A98D0D08}" srcOrd="6" destOrd="0" presId="urn:microsoft.com/office/officeart/2009/3/layout/StepUpProcess"/>
-    <dgm:cxn modelId="{53CB7CB7-C906-4BD9-AE68-054BC4EB4010}" type="presParOf" srcId="{65D86B1B-3878-4938-96DC-1056A98D0D08}" destId="{EC8CAFD0-8273-4B87-8945-896FDD9396C3}" srcOrd="0" destOrd="0" presId="urn:microsoft.com/office/officeart/2009/3/layout/StepUpProcess"/>
-    <dgm:cxn modelId="{FAA1936F-D33F-40B9-8B97-06C8D37DA8AB}" type="presParOf" srcId="{65D86B1B-3878-4938-96DC-1056A98D0D08}" destId="{D858DFD1-C546-46BD-B505-8178F985CA29}" srcOrd="1" destOrd="0" presId="urn:microsoft.com/office/officeart/2009/3/layout/StepUpProcess"/>
-    <dgm:cxn modelId="{836A3044-93A4-4DD3-8CA0-0CBC9EE6B30C}" type="presParOf" srcId="{65D86B1B-3878-4938-96DC-1056A98D0D08}" destId="{811E6014-C5D0-497C-BC24-4C1CCD66E389}" srcOrd="2" destOrd="0" presId="urn:microsoft.com/office/officeart/2009/3/layout/StepUpProcess"/>
-    <dgm:cxn modelId="{80F8C597-EFFB-4A8C-B648-D18649EAA346}" type="presParOf" srcId="{2C4C9F33-DF6C-4377-A215-DD3BD9199960}" destId="{B949ADBE-8FF2-4E35-BF1E-767292A48C48}" srcOrd="7" destOrd="0" presId="urn:microsoft.com/office/officeart/2009/3/layout/StepUpProcess"/>
-    <dgm:cxn modelId="{6C28341E-3DBC-451B-BF06-A5FC23F974C3}" type="presParOf" srcId="{B949ADBE-8FF2-4E35-BF1E-767292A48C48}" destId="{F9C6C935-F126-4538-BF3D-FFC6CF748BC8}" srcOrd="0" destOrd="0" presId="urn:microsoft.com/office/officeart/2009/3/layout/StepUpProcess"/>
-    <dgm:cxn modelId="{C345F838-5435-4AAB-BA24-332E6AC86D71}" type="presParOf" srcId="{2C4C9F33-DF6C-4377-A215-DD3BD9199960}" destId="{A61C073E-8122-457E-BF28-E6389F02F225}" srcOrd="8" destOrd="0" presId="urn:microsoft.com/office/officeart/2009/3/layout/StepUpProcess"/>
-    <dgm:cxn modelId="{B303B73A-5BE0-43ED-989B-A751F7DC327F}" type="presParOf" srcId="{A61C073E-8122-457E-BF28-E6389F02F225}" destId="{82A9CAB1-5512-45F5-BC82-103114293E0F}" srcOrd="0" destOrd="0" presId="urn:microsoft.com/office/officeart/2009/3/layout/StepUpProcess"/>
-    <dgm:cxn modelId="{EE73B7AE-18C7-4A06-915F-1198B1007857}" type="presParOf" srcId="{A61C073E-8122-457E-BF28-E6389F02F225}" destId="{66426B21-D17F-4E21-83AC-F5D8B81CB2C6}" srcOrd="1" destOrd="0" presId="urn:microsoft.com/office/officeart/2009/3/layout/StepUpProcess"/>
-    <dgm:cxn modelId="{176388FB-0A91-4CAA-9053-70C55F2DD4C1}" type="presParOf" srcId="{A61C073E-8122-457E-BF28-E6389F02F225}" destId="{F7648E4A-5E9A-4335-8595-4C6CDC589B2D}" srcOrd="2" destOrd="0" presId="urn:microsoft.com/office/officeart/2009/3/layout/StepUpProcess"/>
-    <dgm:cxn modelId="{715477AE-BB92-4DDA-9BA9-79EE39D52FBC}" type="presParOf" srcId="{2C4C9F33-DF6C-4377-A215-DD3BD9199960}" destId="{62AC6696-EEE3-4D91-B06B-6BFB31D8BF12}" srcOrd="9" destOrd="0" presId="urn:microsoft.com/office/officeart/2009/3/layout/StepUpProcess"/>
-    <dgm:cxn modelId="{9AA44BD9-ADA5-441B-BC02-25BD561FA5CC}" type="presParOf" srcId="{62AC6696-EEE3-4D91-B06B-6BFB31D8BF12}" destId="{FD498217-3AF8-4CA2-B19C-31701AAB69F2}" srcOrd="0" destOrd="0" presId="urn:microsoft.com/office/officeart/2009/3/layout/StepUpProcess"/>
-    <dgm:cxn modelId="{233D2ED2-28A7-449B-9C02-ED109354A919}" type="presParOf" srcId="{2C4C9F33-DF6C-4377-A215-DD3BD9199960}" destId="{D9B76E0D-E65C-4AD4-A412-AD8721A8DE31}" srcOrd="10" destOrd="0" presId="urn:microsoft.com/office/officeart/2009/3/layout/StepUpProcess"/>
-    <dgm:cxn modelId="{894A1359-A6BE-463B-8A7C-AA2E5C49C874}" type="presParOf" srcId="{D9B76E0D-E65C-4AD4-A412-AD8721A8DE31}" destId="{CD88190C-01C6-46F7-8BD5-D8C9E3CFD5FA}" srcOrd="0" destOrd="0" presId="urn:microsoft.com/office/officeart/2009/3/layout/StepUpProcess"/>
-    <dgm:cxn modelId="{ABFEBC32-C3B4-4B5E-8A30-E760835B8C41}" type="presParOf" srcId="{D9B76E0D-E65C-4AD4-A412-AD8721A8DE31}" destId="{44778676-69CC-42E9-BBE0-6A35249D3B69}" srcOrd="1" destOrd="0" presId="urn:microsoft.com/office/officeart/2009/3/layout/StepUpProcess"/>
-    <dgm:cxn modelId="{3B2BB65E-6B50-45A3-9813-01468387EAB5}" type="presParOf" srcId="{D9B76E0D-E65C-4AD4-A412-AD8721A8DE31}" destId="{2205DA27-E7D1-433E-A5CC-0A1E34CE5619}" srcOrd="2" destOrd="0" presId="urn:microsoft.com/office/officeart/2009/3/layout/StepUpProcess"/>
-    <dgm:cxn modelId="{76F9E14E-2096-4146-82BF-3EDE65CC7498}" type="presParOf" srcId="{2C4C9F33-DF6C-4377-A215-DD3BD9199960}" destId="{24BF1C05-A009-4BF9-9774-DE98A01BBB95}" srcOrd="11" destOrd="0" presId="urn:microsoft.com/office/officeart/2009/3/layout/StepUpProcess"/>
-    <dgm:cxn modelId="{B87D6A1B-FF2F-463E-81D9-DC40455F5038}" type="presParOf" srcId="{24BF1C05-A009-4BF9-9774-DE98A01BBB95}" destId="{2B9A9343-3FBE-412A-877A-7A83FD200D3B}" srcOrd="0" destOrd="0" presId="urn:microsoft.com/office/officeart/2009/3/layout/StepUpProcess"/>
-    <dgm:cxn modelId="{47D8E045-0551-4D16-B075-96E8C03AAF6F}" type="presParOf" srcId="{2C4C9F33-DF6C-4377-A215-DD3BD9199960}" destId="{60E8DB4F-5500-4895-8D7E-33651948702E}" srcOrd="12" destOrd="0" presId="urn:microsoft.com/office/officeart/2009/3/layout/StepUpProcess"/>
-    <dgm:cxn modelId="{53B59136-B881-451B-A4DD-F9B3BE17F87B}" type="presParOf" srcId="{60E8DB4F-5500-4895-8D7E-33651948702E}" destId="{61C47974-207C-4903-9D9C-4CECAF5D5050}" srcOrd="0" destOrd="0" presId="urn:microsoft.com/office/officeart/2009/3/layout/StepUpProcess"/>
-    <dgm:cxn modelId="{A6CED0E8-98EF-4FFD-A1C3-FA0C7C20CFE6}" type="presParOf" srcId="{60E8DB4F-5500-4895-8D7E-33651948702E}" destId="{2527A56F-A57E-4820-8402-98F7E746C65B}" srcOrd="1" destOrd="0" presId="urn:microsoft.com/office/officeart/2009/3/layout/StepUpProcess"/>
-    <dgm:cxn modelId="{714BB43A-C3B5-42A3-9EA2-760E8B2DB375}" type="presParOf" srcId="{60E8DB4F-5500-4895-8D7E-33651948702E}" destId="{25EDFA51-37A6-4212-8C24-FE946BC14C81}" srcOrd="2" destOrd="0" presId="urn:microsoft.com/office/officeart/2009/3/layout/StepUpProcess"/>
-    <dgm:cxn modelId="{A597FC19-D51A-4A33-A1B9-F647FAD0AF93}" type="presParOf" srcId="{2C4C9F33-DF6C-4377-A215-DD3BD9199960}" destId="{E4B09F7A-838C-4FEA-BD52-4E19396E8226}" srcOrd="13" destOrd="0" presId="urn:microsoft.com/office/officeart/2009/3/layout/StepUpProcess"/>
-    <dgm:cxn modelId="{7B13BE80-F295-4E81-ACEB-959957B85C68}" type="presParOf" srcId="{E4B09F7A-838C-4FEA-BD52-4E19396E8226}" destId="{3B7AB84A-37F4-4854-AB08-1C145182946C}" srcOrd="0" destOrd="0" presId="urn:microsoft.com/office/officeart/2009/3/layout/StepUpProcess"/>
-    <dgm:cxn modelId="{E256866F-E93A-4CFC-8FD9-21E9AE80B770}" type="presParOf" srcId="{2C4C9F33-DF6C-4377-A215-DD3BD9199960}" destId="{95972422-67D6-4612-A702-EDE73B481A2A}" srcOrd="14" destOrd="0" presId="urn:microsoft.com/office/officeart/2009/3/layout/StepUpProcess"/>
-    <dgm:cxn modelId="{23786301-EF5C-459E-A7A7-3EA817A9E248}" type="presParOf" srcId="{95972422-67D6-4612-A702-EDE73B481A2A}" destId="{9615517A-EEE3-449F-8597-5C8BF21BF214}" srcOrd="0" destOrd="0" presId="urn:microsoft.com/office/officeart/2009/3/layout/StepUpProcess"/>
-    <dgm:cxn modelId="{CD8750C9-619D-4D80-97F3-6BDB42885406}" type="presParOf" srcId="{95972422-67D6-4612-A702-EDE73B481A2A}" destId="{A6EF5DC9-DFCD-4FA1-BE70-1AEC064C403C}" srcOrd="1" destOrd="0" presId="urn:microsoft.com/office/officeart/2009/3/layout/StepUpProcess"/>
   </dgm:cxnLst>
   <dgm:bg/>
   <dgm:whole/>
@@ -4147,8 +4455,8 @@
       </dsp:nvSpPr>
       <dsp:spPr>
         <a:xfrm>
-          <a:off x="3251199" y="1896533"/>
-          <a:ext cx="1625600" cy="1625600"/>
+          <a:off x="2924902" y="1403676"/>
+          <a:ext cx="1195543" cy="1195543"/>
         </a:xfrm>
         <a:prstGeom prst="roundRect">
           <a:avLst/>
@@ -4189,12 +4497,12 @@
         </a:fontRef>
       </dsp:style>
       <dsp:txBody>
-        <a:bodyPr spcFirstLastPara="0" vert="horz" wrap="square" lIns="71120" tIns="71120" rIns="71120" bIns="71120" numCol="1" spcCol="1270" anchor="ctr" anchorCtr="0">
+        <a:bodyPr spcFirstLastPara="0" vert="horz" wrap="square" lIns="53340" tIns="53340" rIns="53340" bIns="53340" numCol="1" spcCol="1270" anchor="ctr" anchorCtr="0">
           <a:noAutofit/>
         </a:bodyPr>
         <a:lstStyle/>
         <a:p>
-          <a:pPr lvl="0" algn="ctr" defTabSz="1244600">
+          <a:pPr lvl="0" algn="ctr" defTabSz="933450">
             <a:lnSpc>
               <a:spcPct val="90000"/>
             </a:lnSpc>
@@ -4206,27 +4514,27 @@
             </a:spcAft>
           </a:pPr>
           <a:r>
-            <a:rPr lang="de-DE" sz="2800" kern="1200" dirty="0" err="1" smtClean="0"/>
+            <a:rPr lang="de-DE" sz="2100" kern="1200" dirty="0" err="1" smtClean="0"/>
             <a:t>Naukanu</a:t>
           </a:r>
           <a:r>
-            <a:rPr lang="de-DE" sz="2800" kern="1200" dirty="0" smtClean="0"/>
+            <a:rPr lang="de-DE" sz="2100" kern="1200" dirty="0" smtClean="0"/>
             <a:t> </a:t>
           </a:r>
           <a:r>
-            <a:rPr lang="de-DE" sz="2800" kern="1200" dirty="0" err="1" smtClean="0"/>
+            <a:rPr lang="de-DE" sz="2100" kern="1200" dirty="0" err="1" smtClean="0"/>
             <a:t>Sailing</a:t>
           </a:r>
           <a:r>
-            <a:rPr lang="de-DE" sz="2800" kern="1200" dirty="0" smtClean="0"/>
+            <a:rPr lang="de-DE" sz="2100" kern="1200" dirty="0" smtClean="0"/>
             <a:t> School</a:t>
           </a:r>
-          <a:endParaRPr lang="de-DE" sz="2800" kern="1200" dirty="0"/>
+          <a:endParaRPr lang="de-DE" sz="2100" kern="1200" dirty="0"/>
         </a:p>
       </dsp:txBody>
       <dsp:txXfrm>
-        <a:off x="3330554" y="1975888"/>
-        <a:ext cx="1466890" cy="1466890"/>
+        <a:off x="2983264" y="1462038"/>
+        <a:ext cx="1078819" cy="1078819"/>
       </dsp:txXfrm>
     </dsp:sp>
     <dsp:sp modelId="{8B5051D1-2D81-40B7-BCB4-0EE79AFDEB4A}">
@@ -4236,8 +4544,8 @@
       </dsp:nvSpPr>
       <dsp:spPr>
         <a:xfrm rot="16200000">
-          <a:off x="3660542" y="1493075"/>
-          <a:ext cx="806915" cy="0"/>
+          <a:off x="3256646" y="1137649"/>
+          <a:ext cx="532054" cy="0"/>
         </a:xfrm>
         <a:custGeom>
           <a:avLst/>
@@ -4251,7 +4559,7 @@
                 <a:pt x="0" y="0"/>
               </a:moveTo>
               <a:lnTo>
-                <a:pt x="806915" y="0"/>
+                <a:pt x="532054" y="0"/>
               </a:lnTo>
             </a:path>
           </a:pathLst>
@@ -4291,8 +4599,8 @@
       </dsp:nvSpPr>
       <dsp:spPr>
         <a:xfrm>
-          <a:off x="3519423" y="465"/>
-          <a:ext cx="1089152" cy="1089152"/>
+          <a:off x="3026870" y="-52172"/>
+          <a:ext cx="991607" cy="923793"/>
         </a:xfrm>
         <a:prstGeom prst="roundRect">
           <a:avLst/>
@@ -4333,12 +4641,12 @@
         </a:fontRef>
       </dsp:style>
       <dsp:txBody>
-        <a:bodyPr spcFirstLastPara="0" vert="horz" wrap="square" lIns="38100" tIns="38100" rIns="38100" bIns="38100" numCol="1" spcCol="1270" anchor="ctr" anchorCtr="0">
+        <a:bodyPr spcFirstLastPara="0" vert="horz" wrap="square" lIns="35560" tIns="35560" rIns="35560" bIns="35560" numCol="1" spcCol="1270" anchor="ctr" anchorCtr="0">
           <a:noAutofit/>
         </a:bodyPr>
         <a:lstStyle/>
         <a:p>
-          <a:pPr lvl="0" algn="ctr" defTabSz="666750">
+          <a:pPr lvl="0" algn="ctr" defTabSz="622300">
             <a:lnSpc>
               <a:spcPct val="90000"/>
             </a:lnSpc>
@@ -4350,15 +4658,15 @@
             </a:spcAft>
           </a:pPr>
           <a:r>
-            <a:rPr lang="de-DE" sz="1500" kern="1200" dirty="0" smtClean="0"/>
+            <a:rPr lang="de-DE" sz="1400" kern="1200" dirty="0" smtClean="0"/>
             <a:t>Material-verwaltung</a:t>
           </a:r>
-          <a:endParaRPr lang="de-DE" sz="1500" kern="1200" dirty="0"/>
+          <a:endParaRPr lang="de-DE" sz="1400" kern="1200" dirty="0"/>
         </a:p>
       </dsp:txBody>
       <dsp:txXfrm>
-        <a:off x="3572591" y="53633"/>
-        <a:ext cx="982816" cy="982816"/>
+        <a:off x="3071966" y="-7076"/>
+        <a:ext cx="901415" cy="833601"/>
       </dsp:txXfrm>
     </dsp:sp>
     <dsp:sp modelId="{05B84FB0-D7DA-4054-A002-8FCEC5D35C10}">
@@ -4368,8 +4676,8 @@
       </dsp:nvSpPr>
       <dsp:spPr>
         <a:xfrm>
-          <a:off x="4876800" y="2709333"/>
-          <a:ext cx="806915" cy="0"/>
+          <a:off x="4120446" y="2001448"/>
+          <a:ext cx="477529" cy="0"/>
         </a:xfrm>
         <a:custGeom>
           <a:avLst/>
@@ -4383,7 +4691,7 @@
                 <a:pt x="0" y="0"/>
               </a:moveTo>
               <a:lnTo>
-                <a:pt x="806915" y="0"/>
+                <a:pt x="477529" y="0"/>
               </a:lnTo>
             </a:path>
           </a:pathLst>
@@ -4423,8 +4731,8 @@
       </dsp:nvSpPr>
       <dsp:spPr>
         <a:xfrm>
-          <a:off x="5683715" y="2164757"/>
-          <a:ext cx="1089152" cy="1089152"/>
+          <a:off x="4597975" y="1507202"/>
+          <a:ext cx="1032843" cy="988491"/>
         </a:xfrm>
         <a:prstGeom prst="roundRect">
           <a:avLst/>
@@ -4465,12 +4773,12 @@
         </a:fontRef>
       </dsp:style>
       <dsp:txBody>
-        <a:bodyPr spcFirstLastPara="0" vert="horz" wrap="square" lIns="38100" tIns="38100" rIns="38100" bIns="38100" numCol="1" spcCol="1270" anchor="ctr" anchorCtr="0">
+        <a:bodyPr spcFirstLastPara="0" vert="horz" wrap="square" lIns="35560" tIns="35560" rIns="35560" bIns="35560" numCol="1" spcCol="1270" anchor="ctr" anchorCtr="0">
           <a:noAutofit/>
         </a:bodyPr>
         <a:lstStyle/>
         <a:p>
-          <a:pPr lvl="0" algn="ctr" defTabSz="666750">
+          <a:pPr lvl="0" algn="ctr" defTabSz="622300">
             <a:lnSpc>
               <a:spcPct val="90000"/>
             </a:lnSpc>
@@ -4482,15 +4790,15 @@
             </a:spcAft>
           </a:pPr>
           <a:r>
-            <a:rPr lang="de-DE" sz="1500" kern="1200" dirty="0" smtClean="0"/>
+            <a:rPr lang="de-DE" sz="1400" kern="1200" dirty="0" smtClean="0"/>
             <a:t>Verwaltung der Kurse</a:t>
           </a:r>
-          <a:endParaRPr lang="de-DE" sz="1500" kern="1200" dirty="0"/>
+          <a:endParaRPr lang="de-DE" sz="1400" kern="1200" dirty="0"/>
         </a:p>
       </dsp:txBody>
       <dsp:txXfrm>
-        <a:off x="5736883" y="2217925"/>
-        <a:ext cx="982816" cy="982816"/>
+        <a:off x="4646229" y="1555456"/>
+        <a:ext cx="936335" cy="891983"/>
       </dsp:txXfrm>
     </dsp:sp>
     <dsp:sp modelId="{60DD6BF0-A5B4-41B3-A971-102C84777D46}">
@@ -4500,8 +4808,8 @@
       </dsp:nvSpPr>
       <dsp:spPr>
         <a:xfrm rot="5400000">
-          <a:off x="3660542" y="3925591"/>
-          <a:ext cx="806915" cy="0"/>
+          <a:off x="3247771" y="2874122"/>
+          <a:ext cx="549805" cy="0"/>
         </a:xfrm>
         <a:custGeom>
           <a:avLst/>
@@ -4515,7 +4823,7 @@
                 <a:pt x="0" y="0"/>
               </a:moveTo>
               <a:lnTo>
-                <a:pt x="806915" y="0"/>
+                <a:pt x="549805" y="0"/>
               </a:lnTo>
             </a:path>
           </a:pathLst>
@@ -4555,8 +4863,8 @@
       </dsp:nvSpPr>
       <dsp:spPr>
         <a:xfrm>
-          <a:off x="3519423" y="4329049"/>
-          <a:ext cx="1089152" cy="1089152"/>
+          <a:off x="3056447" y="3149025"/>
+          <a:ext cx="932452" cy="888292"/>
         </a:xfrm>
         <a:prstGeom prst="roundRect">
           <a:avLst/>
@@ -4597,12 +4905,12 @@
         </a:fontRef>
       </dsp:style>
       <dsp:txBody>
-        <a:bodyPr spcFirstLastPara="0" vert="horz" wrap="square" lIns="38100" tIns="38100" rIns="38100" bIns="38100" numCol="1" spcCol="1270" anchor="ctr" anchorCtr="0">
+        <a:bodyPr spcFirstLastPara="0" vert="horz" wrap="square" lIns="33020" tIns="33020" rIns="33020" bIns="33020" numCol="1" spcCol="1270" anchor="ctr" anchorCtr="0">
           <a:noAutofit/>
         </a:bodyPr>
         <a:lstStyle/>
         <a:p>
-          <a:pPr lvl="0" algn="ctr" defTabSz="666750">
+          <a:pPr lvl="0" algn="ctr" defTabSz="577850">
             <a:lnSpc>
               <a:spcPct val="90000"/>
             </a:lnSpc>
@@ -4614,15 +4922,15 @@
             </a:spcAft>
           </a:pPr>
           <a:r>
-            <a:rPr lang="de-DE" sz="1500" kern="1200" dirty="0" smtClean="0"/>
+            <a:rPr lang="de-DE" sz="1300" kern="1200" dirty="0" smtClean="0"/>
             <a:t>Verwaltung der Mitarbeiter</a:t>
           </a:r>
-          <a:endParaRPr lang="de-DE" sz="1500" kern="1200" dirty="0"/>
+          <a:endParaRPr lang="de-DE" sz="1300" kern="1200" dirty="0"/>
         </a:p>
       </dsp:txBody>
       <dsp:txXfrm>
-        <a:off x="3572591" y="4382217"/>
-        <a:ext cx="982816" cy="982816"/>
+        <a:off x="3099810" y="3192388"/>
+        <a:ext cx="845726" cy="801566"/>
       </dsp:txXfrm>
     </dsp:sp>
     <dsp:sp modelId="{5B67BECE-0DD9-4770-8F78-0DFFA7D2D25D}">
@@ -4632,8 +4940,8 @@
       </dsp:nvSpPr>
       <dsp:spPr>
         <a:xfrm rot="10800000">
-          <a:off x="2444284" y="2709333"/>
-          <a:ext cx="806915" cy="0"/>
+          <a:off x="2421664" y="2001448"/>
+          <a:ext cx="503238" cy="0"/>
         </a:xfrm>
         <a:custGeom>
           <a:avLst/>
@@ -4647,7 +4955,7 @@
                 <a:pt x="0" y="0"/>
               </a:moveTo>
               <a:lnTo>
-                <a:pt x="806915" y="0"/>
+                <a:pt x="503238" y="0"/>
               </a:lnTo>
             </a:path>
           </a:pathLst>
@@ -4687,8 +4995,8 @@
       </dsp:nvSpPr>
       <dsp:spPr>
         <a:xfrm>
-          <a:off x="1355132" y="2164757"/>
-          <a:ext cx="1089152" cy="1089152"/>
+          <a:off x="1440237" y="1507202"/>
+          <a:ext cx="981426" cy="988491"/>
         </a:xfrm>
         <a:prstGeom prst="roundRect">
           <a:avLst/>
@@ -4729,12 +5037,12 @@
         </a:fontRef>
       </dsp:style>
       <dsp:txBody>
-        <a:bodyPr spcFirstLastPara="0" vert="horz" wrap="square" lIns="38100" tIns="38100" rIns="38100" bIns="38100" numCol="1" spcCol="1270" anchor="ctr" anchorCtr="0">
+        <a:bodyPr spcFirstLastPara="0" vert="horz" wrap="square" lIns="35560" tIns="35560" rIns="35560" bIns="35560" numCol="1" spcCol="1270" anchor="ctr" anchorCtr="0">
           <a:noAutofit/>
         </a:bodyPr>
         <a:lstStyle/>
         <a:p>
-          <a:pPr lvl="0" algn="ctr" defTabSz="666750">
+          <a:pPr lvl="0" algn="ctr" defTabSz="622300">
             <a:lnSpc>
               <a:spcPct val="90000"/>
             </a:lnSpc>
@@ -4746,15 +5054,15 @@
             </a:spcAft>
           </a:pPr>
           <a:r>
-            <a:rPr lang="de-DE" sz="1500" kern="1200" dirty="0" smtClean="0"/>
+            <a:rPr lang="de-DE" sz="1400" kern="1200" dirty="0" smtClean="0"/>
             <a:t>Kunden-verwaltung                               </a:t>
           </a:r>
-          <a:endParaRPr lang="de-DE" sz="1500" kern="1200" dirty="0"/>
+          <a:endParaRPr lang="de-DE" sz="1400" kern="1200" dirty="0"/>
         </a:p>
       </dsp:txBody>
       <dsp:txXfrm>
-        <a:off x="1408300" y="2217925"/>
-        <a:ext cx="982816" cy="982816"/>
+        <a:off x="1488146" y="1555111"/>
+        <a:ext cx="885608" cy="892673"/>
       </dsp:txXfrm>
     </dsp:sp>
   </dsp:spTree>
@@ -4762,741 +5070,6 @@
 </file>
 
 <file path=ppt/diagrams/drawing2.xml><?xml version="1.0" encoding="utf-8"?>
-<dsp:drawing xmlns:dgm="http://schemas.openxmlformats.org/drawingml/2006/diagram" xmlns:dsp="http://schemas.microsoft.com/office/drawing/2008/diagram" xmlns:a="http://schemas.openxmlformats.org/drawingml/2006/main">
-  <dsp:spTree>
-    <dsp:nvGrpSpPr>
-      <dsp:cNvPr id="0" name=""/>
-      <dsp:cNvGrpSpPr/>
-    </dsp:nvGrpSpPr>
-    <dsp:grpSpPr/>
-    <dsp:sp modelId="{9D082147-CB47-49C0-8C4E-79F46F02CC84}">
-      <dsp:nvSpPr>
-        <dsp:cNvPr id="0" name=""/>
-        <dsp:cNvSpPr/>
-      </dsp:nvSpPr>
-      <dsp:spPr>
-        <a:xfrm>
-          <a:off x="1410544" y="35076"/>
-          <a:ext cx="7524215" cy="1095412"/>
-        </a:xfrm>
-        <a:prstGeom prst="rightArrow">
-          <a:avLst>
-            <a:gd name="adj1" fmla="val 50000"/>
-            <a:gd name="adj2" fmla="val 50000"/>
-          </a:avLst>
-        </a:prstGeom>
-        <a:solidFill>
-          <a:schemeClr val="accent1">
-            <a:hueOff val="0"/>
-            <a:satOff val="0"/>
-            <a:lumOff val="0"/>
-            <a:alphaOff val="0"/>
-          </a:schemeClr>
-        </a:solidFill>
-        <a:ln w="15875" cap="flat" cmpd="sng" algn="ctr">
-          <a:solidFill>
-            <a:schemeClr val="lt1">
-              <a:hueOff val="0"/>
-              <a:satOff val="0"/>
-              <a:lumOff val="0"/>
-              <a:alphaOff val="0"/>
-            </a:schemeClr>
-          </a:solidFill>
-          <a:prstDash val="solid"/>
-        </a:ln>
-        <a:effectLst/>
-      </dsp:spPr>
-      <dsp:style>
-        <a:lnRef idx="2">
-          <a:scrgbClr r="0" g="0" b="0"/>
-        </a:lnRef>
-        <a:fillRef idx="1">
-          <a:scrgbClr r="0" g="0" b="0"/>
-        </a:fillRef>
-        <a:effectRef idx="0">
-          <a:scrgbClr r="0" g="0" b="0"/>
-        </a:effectRef>
-        <a:fontRef idx="minor">
-          <a:schemeClr val="lt1"/>
-        </a:fontRef>
-      </dsp:style>
-      <dsp:txBody>
-        <a:bodyPr spcFirstLastPara="0" vert="horz" wrap="square" lIns="80010" tIns="80010" rIns="254000" bIns="173897" numCol="1" spcCol="1270" anchor="ctr" anchorCtr="0">
-          <a:noAutofit/>
-        </a:bodyPr>
-        <a:lstStyle/>
-        <a:p>
-          <a:pPr lvl="0" algn="l" defTabSz="933450">
-            <a:lnSpc>
-              <a:spcPct val="90000"/>
-            </a:lnSpc>
-            <a:spcBef>
-              <a:spcPct val="0"/>
-            </a:spcBef>
-            <a:spcAft>
-              <a:spcPct val="35000"/>
-            </a:spcAft>
-          </a:pPr>
-          <a:r>
-            <a:rPr lang="de-DE" sz="2100" kern="1200" dirty="0" smtClean="0"/>
-            <a:t>Projektorganisation</a:t>
-          </a:r>
-          <a:endParaRPr lang="de-DE" sz="2100" kern="1200" dirty="0"/>
-        </a:p>
-      </dsp:txBody>
-      <dsp:txXfrm>
-        <a:off x="1410544" y="308929"/>
-        <a:ext cx="7250362" cy="547706"/>
-      </dsp:txXfrm>
-    </dsp:sp>
-    <dsp:sp modelId="{7EACA938-B70E-429F-8548-55DC77EF8118}">
-      <dsp:nvSpPr>
-        <dsp:cNvPr id="0" name=""/>
-        <dsp:cNvSpPr/>
-      </dsp:nvSpPr>
-      <dsp:spPr>
-        <a:xfrm>
-          <a:off x="1411203" y="881584"/>
-          <a:ext cx="1610881" cy="2026183"/>
-        </a:xfrm>
-        <a:prstGeom prst="rect">
-          <a:avLst/>
-        </a:prstGeom>
-        <a:solidFill>
-          <a:schemeClr val="lt1">
-            <a:hueOff val="0"/>
-            <a:satOff val="0"/>
-            <a:lumOff val="0"/>
-            <a:alphaOff val="0"/>
-          </a:schemeClr>
-        </a:solidFill>
-        <a:ln w="15875" cap="flat" cmpd="sng" algn="ctr">
-          <a:solidFill>
-            <a:schemeClr val="accent1">
-              <a:hueOff val="0"/>
-              <a:satOff val="0"/>
-              <a:lumOff val="0"/>
-              <a:alphaOff val="0"/>
-            </a:schemeClr>
-          </a:solidFill>
-          <a:prstDash val="solid"/>
-        </a:ln>
-        <a:effectLst/>
-      </dsp:spPr>
-      <dsp:style>
-        <a:lnRef idx="2">
-          <a:scrgbClr r="0" g="0" b="0"/>
-        </a:lnRef>
-        <a:fillRef idx="1">
-          <a:scrgbClr r="0" g="0" b="0"/>
-        </a:fillRef>
-        <a:effectRef idx="0">
-          <a:scrgbClr r="0" g="0" b="0"/>
-        </a:effectRef>
-        <a:fontRef idx="minor"/>
-      </dsp:style>
-      <dsp:txBody>
-        <a:bodyPr spcFirstLastPara="0" vert="horz" wrap="square" lIns="68580" tIns="68580" rIns="68580" bIns="68580" numCol="1" spcCol="1270" anchor="t" anchorCtr="0">
-          <a:noAutofit/>
-        </a:bodyPr>
-        <a:lstStyle/>
-        <a:p>
-          <a:pPr lvl="0" algn="l" defTabSz="800100">
-            <a:lnSpc>
-              <a:spcPct val="90000"/>
-            </a:lnSpc>
-            <a:spcBef>
-              <a:spcPct val="0"/>
-            </a:spcBef>
-            <a:spcAft>
-              <a:spcPct val="35000"/>
-            </a:spcAft>
-          </a:pPr>
-          <a:r>
-            <a:rPr lang="de-DE" sz="1800" kern="1200" dirty="0" smtClean="0"/>
-            <a:t>Entwicklungs-</a:t>
-          </a:r>
-        </a:p>
-        <a:p>
-          <a:pPr lvl="0" algn="l" defTabSz="800100">
-            <a:lnSpc>
-              <a:spcPct val="90000"/>
-            </a:lnSpc>
-            <a:spcBef>
-              <a:spcPct val="0"/>
-            </a:spcBef>
-            <a:spcAft>
-              <a:spcPct val="35000"/>
-            </a:spcAft>
-          </a:pPr>
-          <a:r>
-            <a:rPr lang="de-DE" sz="1800" kern="1200" dirty="0" err="1" smtClean="0"/>
-            <a:t>umgebung</a:t>
-          </a:r>
-          <a:endParaRPr lang="de-DE" sz="1800" kern="1200" dirty="0"/>
-        </a:p>
-        <a:p>
-          <a:pPr lvl="0" algn="l" defTabSz="800100">
-            <a:lnSpc>
-              <a:spcPct val="90000"/>
-            </a:lnSpc>
-            <a:spcBef>
-              <a:spcPct val="0"/>
-            </a:spcBef>
-            <a:spcAft>
-              <a:spcPct val="35000"/>
-            </a:spcAft>
-          </a:pPr>
-          <a:r>
-            <a:rPr lang="de-DE" sz="1800" kern="1200" dirty="0" smtClean="0"/>
-            <a:t>Infrastruktur</a:t>
-          </a:r>
-          <a:endParaRPr lang="de-DE" sz="1800" kern="1200" dirty="0"/>
-        </a:p>
-        <a:p>
-          <a:pPr lvl="0" algn="l" defTabSz="800100">
-            <a:lnSpc>
-              <a:spcPct val="90000"/>
-            </a:lnSpc>
-            <a:spcBef>
-              <a:spcPct val="0"/>
-            </a:spcBef>
-            <a:spcAft>
-              <a:spcPct val="35000"/>
-            </a:spcAft>
-          </a:pPr>
-          <a:r>
-            <a:rPr lang="de-DE" sz="1800" kern="1200" dirty="0" smtClean="0"/>
-            <a:t>Architektur</a:t>
-          </a:r>
-          <a:endParaRPr lang="de-DE" sz="1800" kern="1200" dirty="0"/>
-        </a:p>
-        <a:p>
-          <a:pPr lvl="0" algn="l" defTabSz="800100">
-            <a:lnSpc>
-              <a:spcPct val="90000"/>
-            </a:lnSpc>
-            <a:spcBef>
-              <a:spcPct val="0"/>
-            </a:spcBef>
-            <a:spcAft>
-              <a:spcPct val="35000"/>
-            </a:spcAft>
-          </a:pPr>
-          <a:r>
-            <a:rPr lang="de-DE" sz="1800" kern="1200" dirty="0" smtClean="0"/>
-            <a:t>Projektstruktur</a:t>
-          </a:r>
-          <a:endParaRPr lang="de-DE" sz="1800" kern="1200" dirty="0"/>
-        </a:p>
-      </dsp:txBody>
-      <dsp:txXfrm>
-        <a:off x="1411203" y="881584"/>
-        <a:ext cx="1610881" cy="2026183"/>
-      </dsp:txXfrm>
-    </dsp:sp>
-    <dsp:sp modelId="{694A9EB9-F0F7-4A21-B303-BBCAA0524F9C}">
-      <dsp:nvSpPr>
-        <dsp:cNvPr id="0" name=""/>
-        <dsp:cNvSpPr/>
-      </dsp:nvSpPr>
-      <dsp:spPr>
-        <a:xfrm>
-          <a:off x="3144875" y="400084"/>
-          <a:ext cx="5789883" cy="1095412"/>
-        </a:xfrm>
-        <a:prstGeom prst="rightArrow">
-          <a:avLst>
-            <a:gd name="adj1" fmla="val 50000"/>
-            <a:gd name="adj2" fmla="val 50000"/>
-          </a:avLst>
-        </a:prstGeom>
-        <a:solidFill>
-          <a:schemeClr val="accent1">
-            <a:hueOff val="0"/>
-            <a:satOff val="0"/>
-            <a:lumOff val="0"/>
-            <a:alphaOff val="0"/>
-          </a:schemeClr>
-        </a:solidFill>
-        <a:ln w="15875" cap="flat" cmpd="sng" algn="ctr">
-          <a:solidFill>
-            <a:schemeClr val="lt1">
-              <a:hueOff val="0"/>
-              <a:satOff val="0"/>
-              <a:lumOff val="0"/>
-              <a:alphaOff val="0"/>
-            </a:schemeClr>
-          </a:solidFill>
-          <a:prstDash val="solid"/>
-        </a:ln>
-        <a:effectLst/>
-      </dsp:spPr>
-      <dsp:style>
-        <a:lnRef idx="2">
-          <a:scrgbClr r="0" g="0" b="0"/>
-        </a:lnRef>
-        <a:fillRef idx="1">
-          <a:scrgbClr r="0" g="0" b="0"/>
-        </a:fillRef>
-        <a:effectRef idx="0">
-          <a:scrgbClr r="0" g="0" b="0"/>
-        </a:effectRef>
-        <a:fontRef idx="minor">
-          <a:schemeClr val="lt1"/>
-        </a:fontRef>
-      </dsp:style>
-      <dsp:txBody>
-        <a:bodyPr spcFirstLastPara="0" vert="horz" wrap="square" lIns="80010" tIns="80010" rIns="254000" bIns="173897" numCol="1" spcCol="1270" anchor="ctr" anchorCtr="0">
-          <a:noAutofit/>
-        </a:bodyPr>
-        <a:lstStyle/>
-        <a:p>
-          <a:pPr lvl="0" algn="l" defTabSz="933450">
-            <a:lnSpc>
-              <a:spcPct val="90000"/>
-            </a:lnSpc>
-            <a:spcBef>
-              <a:spcPct val="0"/>
-            </a:spcBef>
-            <a:spcAft>
-              <a:spcPct val="35000"/>
-            </a:spcAft>
-          </a:pPr>
-          <a:r>
-            <a:rPr lang="de-DE" sz="2100" kern="1200" dirty="0" smtClean="0"/>
-            <a:t>Module</a:t>
-          </a:r>
-          <a:endParaRPr lang="de-DE" sz="2100" kern="1200" dirty="0"/>
-        </a:p>
-      </dsp:txBody>
-      <dsp:txXfrm>
-        <a:off x="3144875" y="673937"/>
-        <a:ext cx="5516030" cy="547706"/>
-      </dsp:txXfrm>
-    </dsp:sp>
-    <dsp:sp modelId="{9E44132C-8324-46A3-B331-34E510770468}">
-      <dsp:nvSpPr>
-        <dsp:cNvPr id="0" name=""/>
-        <dsp:cNvSpPr/>
-      </dsp:nvSpPr>
-      <dsp:spPr>
-        <a:xfrm>
-          <a:off x="3146402" y="1242002"/>
-          <a:ext cx="1596625" cy="2379338"/>
-        </a:xfrm>
-        <a:prstGeom prst="rect">
-          <a:avLst/>
-        </a:prstGeom>
-        <a:solidFill>
-          <a:schemeClr val="lt1">
-            <a:hueOff val="0"/>
-            <a:satOff val="0"/>
-            <a:lumOff val="0"/>
-            <a:alphaOff val="0"/>
-          </a:schemeClr>
-        </a:solidFill>
-        <a:ln w="15875" cap="flat" cmpd="sng" algn="ctr">
-          <a:solidFill>
-            <a:schemeClr val="accent1">
-              <a:hueOff val="0"/>
-              <a:satOff val="0"/>
-              <a:lumOff val="0"/>
-              <a:alphaOff val="0"/>
-            </a:schemeClr>
-          </a:solidFill>
-          <a:prstDash val="solid"/>
-        </a:ln>
-        <a:effectLst/>
-      </dsp:spPr>
-      <dsp:style>
-        <a:lnRef idx="2">
-          <a:scrgbClr r="0" g="0" b="0"/>
-        </a:lnRef>
-        <a:fillRef idx="1">
-          <a:scrgbClr r="0" g="0" b="0"/>
-        </a:fillRef>
-        <a:effectRef idx="0">
-          <a:scrgbClr r="0" g="0" b="0"/>
-        </a:effectRef>
-        <a:fontRef idx="minor"/>
-      </dsp:style>
-      <dsp:txBody>
-        <a:bodyPr spcFirstLastPara="0" vert="horz" wrap="square" lIns="68580" tIns="68580" rIns="68580" bIns="68580" numCol="1" spcCol="1270" anchor="t" anchorCtr="0">
-          <a:noAutofit/>
-        </a:bodyPr>
-        <a:lstStyle/>
-        <a:p>
-          <a:pPr lvl="0" algn="l" defTabSz="800100">
-            <a:lnSpc>
-              <a:spcPct val="90000"/>
-            </a:lnSpc>
-            <a:spcBef>
-              <a:spcPct val="0"/>
-            </a:spcBef>
-            <a:spcAft>
-              <a:spcPct val="35000"/>
-            </a:spcAft>
-          </a:pPr>
-          <a:r>
-            <a:rPr lang="de-DE" sz="1800" kern="1200" dirty="0" smtClean="0"/>
-            <a:t>Rechnung</a:t>
-          </a:r>
-          <a:endParaRPr lang="de-DE" sz="1800" kern="1200" dirty="0"/>
-        </a:p>
-        <a:p>
-          <a:pPr lvl="0" algn="l" defTabSz="800100">
-            <a:lnSpc>
-              <a:spcPct val="90000"/>
-            </a:lnSpc>
-            <a:spcBef>
-              <a:spcPct val="0"/>
-            </a:spcBef>
-            <a:spcAft>
-              <a:spcPct val="35000"/>
-            </a:spcAft>
-          </a:pPr>
-          <a:r>
-            <a:rPr lang="de-DE" sz="1800" kern="1200" dirty="0" smtClean="0"/>
-            <a:t>Kunden</a:t>
-          </a:r>
-          <a:endParaRPr lang="de-DE" sz="1800" kern="1200" dirty="0"/>
-        </a:p>
-        <a:p>
-          <a:pPr lvl="0" algn="l" defTabSz="800100">
-            <a:lnSpc>
-              <a:spcPct val="90000"/>
-            </a:lnSpc>
-            <a:spcBef>
-              <a:spcPct val="0"/>
-            </a:spcBef>
-            <a:spcAft>
-              <a:spcPct val="35000"/>
-            </a:spcAft>
-          </a:pPr>
-          <a:r>
-            <a:rPr lang="de-DE" sz="1800" kern="1200" dirty="0" smtClean="0"/>
-            <a:t>Mitarbeiter</a:t>
-          </a:r>
-          <a:endParaRPr lang="de-DE" sz="1800" kern="1200" dirty="0"/>
-        </a:p>
-        <a:p>
-          <a:pPr lvl="0" algn="l" defTabSz="800100">
-            <a:lnSpc>
-              <a:spcPct val="90000"/>
-            </a:lnSpc>
-            <a:spcBef>
-              <a:spcPct val="0"/>
-            </a:spcBef>
-            <a:spcAft>
-              <a:spcPct val="35000"/>
-            </a:spcAft>
-          </a:pPr>
-          <a:r>
-            <a:rPr lang="de-DE" sz="1800" kern="1200" dirty="0" smtClean="0"/>
-            <a:t>Kurs</a:t>
-          </a:r>
-          <a:endParaRPr lang="de-DE" sz="1800" kern="1200" dirty="0"/>
-        </a:p>
-        <a:p>
-          <a:pPr lvl="0" algn="l" defTabSz="800100">
-            <a:lnSpc>
-              <a:spcPct val="90000"/>
-            </a:lnSpc>
-            <a:spcBef>
-              <a:spcPct val="0"/>
-            </a:spcBef>
-            <a:spcAft>
-              <a:spcPct val="35000"/>
-            </a:spcAft>
-          </a:pPr>
-          <a:r>
-            <a:rPr lang="de-DE" sz="1800" kern="1200" dirty="0" smtClean="0"/>
-            <a:t>Termin</a:t>
-          </a:r>
-        </a:p>
-        <a:p>
-          <a:pPr lvl="0" algn="l" defTabSz="800100">
-            <a:lnSpc>
-              <a:spcPct val="90000"/>
-            </a:lnSpc>
-            <a:spcBef>
-              <a:spcPct val="0"/>
-            </a:spcBef>
-            <a:spcAft>
-              <a:spcPct val="35000"/>
-            </a:spcAft>
-          </a:pPr>
-          <a:r>
-            <a:rPr lang="de-DE" sz="1800" kern="1200" dirty="0" smtClean="0"/>
-            <a:t>Material</a:t>
-          </a:r>
-          <a:endParaRPr lang="de-DE" sz="1800" kern="1200" dirty="0"/>
-        </a:p>
-      </dsp:txBody>
-      <dsp:txXfrm>
-        <a:off x="3146402" y="1242002"/>
-        <a:ext cx="1596625" cy="2379338"/>
-      </dsp:txXfrm>
-    </dsp:sp>
-    <dsp:sp modelId="{6FDDAC2B-1938-402C-A865-F1E203D6C204}">
-      <dsp:nvSpPr>
-        <dsp:cNvPr id="0" name=""/>
-        <dsp:cNvSpPr/>
-      </dsp:nvSpPr>
-      <dsp:spPr>
-        <a:xfrm>
-          <a:off x="4879207" y="765092"/>
-          <a:ext cx="4055552" cy="1095412"/>
-        </a:xfrm>
-        <a:prstGeom prst="rightArrow">
-          <a:avLst>
-            <a:gd name="adj1" fmla="val 50000"/>
-            <a:gd name="adj2" fmla="val 50000"/>
-          </a:avLst>
-        </a:prstGeom>
-        <a:solidFill>
-          <a:schemeClr val="accent1">
-            <a:hueOff val="0"/>
-            <a:satOff val="0"/>
-            <a:lumOff val="0"/>
-            <a:alphaOff val="0"/>
-          </a:schemeClr>
-        </a:solidFill>
-        <a:ln w="15875" cap="flat" cmpd="sng" algn="ctr">
-          <a:solidFill>
-            <a:schemeClr val="lt1">
-              <a:hueOff val="0"/>
-              <a:satOff val="0"/>
-              <a:lumOff val="0"/>
-              <a:alphaOff val="0"/>
-            </a:schemeClr>
-          </a:solidFill>
-          <a:prstDash val="solid"/>
-        </a:ln>
-        <a:effectLst/>
-      </dsp:spPr>
-      <dsp:style>
-        <a:lnRef idx="2">
-          <a:scrgbClr r="0" g="0" b="0"/>
-        </a:lnRef>
-        <a:fillRef idx="1">
-          <a:scrgbClr r="0" g="0" b="0"/>
-        </a:fillRef>
-        <a:effectRef idx="0">
-          <a:scrgbClr r="0" g="0" b="0"/>
-        </a:effectRef>
-        <a:fontRef idx="minor">
-          <a:schemeClr val="lt1"/>
-        </a:fontRef>
-      </dsp:style>
-      <dsp:txBody>
-        <a:bodyPr spcFirstLastPara="0" vert="horz" wrap="square" lIns="80010" tIns="80010" rIns="254000" bIns="173897" numCol="1" spcCol="1270" anchor="ctr" anchorCtr="0">
-          <a:noAutofit/>
-        </a:bodyPr>
-        <a:lstStyle/>
-        <a:p>
-          <a:pPr lvl="0" algn="l" defTabSz="933450">
-            <a:lnSpc>
-              <a:spcPct val="90000"/>
-            </a:lnSpc>
-            <a:spcBef>
-              <a:spcPct val="0"/>
-            </a:spcBef>
-            <a:spcAft>
-              <a:spcPct val="35000"/>
-            </a:spcAft>
-          </a:pPr>
-          <a:r>
-            <a:rPr lang="de-DE" sz="2100" kern="1200" dirty="0" smtClean="0"/>
-            <a:t>GUI</a:t>
-          </a:r>
-          <a:endParaRPr lang="de-DE" sz="2100" kern="1200" dirty="0"/>
-        </a:p>
-      </dsp:txBody>
-      <dsp:txXfrm>
-        <a:off x="4879207" y="1038945"/>
-        <a:ext cx="3781699" cy="547706"/>
-      </dsp:txXfrm>
-    </dsp:sp>
-    <dsp:sp modelId="{9B611828-DB53-4D91-8204-F0E60EA74807}">
-      <dsp:nvSpPr>
-        <dsp:cNvPr id="0" name=""/>
-        <dsp:cNvSpPr/>
-      </dsp:nvSpPr>
-      <dsp:spPr>
-        <a:xfrm>
-          <a:off x="6613539" y="1130100"/>
-          <a:ext cx="2321220" cy="1095412"/>
-        </a:xfrm>
-        <a:prstGeom prst="rightArrow">
-          <a:avLst>
-            <a:gd name="adj1" fmla="val 50000"/>
-            <a:gd name="adj2" fmla="val 50000"/>
-          </a:avLst>
-        </a:prstGeom>
-        <a:solidFill>
-          <a:schemeClr val="accent1">
-            <a:hueOff val="0"/>
-            <a:satOff val="0"/>
-            <a:lumOff val="0"/>
-            <a:alphaOff val="0"/>
-          </a:schemeClr>
-        </a:solidFill>
-        <a:ln w="15875" cap="flat" cmpd="sng" algn="ctr">
-          <a:solidFill>
-            <a:schemeClr val="lt1">
-              <a:hueOff val="0"/>
-              <a:satOff val="0"/>
-              <a:lumOff val="0"/>
-              <a:alphaOff val="0"/>
-            </a:schemeClr>
-          </a:solidFill>
-          <a:prstDash val="solid"/>
-        </a:ln>
-        <a:effectLst/>
-      </dsp:spPr>
-      <dsp:style>
-        <a:lnRef idx="2">
-          <a:scrgbClr r="0" g="0" b="0"/>
-        </a:lnRef>
-        <a:fillRef idx="1">
-          <a:scrgbClr r="0" g="0" b="0"/>
-        </a:fillRef>
-        <a:effectRef idx="0">
-          <a:scrgbClr r="0" g="0" b="0"/>
-        </a:effectRef>
-        <a:fontRef idx="minor">
-          <a:schemeClr val="lt1"/>
-        </a:fontRef>
-      </dsp:style>
-      <dsp:txBody>
-        <a:bodyPr spcFirstLastPara="0" vert="horz" wrap="square" lIns="80010" tIns="80010" rIns="254000" bIns="173897" numCol="1" spcCol="1270" anchor="ctr" anchorCtr="0">
-          <a:noAutofit/>
-        </a:bodyPr>
-        <a:lstStyle/>
-        <a:p>
-          <a:pPr lvl="0" algn="l" defTabSz="933450">
-            <a:lnSpc>
-              <a:spcPct val="90000"/>
-            </a:lnSpc>
-            <a:spcBef>
-              <a:spcPct val="0"/>
-            </a:spcBef>
-            <a:spcAft>
-              <a:spcPct val="35000"/>
-            </a:spcAft>
-          </a:pPr>
-          <a:r>
-            <a:rPr lang="de-DE" sz="2100" kern="1200" dirty="0" smtClean="0"/>
-            <a:t>Dokumentation</a:t>
-          </a:r>
-          <a:endParaRPr lang="de-DE" sz="2100" kern="1200" dirty="0"/>
-        </a:p>
-      </dsp:txBody>
-      <dsp:txXfrm>
-        <a:off x="6613539" y="1403953"/>
-        <a:ext cx="2047367" cy="547706"/>
-      </dsp:txXfrm>
-    </dsp:sp>
-    <dsp:sp modelId="{917FF7F2-210A-48A2-9D27-67C8AAFC2925}">
-      <dsp:nvSpPr>
-        <dsp:cNvPr id="0" name=""/>
-        <dsp:cNvSpPr/>
-      </dsp:nvSpPr>
-      <dsp:spPr>
-        <a:xfrm>
-          <a:off x="6613539" y="1976609"/>
-          <a:ext cx="1750132" cy="2011039"/>
-        </a:xfrm>
-        <a:prstGeom prst="rect">
-          <a:avLst/>
-        </a:prstGeom>
-        <a:solidFill>
-          <a:schemeClr val="lt1">
-            <a:hueOff val="0"/>
-            <a:satOff val="0"/>
-            <a:lumOff val="0"/>
-            <a:alphaOff val="0"/>
-          </a:schemeClr>
-        </a:solidFill>
-        <a:ln w="15875" cap="flat" cmpd="sng" algn="ctr">
-          <a:solidFill>
-            <a:schemeClr val="accent1">
-              <a:hueOff val="0"/>
-              <a:satOff val="0"/>
-              <a:lumOff val="0"/>
-              <a:alphaOff val="0"/>
-            </a:schemeClr>
-          </a:solidFill>
-          <a:prstDash val="solid"/>
-        </a:ln>
-        <a:effectLst/>
-      </dsp:spPr>
-      <dsp:style>
-        <a:lnRef idx="2">
-          <a:scrgbClr r="0" g="0" b="0"/>
-        </a:lnRef>
-        <a:fillRef idx="1">
-          <a:scrgbClr r="0" g="0" b="0"/>
-        </a:fillRef>
-        <a:effectRef idx="0">
-          <a:scrgbClr r="0" g="0" b="0"/>
-        </a:effectRef>
-        <a:fontRef idx="minor"/>
-      </dsp:style>
-      <dsp:txBody>
-        <a:bodyPr spcFirstLastPara="0" vert="horz" wrap="square" lIns="68580" tIns="68580" rIns="68580" bIns="68580" numCol="1" spcCol="1270" anchor="t" anchorCtr="0">
-          <a:noAutofit/>
-        </a:bodyPr>
-        <a:lstStyle/>
-        <a:p>
-          <a:pPr lvl="0" algn="l" defTabSz="800100">
-            <a:lnSpc>
-              <a:spcPct val="90000"/>
-            </a:lnSpc>
-            <a:spcBef>
-              <a:spcPct val="0"/>
-            </a:spcBef>
-            <a:spcAft>
-              <a:spcPct val="35000"/>
-            </a:spcAft>
-          </a:pPr>
-          <a:r>
-            <a:rPr lang="de-DE" sz="1800" kern="1200" dirty="0" smtClean="0"/>
-            <a:t>Benutzer-handbuch</a:t>
-          </a:r>
-          <a:endParaRPr lang="de-DE" sz="1800" kern="1200" dirty="0"/>
-        </a:p>
-        <a:p>
-          <a:pPr lvl="0" algn="l" defTabSz="800100">
-            <a:lnSpc>
-              <a:spcPct val="90000"/>
-            </a:lnSpc>
-            <a:spcBef>
-              <a:spcPct val="0"/>
-            </a:spcBef>
-            <a:spcAft>
-              <a:spcPct val="35000"/>
-            </a:spcAft>
-          </a:pPr>
-          <a:r>
-            <a:rPr lang="de-DE" sz="1800" kern="1200" dirty="0" smtClean="0"/>
-            <a:t>Endbericht</a:t>
-          </a:r>
-          <a:endParaRPr lang="de-DE" sz="1800" kern="1200" dirty="0"/>
-        </a:p>
-      </dsp:txBody>
-      <dsp:txXfrm>
-        <a:off x="6613539" y="1976609"/>
-        <a:ext cx="1750132" cy="2011039"/>
-      </dsp:txXfrm>
-    </dsp:sp>
-  </dsp:spTree>
-</dsp:drawing>
-</file>
-
-<file path=ppt/diagrams/drawing3.xml><?xml version="1.0" encoding="utf-8"?>
 <dsp:drawing xmlns:dgm="http://schemas.openxmlformats.org/drawingml/2006/diagram" xmlns:dsp="http://schemas.microsoft.com/office/drawing/2008/diagram" xmlns:a="http://schemas.openxmlformats.org/drawingml/2006/main">
   <dsp:spTree>
     <dsp:nvGrpSpPr>
@@ -5605,10 +5178,23 @@
             </a:spcAft>
           </a:pPr>
           <a:r>
-            <a:rPr lang="de-DE" sz="1100" kern="1200" dirty="0" smtClean="0"/>
+            <a:rPr lang="de-DE" sz="1100" b="0" kern="1200" dirty="0" smtClean="0"/>
             <a:t>Projekt-organisation</a:t>
           </a:r>
-          <a:endParaRPr lang="de-DE" sz="1100" kern="1200" dirty="0"/>
+        </a:p>
+        <a:p>
+          <a:pPr lvl="0" algn="l" defTabSz="488950">
+            <a:lnSpc>
+              <a:spcPct val="90000"/>
+            </a:lnSpc>
+            <a:spcBef>
+              <a:spcPct val="0"/>
+            </a:spcBef>
+            <a:spcAft>
+              <a:spcPct val="35000"/>
+            </a:spcAft>
+          </a:pPr>
+          <a:endParaRPr lang="de-DE" sz="1200" b="1" kern="1200" dirty="0"/>
         </a:p>
       </dsp:txBody>
       <dsp:txXfrm>
@@ -6755,6 +6341,741 @@
       <dsp:txXfrm>
         <a:off x="9013517" y="513412"/>
         <a:ext cx="1037684" cy="909591"/>
+      </dsp:txXfrm>
+    </dsp:sp>
+  </dsp:spTree>
+</dsp:drawing>
+</file>
+
+<file path=ppt/diagrams/drawing3.xml><?xml version="1.0" encoding="utf-8"?>
+<dsp:drawing xmlns:dgm="http://schemas.openxmlformats.org/drawingml/2006/diagram" xmlns:dsp="http://schemas.microsoft.com/office/drawing/2008/diagram" xmlns:a="http://schemas.openxmlformats.org/drawingml/2006/main">
+  <dsp:spTree>
+    <dsp:nvGrpSpPr>
+      <dsp:cNvPr id="0" name=""/>
+      <dsp:cNvGrpSpPr/>
+    </dsp:nvGrpSpPr>
+    <dsp:grpSpPr/>
+    <dsp:sp modelId="{9D082147-CB47-49C0-8C4E-79F46F02CC84}">
+      <dsp:nvSpPr>
+        <dsp:cNvPr id="0" name=""/>
+        <dsp:cNvSpPr/>
+      </dsp:nvSpPr>
+      <dsp:spPr>
+        <a:xfrm>
+          <a:off x="1410544" y="35076"/>
+          <a:ext cx="7524215" cy="1095412"/>
+        </a:xfrm>
+        <a:prstGeom prst="rightArrow">
+          <a:avLst>
+            <a:gd name="adj1" fmla="val 50000"/>
+            <a:gd name="adj2" fmla="val 50000"/>
+          </a:avLst>
+        </a:prstGeom>
+        <a:solidFill>
+          <a:schemeClr val="accent1">
+            <a:hueOff val="0"/>
+            <a:satOff val="0"/>
+            <a:lumOff val="0"/>
+            <a:alphaOff val="0"/>
+          </a:schemeClr>
+        </a:solidFill>
+        <a:ln w="15875" cap="flat" cmpd="sng" algn="ctr">
+          <a:solidFill>
+            <a:schemeClr val="lt1">
+              <a:hueOff val="0"/>
+              <a:satOff val="0"/>
+              <a:lumOff val="0"/>
+              <a:alphaOff val="0"/>
+            </a:schemeClr>
+          </a:solidFill>
+          <a:prstDash val="solid"/>
+        </a:ln>
+        <a:effectLst/>
+      </dsp:spPr>
+      <dsp:style>
+        <a:lnRef idx="2">
+          <a:scrgbClr r="0" g="0" b="0"/>
+        </a:lnRef>
+        <a:fillRef idx="1">
+          <a:scrgbClr r="0" g="0" b="0"/>
+        </a:fillRef>
+        <a:effectRef idx="0">
+          <a:scrgbClr r="0" g="0" b="0"/>
+        </a:effectRef>
+        <a:fontRef idx="minor">
+          <a:schemeClr val="lt1"/>
+        </a:fontRef>
+      </dsp:style>
+      <dsp:txBody>
+        <a:bodyPr spcFirstLastPara="0" vert="horz" wrap="square" lIns="80010" tIns="80010" rIns="254000" bIns="173897" numCol="1" spcCol="1270" anchor="ctr" anchorCtr="0">
+          <a:noAutofit/>
+        </a:bodyPr>
+        <a:lstStyle/>
+        <a:p>
+          <a:pPr lvl="0" algn="l" defTabSz="933450">
+            <a:lnSpc>
+              <a:spcPct val="90000"/>
+            </a:lnSpc>
+            <a:spcBef>
+              <a:spcPct val="0"/>
+            </a:spcBef>
+            <a:spcAft>
+              <a:spcPct val="35000"/>
+            </a:spcAft>
+          </a:pPr>
+          <a:r>
+            <a:rPr lang="de-DE" sz="2100" kern="1200" dirty="0" smtClean="0"/>
+            <a:t>Projektorganisation</a:t>
+          </a:r>
+          <a:endParaRPr lang="de-DE" sz="2100" kern="1200" dirty="0"/>
+        </a:p>
+      </dsp:txBody>
+      <dsp:txXfrm>
+        <a:off x="1410544" y="308929"/>
+        <a:ext cx="7250362" cy="547706"/>
+      </dsp:txXfrm>
+    </dsp:sp>
+    <dsp:sp modelId="{7EACA938-B70E-429F-8548-55DC77EF8118}">
+      <dsp:nvSpPr>
+        <dsp:cNvPr id="0" name=""/>
+        <dsp:cNvSpPr/>
+      </dsp:nvSpPr>
+      <dsp:spPr>
+        <a:xfrm>
+          <a:off x="1411203" y="881584"/>
+          <a:ext cx="1610881" cy="2026183"/>
+        </a:xfrm>
+        <a:prstGeom prst="rect">
+          <a:avLst/>
+        </a:prstGeom>
+        <a:solidFill>
+          <a:schemeClr val="lt1">
+            <a:hueOff val="0"/>
+            <a:satOff val="0"/>
+            <a:lumOff val="0"/>
+            <a:alphaOff val="0"/>
+          </a:schemeClr>
+        </a:solidFill>
+        <a:ln w="15875" cap="flat" cmpd="sng" algn="ctr">
+          <a:solidFill>
+            <a:schemeClr val="accent1">
+              <a:hueOff val="0"/>
+              <a:satOff val="0"/>
+              <a:lumOff val="0"/>
+              <a:alphaOff val="0"/>
+            </a:schemeClr>
+          </a:solidFill>
+          <a:prstDash val="solid"/>
+        </a:ln>
+        <a:effectLst/>
+      </dsp:spPr>
+      <dsp:style>
+        <a:lnRef idx="2">
+          <a:scrgbClr r="0" g="0" b="0"/>
+        </a:lnRef>
+        <a:fillRef idx="1">
+          <a:scrgbClr r="0" g="0" b="0"/>
+        </a:fillRef>
+        <a:effectRef idx="0">
+          <a:scrgbClr r="0" g="0" b="0"/>
+        </a:effectRef>
+        <a:fontRef idx="minor"/>
+      </dsp:style>
+      <dsp:txBody>
+        <a:bodyPr spcFirstLastPara="0" vert="horz" wrap="square" lIns="68580" tIns="68580" rIns="68580" bIns="68580" numCol="1" spcCol="1270" anchor="t" anchorCtr="0">
+          <a:noAutofit/>
+        </a:bodyPr>
+        <a:lstStyle/>
+        <a:p>
+          <a:pPr lvl="0" algn="l" defTabSz="800100">
+            <a:lnSpc>
+              <a:spcPct val="90000"/>
+            </a:lnSpc>
+            <a:spcBef>
+              <a:spcPct val="0"/>
+            </a:spcBef>
+            <a:spcAft>
+              <a:spcPct val="35000"/>
+            </a:spcAft>
+          </a:pPr>
+          <a:r>
+            <a:rPr lang="de-DE" sz="1800" kern="1200" dirty="0" smtClean="0"/>
+            <a:t>Entwicklungs-</a:t>
+          </a:r>
+        </a:p>
+        <a:p>
+          <a:pPr lvl="0" algn="l" defTabSz="800100">
+            <a:lnSpc>
+              <a:spcPct val="90000"/>
+            </a:lnSpc>
+            <a:spcBef>
+              <a:spcPct val="0"/>
+            </a:spcBef>
+            <a:spcAft>
+              <a:spcPct val="35000"/>
+            </a:spcAft>
+          </a:pPr>
+          <a:r>
+            <a:rPr lang="de-DE" sz="1800" kern="1200" dirty="0" err="1" smtClean="0"/>
+            <a:t>umgebung</a:t>
+          </a:r>
+          <a:endParaRPr lang="de-DE" sz="1800" kern="1200" dirty="0"/>
+        </a:p>
+        <a:p>
+          <a:pPr lvl="0" algn="l" defTabSz="800100">
+            <a:lnSpc>
+              <a:spcPct val="90000"/>
+            </a:lnSpc>
+            <a:spcBef>
+              <a:spcPct val="0"/>
+            </a:spcBef>
+            <a:spcAft>
+              <a:spcPct val="35000"/>
+            </a:spcAft>
+          </a:pPr>
+          <a:r>
+            <a:rPr lang="de-DE" sz="1800" kern="1200" dirty="0" smtClean="0"/>
+            <a:t>Infrastruktur</a:t>
+          </a:r>
+          <a:endParaRPr lang="de-DE" sz="1800" kern="1200" dirty="0"/>
+        </a:p>
+        <a:p>
+          <a:pPr lvl="0" algn="l" defTabSz="800100">
+            <a:lnSpc>
+              <a:spcPct val="90000"/>
+            </a:lnSpc>
+            <a:spcBef>
+              <a:spcPct val="0"/>
+            </a:spcBef>
+            <a:spcAft>
+              <a:spcPct val="35000"/>
+            </a:spcAft>
+          </a:pPr>
+          <a:r>
+            <a:rPr lang="de-DE" sz="1800" kern="1200" dirty="0" smtClean="0"/>
+            <a:t>Architektur</a:t>
+          </a:r>
+          <a:endParaRPr lang="de-DE" sz="1800" kern="1200" dirty="0"/>
+        </a:p>
+        <a:p>
+          <a:pPr lvl="0" algn="l" defTabSz="800100">
+            <a:lnSpc>
+              <a:spcPct val="90000"/>
+            </a:lnSpc>
+            <a:spcBef>
+              <a:spcPct val="0"/>
+            </a:spcBef>
+            <a:spcAft>
+              <a:spcPct val="35000"/>
+            </a:spcAft>
+          </a:pPr>
+          <a:r>
+            <a:rPr lang="de-DE" sz="1800" kern="1200" dirty="0" smtClean="0"/>
+            <a:t>Projektstruktur</a:t>
+          </a:r>
+          <a:endParaRPr lang="de-DE" sz="1800" kern="1200" dirty="0"/>
+        </a:p>
+      </dsp:txBody>
+      <dsp:txXfrm>
+        <a:off x="1411203" y="881584"/>
+        <a:ext cx="1610881" cy="2026183"/>
+      </dsp:txXfrm>
+    </dsp:sp>
+    <dsp:sp modelId="{694A9EB9-F0F7-4A21-B303-BBCAA0524F9C}">
+      <dsp:nvSpPr>
+        <dsp:cNvPr id="0" name=""/>
+        <dsp:cNvSpPr/>
+      </dsp:nvSpPr>
+      <dsp:spPr>
+        <a:xfrm>
+          <a:off x="3144875" y="400084"/>
+          <a:ext cx="5789883" cy="1095412"/>
+        </a:xfrm>
+        <a:prstGeom prst="rightArrow">
+          <a:avLst>
+            <a:gd name="adj1" fmla="val 50000"/>
+            <a:gd name="adj2" fmla="val 50000"/>
+          </a:avLst>
+        </a:prstGeom>
+        <a:solidFill>
+          <a:schemeClr val="accent1">
+            <a:hueOff val="0"/>
+            <a:satOff val="0"/>
+            <a:lumOff val="0"/>
+            <a:alphaOff val="0"/>
+          </a:schemeClr>
+        </a:solidFill>
+        <a:ln w="15875" cap="flat" cmpd="sng" algn="ctr">
+          <a:solidFill>
+            <a:schemeClr val="lt1">
+              <a:hueOff val="0"/>
+              <a:satOff val="0"/>
+              <a:lumOff val="0"/>
+              <a:alphaOff val="0"/>
+            </a:schemeClr>
+          </a:solidFill>
+          <a:prstDash val="solid"/>
+        </a:ln>
+        <a:effectLst/>
+      </dsp:spPr>
+      <dsp:style>
+        <a:lnRef idx="2">
+          <a:scrgbClr r="0" g="0" b="0"/>
+        </a:lnRef>
+        <a:fillRef idx="1">
+          <a:scrgbClr r="0" g="0" b="0"/>
+        </a:fillRef>
+        <a:effectRef idx="0">
+          <a:scrgbClr r="0" g="0" b="0"/>
+        </a:effectRef>
+        <a:fontRef idx="minor">
+          <a:schemeClr val="lt1"/>
+        </a:fontRef>
+      </dsp:style>
+      <dsp:txBody>
+        <a:bodyPr spcFirstLastPara="0" vert="horz" wrap="square" lIns="80010" tIns="80010" rIns="254000" bIns="173897" numCol="1" spcCol="1270" anchor="ctr" anchorCtr="0">
+          <a:noAutofit/>
+        </a:bodyPr>
+        <a:lstStyle/>
+        <a:p>
+          <a:pPr lvl="0" algn="l" defTabSz="933450">
+            <a:lnSpc>
+              <a:spcPct val="90000"/>
+            </a:lnSpc>
+            <a:spcBef>
+              <a:spcPct val="0"/>
+            </a:spcBef>
+            <a:spcAft>
+              <a:spcPct val="35000"/>
+            </a:spcAft>
+          </a:pPr>
+          <a:r>
+            <a:rPr lang="de-DE" sz="2100" kern="1200" dirty="0" smtClean="0"/>
+            <a:t>Module</a:t>
+          </a:r>
+          <a:endParaRPr lang="de-DE" sz="2100" kern="1200" dirty="0"/>
+        </a:p>
+      </dsp:txBody>
+      <dsp:txXfrm>
+        <a:off x="3144875" y="673937"/>
+        <a:ext cx="5516030" cy="547706"/>
+      </dsp:txXfrm>
+    </dsp:sp>
+    <dsp:sp modelId="{9E44132C-8324-46A3-B331-34E510770468}">
+      <dsp:nvSpPr>
+        <dsp:cNvPr id="0" name=""/>
+        <dsp:cNvSpPr/>
+      </dsp:nvSpPr>
+      <dsp:spPr>
+        <a:xfrm>
+          <a:off x="3146402" y="1242002"/>
+          <a:ext cx="1596625" cy="2379338"/>
+        </a:xfrm>
+        <a:prstGeom prst="rect">
+          <a:avLst/>
+        </a:prstGeom>
+        <a:solidFill>
+          <a:schemeClr val="lt1">
+            <a:hueOff val="0"/>
+            <a:satOff val="0"/>
+            <a:lumOff val="0"/>
+            <a:alphaOff val="0"/>
+          </a:schemeClr>
+        </a:solidFill>
+        <a:ln w="15875" cap="flat" cmpd="sng" algn="ctr">
+          <a:solidFill>
+            <a:schemeClr val="accent1">
+              <a:hueOff val="0"/>
+              <a:satOff val="0"/>
+              <a:lumOff val="0"/>
+              <a:alphaOff val="0"/>
+            </a:schemeClr>
+          </a:solidFill>
+          <a:prstDash val="solid"/>
+        </a:ln>
+        <a:effectLst/>
+      </dsp:spPr>
+      <dsp:style>
+        <a:lnRef idx="2">
+          <a:scrgbClr r="0" g="0" b="0"/>
+        </a:lnRef>
+        <a:fillRef idx="1">
+          <a:scrgbClr r="0" g="0" b="0"/>
+        </a:fillRef>
+        <a:effectRef idx="0">
+          <a:scrgbClr r="0" g="0" b="0"/>
+        </a:effectRef>
+        <a:fontRef idx="minor"/>
+      </dsp:style>
+      <dsp:txBody>
+        <a:bodyPr spcFirstLastPara="0" vert="horz" wrap="square" lIns="68580" tIns="68580" rIns="68580" bIns="68580" numCol="1" spcCol="1270" anchor="t" anchorCtr="0">
+          <a:noAutofit/>
+        </a:bodyPr>
+        <a:lstStyle/>
+        <a:p>
+          <a:pPr lvl="0" algn="l" defTabSz="800100">
+            <a:lnSpc>
+              <a:spcPct val="90000"/>
+            </a:lnSpc>
+            <a:spcBef>
+              <a:spcPct val="0"/>
+            </a:spcBef>
+            <a:spcAft>
+              <a:spcPct val="35000"/>
+            </a:spcAft>
+          </a:pPr>
+          <a:r>
+            <a:rPr lang="de-DE" sz="1800" kern="1200" dirty="0" smtClean="0"/>
+            <a:t>Rechnung</a:t>
+          </a:r>
+          <a:endParaRPr lang="de-DE" sz="1800" kern="1200" dirty="0"/>
+        </a:p>
+        <a:p>
+          <a:pPr lvl="0" algn="l" defTabSz="800100">
+            <a:lnSpc>
+              <a:spcPct val="90000"/>
+            </a:lnSpc>
+            <a:spcBef>
+              <a:spcPct val="0"/>
+            </a:spcBef>
+            <a:spcAft>
+              <a:spcPct val="35000"/>
+            </a:spcAft>
+          </a:pPr>
+          <a:r>
+            <a:rPr lang="de-DE" sz="1800" kern="1200" dirty="0" smtClean="0"/>
+            <a:t>Kunden</a:t>
+          </a:r>
+          <a:endParaRPr lang="de-DE" sz="1800" kern="1200" dirty="0"/>
+        </a:p>
+        <a:p>
+          <a:pPr lvl="0" algn="l" defTabSz="800100">
+            <a:lnSpc>
+              <a:spcPct val="90000"/>
+            </a:lnSpc>
+            <a:spcBef>
+              <a:spcPct val="0"/>
+            </a:spcBef>
+            <a:spcAft>
+              <a:spcPct val="35000"/>
+            </a:spcAft>
+          </a:pPr>
+          <a:r>
+            <a:rPr lang="de-DE" sz="1800" kern="1200" dirty="0" smtClean="0"/>
+            <a:t>Mitarbeiter</a:t>
+          </a:r>
+          <a:endParaRPr lang="de-DE" sz="1800" kern="1200" dirty="0"/>
+        </a:p>
+        <a:p>
+          <a:pPr lvl="0" algn="l" defTabSz="800100">
+            <a:lnSpc>
+              <a:spcPct val="90000"/>
+            </a:lnSpc>
+            <a:spcBef>
+              <a:spcPct val="0"/>
+            </a:spcBef>
+            <a:spcAft>
+              <a:spcPct val="35000"/>
+            </a:spcAft>
+          </a:pPr>
+          <a:r>
+            <a:rPr lang="de-DE" sz="1800" kern="1200" dirty="0" smtClean="0"/>
+            <a:t>Kurs</a:t>
+          </a:r>
+          <a:endParaRPr lang="de-DE" sz="1800" kern="1200" dirty="0"/>
+        </a:p>
+        <a:p>
+          <a:pPr lvl="0" algn="l" defTabSz="800100">
+            <a:lnSpc>
+              <a:spcPct val="90000"/>
+            </a:lnSpc>
+            <a:spcBef>
+              <a:spcPct val="0"/>
+            </a:spcBef>
+            <a:spcAft>
+              <a:spcPct val="35000"/>
+            </a:spcAft>
+          </a:pPr>
+          <a:r>
+            <a:rPr lang="de-DE" sz="1800" kern="1200" dirty="0" smtClean="0"/>
+            <a:t>Termin</a:t>
+          </a:r>
+        </a:p>
+        <a:p>
+          <a:pPr lvl="0" algn="l" defTabSz="800100">
+            <a:lnSpc>
+              <a:spcPct val="90000"/>
+            </a:lnSpc>
+            <a:spcBef>
+              <a:spcPct val="0"/>
+            </a:spcBef>
+            <a:spcAft>
+              <a:spcPct val="35000"/>
+            </a:spcAft>
+          </a:pPr>
+          <a:r>
+            <a:rPr lang="de-DE" sz="1800" kern="1200" dirty="0" smtClean="0"/>
+            <a:t>Material</a:t>
+          </a:r>
+          <a:endParaRPr lang="de-DE" sz="1800" kern="1200" dirty="0"/>
+        </a:p>
+      </dsp:txBody>
+      <dsp:txXfrm>
+        <a:off x="3146402" y="1242002"/>
+        <a:ext cx="1596625" cy="2379338"/>
+      </dsp:txXfrm>
+    </dsp:sp>
+    <dsp:sp modelId="{6FDDAC2B-1938-402C-A865-F1E203D6C204}">
+      <dsp:nvSpPr>
+        <dsp:cNvPr id="0" name=""/>
+        <dsp:cNvSpPr/>
+      </dsp:nvSpPr>
+      <dsp:spPr>
+        <a:xfrm>
+          <a:off x="4879207" y="765092"/>
+          <a:ext cx="4055552" cy="1095412"/>
+        </a:xfrm>
+        <a:prstGeom prst="rightArrow">
+          <a:avLst>
+            <a:gd name="adj1" fmla="val 50000"/>
+            <a:gd name="adj2" fmla="val 50000"/>
+          </a:avLst>
+        </a:prstGeom>
+        <a:solidFill>
+          <a:schemeClr val="accent1">
+            <a:hueOff val="0"/>
+            <a:satOff val="0"/>
+            <a:lumOff val="0"/>
+            <a:alphaOff val="0"/>
+          </a:schemeClr>
+        </a:solidFill>
+        <a:ln w="15875" cap="flat" cmpd="sng" algn="ctr">
+          <a:solidFill>
+            <a:schemeClr val="lt1">
+              <a:hueOff val="0"/>
+              <a:satOff val="0"/>
+              <a:lumOff val="0"/>
+              <a:alphaOff val="0"/>
+            </a:schemeClr>
+          </a:solidFill>
+          <a:prstDash val="solid"/>
+        </a:ln>
+        <a:effectLst/>
+      </dsp:spPr>
+      <dsp:style>
+        <a:lnRef idx="2">
+          <a:scrgbClr r="0" g="0" b="0"/>
+        </a:lnRef>
+        <a:fillRef idx="1">
+          <a:scrgbClr r="0" g="0" b="0"/>
+        </a:fillRef>
+        <a:effectRef idx="0">
+          <a:scrgbClr r="0" g="0" b="0"/>
+        </a:effectRef>
+        <a:fontRef idx="minor">
+          <a:schemeClr val="lt1"/>
+        </a:fontRef>
+      </dsp:style>
+      <dsp:txBody>
+        <a:bodyPr spcFirstLastPara="0" vert="horz" wrap="square" lIns="80010" tIns="80010" rIns="254000" bIns="173897" numCol="1" spcCol="1270" anchor="ctr" anchorCtr="0">
+          <a:noAutofit/>
+        </a:bodyPr>
+        <a:lstStyle/>
+        <a:p>
+          <a:pPr lvl="0" algn="l" defTabSz="933450">
+            <a:lnSpc>
+              <a:spcPct val="90000"/>
+            </a:lnSpc>
+            <a:spcBef>
+              <a:spcPct val="0"/>
+            </a:spcBef>
+            <a:spcAft>
+              <a:spcPct val="35000"/>
+            </a:spcAft>
+          </a:pPr>
+          <a:r>
+            <a:rPr lang="de-DE" sz="2100" kern="1200" dirty="0" smtClean="0"/>
+            <a:t>GUI</a:t>
+          </a:r>
+          <a:endParaRPr lang="de-DE" sz="2100" kern="1200" dirty="0"/>
+        </a:p>
+      </dsp:txBody>
+      <dsp:txXfrm>
+        <a:off x="4879207" y="1038945"/>
+        <a:ext cx="3781699" cy="547706"/>
+      </dsp:txXfrm>
+    </dsp:sp>
+    <dsp:sp modelId="{9B611828-DB53-4D91-8204-F0E60EA74807}">
+      <dsp:nvSpPr>
+        <dsp:cNvPr id="0" name=""/>
+        <dsp:cNvSpPr/>
+      </dsp:nvSpPr>
+      <dsp:spPr>
+        <a:xfrm>
+          <a:off x="6613539" y="1130100"/>
+          <a:ext cx="2321220" cy="1095412"/>
+        </a:xfrm>
+        <a:prstGeom prst="rightArrow">
+          <a:avLst>
+            <a:gd name="adj1" fmla="val 50000"/>
+            <a:gd name="adj2" fmla="val 50000"/>
+          </a:avLst>
+        </a:prstGeom>
+        <a:solidFill>
+          <a:schemeClr val="accent1">
+            <a:hueOff val="0"/>
+            <a:satOff val="0"/>
+            <a:lumOff val="0"/>
+            <a:alphaOff val="0"/>
+          </a:schemeClr>
+        </a:solidFill>
+        <a:ln w="15875" cap="flat" cmpd="sng" algn="ctr">
+          <a:solidFill>
+            <a:schemeClr val="lt1">
+              <a:hueOff val="0"/>
+              <a:satOff val="0"/>
+              <a:lumOff val="0"/>
+              <a:alphaOff val="0"/>
+            </a:schemeClr>
+          </a:solidFill>
+          <a:prstDash val="solid"/>
+        </a:ln>
+        <a:effectLst/>
+      </dsp:spPr>
+      <dsp:style>
+        <a:lnRef idx="2">
+          <a:scrgbClr r="0" g="0" b="0"/>
+        </a:lnRef>
+        <a:fillRef idx="1">
+          <a:scrgbClr r="0" g="0" b="0"/>
+        </a:fillRef>
+        <a:effectRef idx="0">
+          <a:scrgbClr r="0" g="0" b="0"/>
+        </a:effectRef>
+        <a:fontRef idx="minor">
+          <a:schemeClr val="lt1"/>
+        </a:fontRef>
+      </dsp:style>
+      <dsp:txBody>
+        <a:bodyPr spcFirstLastPara="0" vert="horz" wrap="square" lIns="80010" tIns="80010" rIns="254000" bIns="173897" numCol="1" spcCol="1270" anchor="ctr" anchorCtr="0">
+          <a:noAutofit/>
+        </a:bodyPr>
+        <a:lstStyle/>
+        <a:p>
+          <a:pPr lvl="0" algn="l" defTabSz="933450">
+            <a:lnSpc>
+              <a:spcPct val="90000"/>
+            </a:lnSpc>
+            <a:spcBef>
+              <a:spcPct val="0"/>
+            </a:spcBef>
+            <a:spcAft>
+              <a:spcPct val="35000"/>
+            </a:spcAft>
+          </a:pPr>
+          <a:r>
+            <a:rPr lang="de-DE" sz="2100" kern="1200" dirty="0" smtClean="0"/>
+            <a:t>Dokumentation</a:t>
+          </a:r>
+          <a:endParaRPr lang="de-DE" sz="2100" kern="1200" dirty="0"/>
+        </a:p>
+      </dsp:txBody>
+      <dsp:txXfrm>
+        <a:off x="6613539" y="1403953"/>
+        <a:ext cx="2047367" cy="547706"/>
+      </dsp:txXfrm>
+    </dsp:sp>
+    <dsp:sp modelId="{917FF7F2-210A-48A2-9D27-67C8AAFC2925}">
+      <dsp:nvSpPr>
+        <dsp:cNvPr id="0" name=""/>
+        <dsp:cNvSpPr/>
+      </dsp:nvSpPr>
+      <dsp:spPr>
+        <a:xfrm>
+          <a:off x="6613539" y="1976609"/>
+          <a:ext cx="1750132" cy="2011039"/>
+        </a:xfrm>
+        <a:prstGeom prst="rect">
+          <a:avLst/>
+        </a:prstGeom>
+        <a:solidFill>
+          <a:schemeClr val="lt1">
+            <a:hueOff val="0"/>
+            <a:satOff val="0"/>
+            <a:lumOff val="0"/>
+            <a:alphaOff val="0"/>
+          </a:schemeClr>
+        </a:solidFill>
+        <a:ln w="15875" cap="flat" cmpd="sng" algn="ctr">
+          <a:solidFill>
+            <a:schemeClr val="accent1">
+              <a:hueOff val="0"/>
+              <a:satOff val="0"/>
+              <a:lumOff val="0"/>
+              <a:alphaOff val="0"/>
+            </a:schemeClr>
+          </a:solidFill>
+          <a:prstDash val="solid"/>
+        </a:ln>
+        <a:effectLst/>
+      </dsp:spPr>
+      <dsp:style>
+        <a:lnRef idx="2">
+          <a:scrgbClr r="0" g="0" b="0"/>
+        </a:lnRef>
+        <a:fillRef idx="1">
+          <a:scrgbClr r="0" g="0" b="0"/>
+        </a:fillRef>
+        <a:effectRef idx="0">
+          <a:scrgbClr r="0" g="0" b="0"/>
+        </a:effectRef>
+        <a:fontRef idx="minor"/>
+      </dsp:style>
+      <dsp:txBody>
+        <a:bodyPr spcFirstLastPara="0" vert="horz" wrap="square" lIns="68580" tIns="68580" rIns="68580" bIns="68580" numCol="1" spcCol="1270" anchor="t" anchorCtr="0">
+          <a:noAutofit/>
+        </a:bodyPr>
+        <a:lstStyle/>
+        <a:p>
+          <a:pPr lvl="0" algn="l" defTabSz="800100">
+            <a:lnSpc>
+              <a:spcPct val="90000"/>
+            </a:lnSpc>
+            <a:spcBef>
+              <a:spcPct val="0"/>
+            </a:spcBef>
+            <a:spcAft>
+              <a:spcPct val="35000"/>
+            </a:spcAft>
+          </a:pPr>
+          <a:r>
+            <a:rPr lang="de-DE" sz="1800" kern="1200" dirty="0" smtClean="0"/>
+            <a:t>Benutzer-handbuch</a:t>
+          </a:r>
+          <a:endParaRPr lang="de-DE" sz="1800" kern="1200" dirty="0"/>
+        </a:p>
+        <a:p>
+          <a:pPr lvl="0" algn="l" defTabSz="800100">
+            <a:lnSpc>
+              <a:spcPct val="90000"/>
+            </a:lnSpc>
+            <a:spcBef>
+              <a:spcPct val="0"/>
+            </a:spcBef>
+            <a:spcAft>
+              <a:spcPct val="35000"/>
+            </a:spcAft>
+          </a:pPr>
+          <a:r>
+            <a:rPr lang="de-DE" sz="1800" kern="1200" dirty="0" smtClean="0"/>
+            <a:t>Endbericht</a:t>
+          </a:r>
+          <a:endParaRPr lang="de-DE" sz="1800" kern="1200" dirty="0"/>
+        </a:p>
+      </dsp:txBody>
+      <dsp:txXfrm>
+        <a:off x="6613539" y="1976609"/>
+        <a:ext cx="1750132" cy="2011039"/>
       </dsp:txXfrm>
     </dsp:sp>
   </dsp:spTree>
@@ -9840,6 +10161,258 @@
 </file>
 
 <file path=ppt/diagrams/layout2.xml><?xml version="1.0" encoding="utf-8"?>
+<dgm:layoutDef xmlns:dgm="http://schemas.openxmlformats.org/drawingml/2006/diagram" xmlns:a="http://schemas.openxmlformats.org/drawingml/2006/main" uniqueId="urn:microsoft.com/office/officeart/2009/3/layout/StepUpProcess">
+  <dgm:title val=""/>
+  <dgm:desc val=""/>
+  <dgm:catLst>
+    <dgm:cat type="process" pri="1300"/>
+  </dgm:catLst>
+  <dgm:sampData>
+    <dgm:dataModel>
+      <dgm:ptLst>
+        <dgm:pt modelId="0" type="doc"/>
+        <dgm:pt modelId="10">
+          <dgm:prSet phldr="1"/>
+        </dgm:pt>
+        <dgm:pt modelId="20">
+          <dgm:prSet phldr="1"/>
+        </dgm:pt>
+        <dgm:pt modelId="30">
+          <dgm:prSet phldr="1"/>
+        </dgm:pt>
+      </dgm:ptLst>
+      <dgm:cxnLst>
+        <dgm:cxn modelId="60" srcId="0" destId="10" srcOrd="0" destOrd="0"/>
+        <dgm:cxn modelId="70" srcId="0" destId="20" srcOrd="1" destOrd="0"/>
+        <dgm:cxn modelId="80" srcId="0" destId="30" srcOrd="2" destOrd="0"/>
+      </dgm:cxnLst>
+      <dgm:bg/>
+      <dgm:whole/>
+    </dgm:dataModel>
+  </dgm:sampData>
+  <dgm:styleData>
+    <dgm:dataModel>
+      <dgm:ptLst>
+        <dgm:pt modelId="0" type="doc"/>
+        <dgm:pt modelId="10">
+          <dgm:prSet phldr="1"/>
+        </dgm:pt>
+        <dgm:pt modelId="20">
+          <dgm:prSet phldr="1"/>
+        </dgm:pt>
+      </dgm:ptLst>
+      <dgm:cxnLst>
+        <dgm:cxn modelId="60" srcId="0" destId="10" srcOrd="0" destOrd="0"/>
+        <dgm:cxn modelId="70" srcId="0" destId="20" srcOrd="1" destOrd="0"/>
+      </dgm:cxnLst>
+      <dgm:bg/>
+      <dgm:whole/>
+    </dgm:dataModel>
+  </dgm:styleData>
+  <dgm:clrData>
+    <dgm:dataModel>
+      <dgm:ptLst>
+        <dgm:pt modelId="0" type="doc"/>
+        <dgm:pt modelId="10">
+          <dgm:prSet phldr="1"/>
+        </dgm:pt>
+        <dgm:pt modelId="20">
+          <dgm:prSet phldr="1"/>
+        </dgm:pt>
+        <dgm:pt modelId="30">
+          <dgm:prSet phldr="1"/>
+        </dgm:pt>
+        <dgm:pt modelId="40">
+          <dgm:prSet phldr="1"/>
+        </dgm:pt>
+      </dgm:ptLst>
+      <dgm:cxnLst>
+        <dgm:cxn modelId="60" srcId="0" destId="10" srcOrd="0" destOrd="0"/>
+        <dgm:cxn modelId="70" srcId="0" destId="20" srcOrd="1" destOrd="0"/>
+        <dgm:cxn modelId="80" srcId="0" destId="30" srcOrd="2" destOrd="0"/>
+        <dgm:cxn modelId="90" srcId="0" destId="40" srcOrd="3" destOrd="0"/>
+      </dgm:cxnLst>
+      <dgm:bg/>
+      <dgm:whole/>
+    </dgm:dataModel>
+  </dgm:clrData>
+  <dgm:layoutNode name="rootnode">
+    <dgm:varLst>
+      <dgm:chMax/>
+      <dgm:chPref/>
+      <dgm:dir/>
+      <dgm:animLvl val="lvl"/>
+    </dgm:varLst>
+    <dgm:choose name="Name0">
+      <dgm:if name="Name1" func="var" arg="dir" op="equ" val="norm">
+        <dgm:alg type="snake">
+          <dgm:param type="grDir" val="bL"/>
+          <dgm:param type="flowDir" val="row"/>
+          <dgm:param type="off" val="off"/>
+          <dgm:param type="bkpt" val="fixed"/>
+          <dgm:param type="bkPtFixedVal" val="1"/>
+        </dgm:alg>
+      </dgm:if>
+      <dgm:else name="Name2">
+        <dgm:alg type="snake">
+          <dgm:param type="grDir" val="bR"/>
+          <dgm:param type="flowDir" val="row"/>
+          <dgm:param type="off" val="off"/>
+          <dgm:param type="bkpt" val="fixed"/>
+          <dgm:param type="bkPtFixedVal" val="1"/>
+        </dgm:alg>
+      </dgm:else>
+    </dgm:choose>
+    <dgm:shape xmlns:r="http://schemas.openxmlformats.org/officeDocument/2006/relationships" r:blip="">
+      <dgm:adjLst/>
+    </dgm:shape>
+    <dgm:constrLst>
+      <dgm:constr type="alignOff" forName="rootnode" val="1"/>
+      <dgm:constr type="primFontSz" for="des" ptType="node" op="equ" val="65"/>
+      <dgm:constr type="w" for="ch" forName="composite" refType="w"/>
+      <dgm:constr type="h" for="ch" forName="composite" refType="h"/>
+      <dgm:constr type="sp" refType="h" refFor="ch" refForName="composite" op="equ" fact="-0.765"/>
+      <dgm:constr type="w" for="ch" forName="sibTrans" refType="w" fact="0.103"/>
+      <dgm:constr type="h" for="ch" forName="sibTrans" refType="h" fact="0.103"/>
+    </dgm:constrLst>
+    <dgm:forEach name="nodesForEach" axis="ch" ptType="node">
+      <dgm:layoutNode name="composite">
+        <dgm:alg type="composite">
+          <dgm:param type="ar" val="0.861"/>
+        </dgm:alg>
+        <dgm:shape xmlns:r="http://schemas.openxmlformats.org/officeDocument/2006/relationships" r:blip="">
+          <dgm:adjLst/>
+        </dgm:shape>
+        <dgm:choose name="Name3">
+          <dgm:if name="Name4" func="var" arg="dir" op="equ" val="norm">
+            <dgm:constrLst>
+              <dgm:constr type="l" for="ch" forName="LShape" refType="w" fact="0"/>
+              <dgm:constr type="t" for="ch" forName="LShape" refType="h" fact="0.2347"/>
+              <dgm:constr type="w" for="ch" forName="LShape" refType="w" fact="0.998"/>
+              <dgm:constr type="h" for="ch" forName="LShape" refType="h" fact="0.5164"/>
+              <dgm:constr type="r" for="ch" forName="ParentText" refType="w"/>
+              <dgm:constr type="t" for="ch" forName="ParentText" refType="h" fact="0.32"/>
+              <dgm:constr type="w" for="ch" forName="ParentText" refType="w" fact="0.901"/>
+              <dgm:constr type="h" for="ch" forName="ParentText" refType="h" fact="0.68"/>
+              <dgm:constr type="l" for="ch" forName="Triangle" refType="w" fact="0.83"/>
+              <dgm:constr type="t" for="ch" forName="Triangle" refType="h" fact="0"/>
+              <dgm:constr type="w" for="ch" forName="Triangle" refType="w" fact="0.17"/>
+              <dgm:constr type="h" for="ch" forName="Triangle" refType="w" refFor="ch" refForName="Triangle"/>
+            </dgm:constrLst>
+          </dgm:if>
+          <dgm:else name="Name5">
+            <dgm:constrLst>
+              <dgm:constr type="l" for="ch" forName="LShape" refType="w" fact="0.002"/>
+              <dgm:constr type="t" for="ch" forName="LShape" refType="h" fact="0.2347"/>
+              <dgm:constr type="w" for="ch" forName="LShape" refType="w"/>
+              <dgm:constr type="h" for="ch" forName="LShape" refType="h" fact="0.5164"/>
+              <dgm:constr type="l" for="ch" forName="ParentText" refType="w" fact="0"/>
+              <dgm:constr type="t" for="ch" forName="ParentText" refType="h" fact="0.32"/>
+              <dgm:constr type="w" for="ch" forName="ParentText" refType="w" fact="0.902"/>
+              <dgm:constr type="h" for="ch" forName="ParentText" refType="h" fact="0.68"/>
+              <dgm:constr type="l" for="ch" forName="Triangle" refType="w" fact="0"/>
+              <dgm:constr type="t" for="ch" forName="Triangle" refType="h" fact="0"/>
+              <dgm:constr type="w" for="ch" forName="Triangle" refType="w" fact="0.17"/>
+              <dgm:constr type="h" for="ch" forName="Triangle" refType="w" refFor="ch" refForName="Triangle"/>
+            </dgm:constrLst>
+          </dgm:else>
+        </dgm:choose>
+        <dgm:layoutNode name="LShape" styleLbl="alignNode1">
+          <dgm:alg type="sp"/>
+          <dgm:choose name="Name6">
+            <dgm:if name="Name7" func="var" arg="dir" op="equ" val="norm">
+              <dgm:shape xmlns:r="http://schemas.openxmlformats.org/officeDocument/2006/relationships" rot="90" type="corner" r:blip="">
+                <dgm:adjLst>
+                  <dgm:adj idx="1" val="0.1612"/>
+                  <dgm:adj idx="2" val="0.1611"/>
+                </dgm:adjLst>
+              </dgm:shape>
+            </dgm:if>
+            <dgm:else name="Name8">
+              <dgm:shape xmlns:r="http://schemas.openxmlformats.org/officeDocument/2006/relationships" rot="180" type="corner" r:blip="">
+                <dgm:adjLst>
+                  <dgm:adj idx="1" val="0.1612"/>
+                  <dgm:adj idx="2" val="0.1611"/>
+                </dgm:adjLst>
+              </dgm:shape>
+            </dgm:else>
+          </dgm:choose>
+          <dgm:presOf/>
+        </dgm:layoutNode>
+        <dgm:layoutNode name="ParentText" styleLbl="revTx">
+          <dgm:varLst>
+            <dgm:chMax val="0"/>
+            <dgm:chPref val="0"/>
+            <dgm:bulletEnabled val="1"/>
+          </dgm:varLst>
+          <dgm:alg type="tx">
+            <dgm:param type="parTxLTRAlign" val="l"/>
+            <dgm:param type="txAnchorVert" val="t"/>
+          </dgm:alg>
+          <dgm:shape xmlns:r="http://schemas.openxmlformats.org/officeDocument/2006/relationships" type="rect" r:blip="">
+            <dgm:adjLst/>
+          </dgm:shape>
+          <dgm:presOf axis="desOrSelf" ptType="node"/>
+          <dgm:constrLst>
+            <dgm:constr type="lMarg" refType="primFontSz" fact="0.3"/>
+            <dgm:constr type="rMarg" refType="primFontSz" fact="0.3"/>
+            <dgm:constr type="tMarg" refType="primFontSz" fact="0.3"/>
+            <dgm:constr type="bMarg" refType="primFontSz" fact="0.3"/>
+          </dgm:constrLst>
+          <dgm:ruleLst>
+            <dgm:rule type="primFontSz" val="5" fact="NaN" max="NaN"/>
+          </dgm:ruleLst>
+        </dgm:layoutNode>
+        <dgm:choose name="Name9">
+          <dgm:if name="Name10" axis="followSib" ptType="node" func="cnt" op="gte" val="1">
+            <dgm:layoutNode name="Triangle" styleLbl="alignNode1">
+              <dgm:alg type="sp"/>
+              <dgm:choose name="Name11">
+                <dgm:if name="Name12" func="var" arg="dir" op="equ" val="norm">
+                  <dgm:shape xmlns:r="http://schemas.openxmlformats.org/officeDocument/2006/relationships" type="triangle" r:blip="">
+                    <dgm:adjLst>
+                      <dgm:adj idx="1" val="1"/>
+                    </dgm:adjLst>
+                  </dgm:shape>
+                </dgm:if>
+                <dgm:else name="Name13">
+                  <dgm:shape xmlns:r="http://schemas.openxmlformats.org/officeDocument/2006/relationships" rot="90" type="triangle" r:blip="">
+                    <dgm:adjLst>
+                      <dgm:adj idx="1" val="1"/>
+                    </dgm:adjLst>
+                  </dgm:shape>
+                </dgm:else>
+              </dgm:choose>
+              <dgm:presOf/>
+            </dgm:layoutNode>
+          </dgm:if>
+          <dgm:else name="Name14"/>
+        </dgm:choose>
+      </dgm:layoutNode>
+      <dgm:forEach name="sibTransForEach" axis="followSib" ptType="sibTrans" cnt="1">
+        <dgm:layoutNode name="sibTrans">
+          <dgm:alg type="composite">
+            <dgm:param type="ar" val="0.861"/>
+          </dgm:alg>
+          <dgm:constrLst>
+            <dgm:constr type="w" for="ch" forName="space" refType="w"/>
+            <dgm:constr type="h" for="ch" forName="space" refType="w"/>
+          </dgm:constrLst>
+          <dgm:layoutNode name="space" styleLbl="alignNode1">
+            <dgm:alg type="sp"/>
+            <dgm:shape xmlns:r="http://schemas.openxmlformats.org/officeDocument/2006/relationships" r:blip="">
+              <dgm:adjLst/>
+            </dgm:shape>
+            <dgm:presOf/>
+          </dgm:layoutNode>
+        </dgm:layoutNode>
+      </dgm:forEach>
+    </dgm:forEach>
+  </dgm:layoutNode>
+</dgm:layoutDef>
+</file>
+
+<file path=ppt/diagrams/layout3.xml><?xml version="1.0" encoding="utf-8"?>
 <dgm:layoutDef xmlns:dgm="http://schemas.openxmlformats.org/drawingml/2006/diagram" xmlns:a="http://schemas.openxmlformats.org/drawingml/2006/main" uniqueId="urn:microsoft.com/office/officeart/2009/3/layout/IncreasingArrowsProcess">
   <dgm:title val=""/>
   <dgm:desc val=""/>
@@ -11079,258 +11652,6 @@
 </dgm:layoutDef>
 </file>
 
-<file path=ppt/diagrams/layout3.xml><?xml version="1.0" encoding="utf-8"?>
-<dgm:layoutDef xmlns:dgm="http://schemas.openxmlformats.org/drawingml/2006/diagram" xmlns:a="http://schemas.openxmlformats.org/drawingml/2006/main" uniqueId="urn:microsoft.com/office/officeart/2009/3/layout/StepUpProcess">
-  <dgm:title val=""/>
-  <dgm:desc val=""/>
-  <dgm:catLst>
-    <dgm:cat type="process" pri="1300"/>
-  </dgm:catLst>
-  <dgm:sampData>
-    <dgm:dataModel>
-      <dgm:ptLst>
-        <dgm:pt modelId="0" type="doc"/>
-        <dgm:pt modelId="10">
-          <dgm:prSet phldr="1"/>
-        </dgm:pt>
-        <dgm:pt modelId="20">
-          <dgm:prSet phldr="1"/>
-        </dgm:pt>
-        <dgm:pt modelId="30">
-          <dgm:prSet phldr="1"/>
-        </dgm:pt>
-      </dgm:ptLst>
-      <dgm:cxnLst>
-        <dgm:cxn modelId="60" srcId="0" destId="10" srcOrd="0" destOrd="0"/>
-        <dgm:cxn modelId="70" srcId="0" destId="20" srcOrd="1" destOrd="0"/>
-        <dgm:cxn modelId="80" srcId="0" destId="30" srcOrd="2" destOrd="0"/>
-      </dgm:cxnLst>
-      <dgm:bg/>
-      <dgm:whole/>
-    </dgm:dataModel>
-  </dgm:sampData>
-  <dgm:styleData>
-    <dgm:dataModel>
-      <dgm:ptLst>
-        <dgm:pt modelId="0" type="doc"/>
-        <dgm:pt modelId="10">
-          <dgm:prSet phldr="1"/>
-        </dgm:pt>
-        <dgm:pt modelId="20">
-          <dgm:prSet phldr="1"/>
-        </dgm:pt>
-      </dgm:ptLst>
-      <dgm:cxnLst>
-        <dgm:cxn modelId="60" srcId="0" destId="10" srcOrd="0" destOrd="0"/>
-        <dgm:cxn modelId="70" srcId="0" destId="20" srcOrd="1" destOrd="0"/>
-      </dgm:cxnLst>
-      <dgm:bg/>
-      <dgm:whole/>
-    </dgm:dataModel>
-  </dgm:styleData>
-  <dgm:clrData>
-    <dgm:dataModel>
-      <dgm:ptLst>
-        <dgm:pt modelId="0" type="doc"/>
-        <dgm:pt modelId="10">
-          <dgm:prSet phldr="1"/>
-        </dgm:pt>
-        <dgm:pt modelId="20">
-          <dgm:prSet phldr="1"/>
-        </dgm:pt>
-        <dgm:pt modelId="30">
-          <dgm:prSet phldr="1"/>
-        </dgm:pt>
-        <dgm:pt modelId="40">
-          <dgm:prSet phldr="1"/>
-        </dgm:pt>
-      </dgm:ptLst>
-      <dgm:cxnLst>
-        <dgm:cxn modelId="60" srcId="0" destId="10" srcOrd="0" destOrd="0"/>
-        <dgm:cxn modelId="70" srcId="0" destId="20" srcOrd="1" destOrd="0"/>
-        <dgm:cxn modelId="80" srcId="0" destId="30" srcOrd="2" destOrd="0"/>
-        <dgm:cxn modelId="90" srcId="0" destId="40" srcOrd="3" destOrd="0"/>
-      </dgm:cxnLst>
-      <dgm:bg/>
-      <dgm:whole/>
-    </dgm:dataModel>
-  </dgm:clrData>
-  <dgm:layoutNode name="rootnode">
-    <dgm:varLst>
-      <dgm:chMax/>
-      <dgm:chPref/>
-      <dgm:dir/>
-      <dgm:animLvl val="lvl"/>
-    </dgm:varLst>
-    <dgm:choose name="Name0">
-      <dgm:if name="Name1" func="var" arg="dir" op="equ" val="norm">
-        <dgm:alg type="snake">
-          <dgm:param type="grDir" val="bL"/>
-          <dgm:param type="flowDir" val="row"/>
-          <dgm:param type="off" val="off"/>
-          <dgm:param type="bkpt" val="fixed"/>
-          <dgm:param type="bkPtFixedVal" val="1"/>
-        </dgm:alg>
-      </dgm:if>
-      <dgm:else name="Name2">
-        <dgm:alg type="snake">
-          <dgm:param type="grDir" val="bR"/>
-          <dgm:param type="flowDir" val="row"/>
-          <dgm:param type="off" val="off"/>
-          <dgm:param type="bkpt" val="fixed"/>
-          <dgm:param type="bkPtFixedVal" val="1"/>
-        </dgm:alg>
-      </dgm:else>
-    </dgm:choose>
-    <dgm:shape xmlns:r="http://schemas.openxmlformats.org/officeDocument/2006/relationships" r:blip="">
-      <dgm:adjLst/>
-    </dgm:shape>
-    <dgm:constrLst>
-      <dgm:constr type="alignOff" forName="rootnode" val="1"/>
-      <dgm:constr type="primFontSz" for="des" ptType="node" op="equ" val="65"/>
-      <dgm:constr type="w" for="ch" forName="composite" refType="w"/>
-      <dgm:constr type="h" for="ch" forName="composite" refType="h"/>
-      <dgm:constr type="sp" refType="h" refFor="ch" refForName="composite" op="equ" fact="-0.765"/>
-      <dgm:constr type="w" for="ch" forName="sibTrans" refType="w" fact="0.103"/>
-      <dgm:constr type="h" for="ch" forName="sibTrans" refType="h" fact="0.103"/>
-    </dgm:constrLst>
-    <dgm:forEach name="nodesForEach" axis="ch" ptType="node">
-      <dgm:layoutNode name="composite">
-        <dgm:alg type="composite">
-          <dgm:param type="ar" val="0.861"/>
-        </dgm:alg>
-        <dgm:shape xmlns:r="http://schemas.openxmlformats.org/officeDocument/2006/relationships" r:blip="">
-          <dgm:adjLst/>
-        </dgm:shape>
-        <dgm:choose name="Name3">
-          <dgm:if name="Name4" func="var" arg="dir" op="equ" val="norm">
-            <dgm:constrLst>
-              <dgm:constr type="l" for="ch" forName="LShape" refType="w" fact="0"/>
-              <dgm:constr type="t" for="ch" forName="LShape" refType="h" fact="0.2347"/>
-              <dgm:constr type="w" for="ch" forName="LShape" refType="w" fact="0.998"/>
-              <dgm:constr type="h" for="ch" forName="LShape" refType="h" fact="0.5164"/>
-              <dgm:constr type="r" for="ch" forName="ParentText" refType="w"/>
-              <dgm:constr type="t" for="ch" forName="ParentText" refType="h" fact="0.32"/>
-              <dgm:constr type="w" for="ch" forName="ParentText" refType="w" fact="0.901"/>
-              <dgm:constr type="h" for="ch" forName="ParentText" refType="h" fact="0.68"/>
-              <dgm:constr type="l" for="ch" forName="Triangle" refType="w" fact="0.83"/>
-              <dgm:constr type="t" for="ch" forName="Triangle" refType="h" fact="0"/>
-              <dgm:constr type="w" for="ch" forName="Triangle" refType="w" fact="0.17"/>
-              <dgm:constr type="h" for="ch" forName="Triangle" refType="w" refFor="ch" refForName="Triangle"/>
-            </dgm:constrLst>
-          </dgm:if>
-          <dgm:else name="Name5">
-            <dgm:constrLst>
-              <dgm:constr type="l" for="ch" forName="LShape" refType="w" fact="0.002"/>
-              <dgm:constr type="t" for="ch" forName="LShape" refType="h" fact="0.2347"/>
-              <dgm:constr type="w" for="ch" forName="LShape" refType="w"/>
-              <dgm:constr type="h" for="ch" forName="LShape" refType="h" fact="0.5164"/>
-              <dgm:constr type="l" for="ch" forName="ParentText" refType="w" fact="0"/>
-              <dgm:constr type="t" for="ch" forName="ParentText" refType="h" fact="0.32"/>
-              <dgm:constr type="w" for="ch" forName="ParentText" refType="w" fact="0.902"/>
-              <dgm:constr type="h" for="ch" forName="ParentText" refType="h" fact="0.68"/>
-              <dgm:constr type="l" for="ch" forName="Triangle" refType="w" fact="0"/>
-              <dgm:constr type="t" for="ch" forName="Triangle" refType="h" fact="0"/>
-              <dgm:constr type="w" for="ch" forName="Triangle" refType="w" fact="0.17"/>
-              <dgm:constr type="h" for="ch" forName="Triangle" refType="w" refFor="ch" refForName="Triangle"/>
-            </dgm:constrLst>
-          </dgm:else>
-        </dgm:choose>
-        <dgm:layoutNode name="LShape" styleLbl="alignNode1">
-          <dgm:alg type="sp"/>
-          <dgm:choose name="Name6">
-            <dgm:if name="Name7" func="var" arg="dir" op="equ" val="norm">
-              <dgm:shape xmlns:r="http://schemas.openxmlformats.org/officeDocument/2006/relationships" rot="90" type="corner" r:blip="">
-                <dgm:adjLst>
-                  <dgm:adj idx="1" val="0.1612"/>
-                  <dgm:adj idx="2" val="0.1611"/>
-                </dgm:adjLst>
-              </dgm:shape>
-            </dgm:if>
-            <dgm:else name="Name8">
-              <dgm:shape xmlns:r="http://schemas.openxmlformats.org/officeDocument/2006/relationships" rot="180" type="corner" r:blip="">
-                <dgm:adjLst>
-                  <dgm:adj idx="1" val="0.1612"/>
-                  <dgm:adj idx="2" val="0.1611"/>
-                </dgm:adjLst>
-              </dgm:shape>
-            </dgm:else>
-          </dgm:choose>
-          <dgm:presOf/>
-        </dgm:layoutNode>
-        <dgm:layoutNode name="ParentText" styleLbl="revTx">
-          <dgm:varLst>
-            <dgm:chMax val="0"/>
-            <dgm:chPref val="0"/>
-            <dgm:bulletEnabled val="1"/>
-          </dgm:varLst>
-          <dgm:alg type="tx">
-            <dgm:param type="parTxLTRAlign" val="l"/>
-            <dgm:param type="txAnchorVert" val="t"/>
-          </dgm:alg>
-          <dgm:shape xmlns:r="http://schemas.openxmlformats.org/officeDocument/2006/relationships" type="rect" r:blip="">
-            <dgm:adjLst/>
-          </dgm:shape>
-          <dgm:presOf axis="desOrSelf" ptType="node"/>
-          <dgm:constrLst>
-            <dgm:constr type="lMarg" refType="primFontSz" fact="0.3"/>
-            <dgm:constr type="rMarg" refType="primFontSz" fact="0.3"/>
-            <dgm:constr type="tMarg" refType="primFontSz" fact="0.3"/>
-            <dgm:constr type="bMarg" refType="primFontSz" fact="0.3"/>
-          </dgm:constrLst>
-          <dgm:ruleLst>
-            <dgm:rule type="primFontSz" val="5" fact="NaN" max="NaN"/>
-          </dgm:ruleLst>
-        </dgm:layoutNode>
-        <dgm:choose name="Name9">
-          <dgm:if name="Name10" axis="followSib" ptType="node" func="cnt" op="gte" val="1">
-            <dgm:layoutNode name="Triangle" styleLbl="alignNode1">
-              <dgm:alg type="sp"/>
-              <dgm:choose name="Name11">
-                <dgm:if name="Name12" func="var" arg="dir" op="equ" val="norm">
-                  <dgm:shape xmlns:r="http://schemas.openxmlformats.org/officeDocument/2006/relationships" type="triangle" r:blip="">
-                    <dgm:adjLst>
-                      <dgm:adj idx="1" val="1"/>
-                    </dgm:adjLst>
-                  </dgm:shape>
-                </dgm:if>
-                <dgm:else name="Name13">
-                  <dgm:shape xmlns:r="http://schemas.openxmlformats.org/officeDocument/2006/relationships" rot="90" type="triangle" r:blip="">
-                    <dgm:adjLst>
-                      <dgm:adj idx="1" val="1"/>
-                    </dgm:adjLst>
-                  </dgm:shape>
-                </dgm:else>
-              </dgm:choose>
-              <dgm:presOf/>
-            </dgm:layoutNode>
-          </dgm:if>
-          <dgm:else name="Name14"/>
-        </dgm:choose>
-      </dgm:layoutNode>
-      <dgm:forEach name="sibTransForEach" axis="followSib" ptType="sibTrans" cnt="1">
-        <dgm:layoutNode name="sibTrans">
-          <dgm:alg type="composite">
-            <dgm:param type="ar" val="0.861"/>
-          </dgm:alg>
-          <dgm:constrLst>
-            <dgm:constr type="w" for="ch" forName="space" refType="w"/>
-            <dgm:constr type="h" for="ch" forName="space" refType="w"/>
-          </dgm:constrLst>
-          <dgm:layoutNode name="space" styleLbl="alignNode1">
-            <dgm:alg type="sp"/>
-            <dgm:shape xmlns:r="http://schemas.openxmlformats.org/officeDocument/2006/relationships" r:blip="">
-              <dgm:adjLst/>
-            </dgm:shape>
-            <dgm:presOf/>
-          </dgm:layoutNode>
-        </dgm:layoutNode>
-      </dgm:forEach>
-    </dgm:forEach>
-  </dgm:layoutNode>
-</dgm:layoutDef>
-</file>
-
 <file path=ppt/diagrams/quickStyle1.xml><?xml version="1.0" encoding="utf-8"?>
 <dgm:styleDef xmlns:dgm="http://schemas.openxmlformats.org/drawingml/2006/diagram" xmlns:a="http://schemas.openxmlformats.org/drawingml/2006/main" uniqueId="urn:microsoft.com/office/officeart/2005/8/quickstyle/simple1">
   <dgm:title val=""/>
@@ -14515,7 +14836,7 @@
           <a:p>
             <a:fld id="{B5095176-15CF-48F2-BB8F-0300223B0E5E}" type="datetimeFigureOut">
               <a:rPr lang="de-DE" smtClean="0"/>
-              <a:t>10.05.2014</a:t>
+              <a:t>22.05.2014</a:t>
             </a:fld>
             <a:endParaRPr lang="de-DE"/>
           </a:p>
@@ -14783,165 +15104,6 @@
 </p:notesMaster>
 </file>
 
-<file path=ppt/notesSlides/notesSlide1.xml><?xml version="1.0" encoding="utf-8"?>
-<p:notes xmlns:a="http://schemas.openxmlformats.org/drawingml/2006/main" xmlns:r="http://schemas.openxmlformats.org/officeDocument/2006/relationships" xmlns:p="http://schemas.openxmlformats.org/presentationml/2006/main">
-  <p:cSld>
-    <p:spTree>
-      <p:nvGrpSpPr>
-        <p:cNvPr id="1" name=""/>
-        <p:cNvGrpSpPr/>
-        <p:nvPr/>
-      </p:nvGrpSpPr>
-      <p:grpSpPr>
-        <a:xfrm>
-          <a:off x="0" y="0"/>
-          <a:ext cx="0" cy="0"/>
-          <a:chOff x="0" y="0"/>
-          <a:chExt cx="0" cy="0"/>
-        </a:xfrm>
-      </p:grpSpPr>
-      <p:sp>
-        <p:nvSpPr>
-          <p:cNvPr id="2" name="Folienbildplatzhalter 1"/>
-          <p:cNvSpPr>
-            <a:spLocks noGrp="1" noRot="1" noChangeAspect="1"/>
-          </p:cNvSpPr>
-          <p:nvPr>
-            <p:ph type="sldImg"/>
-          </p:nvPr>
-        </p:nvSpPr>
-        <p:spPr/>
-      </p:sp>
-      <p:sp>
-        <p:nvSpPr>
-          <p:cNvPr id="3" name="Notizenplatzhalter 2"/>
-          <p:cNvSpPr>
-            <a:spLocks noGrp="1"/>
-          </p:cNvSpPr>
-          <p:nvPr>
-            <p:ph type="body" idx="1"/>
-          </p:nvPr>
-        </p:nvSpPr>
-        <p:spPr/>
-        <p:txBody>
-          <a:bodyPr/>
-          <a:lstStyle/>
-          <a:p>
-            <a:pPr marL="0" indent="0">
-              <a:buNone/>
-            </a:pPr>
-            <a:r>
-              <a:rPr lang="de-DE" dirty="0" smtClean="0"/>
-              <a:t>Die </a:t>
-            </a:r>
-            <a:r>
-              <a:rPr lang="de-DE" dirty="0" err="1" smtClean="0"/>
-              <a:t>Naukanu</a:t>
-            </a:r>
-            <a:r>
-              <a:rPr lang="de-DE" dirty="0" smtClean="0"/>
-              <a:t> </a:t>
-            </a:r>
-            <a:r>
-              <a:rPr lang="de-DE" dirty="0" err="1" smtClean="0"/>
-              <a:t>Sailing</a:t>
-            </a:r>
-            <a:r>
-              <a:rPr lang="de-DE" dirty="0" smtClean="0"/>
-              <a:t> School benötigt eine Anwendung für eine  umfassende elektronische Kursverwaltung. Diese Applikation soll folgende Aufgaben bewältigen:</a:t>
-            </a:r>
-          </a:p>
-          <a:p>
-            <a:pPr marL="0" indent="0">
-              <a:buNone/>
-            </a:pPr>
-            <a:endParaRPr lang="de-DE" dirty="0" smtClean="0"/>
-          </a:p>
-          <a:p>
-            <a:pPr marL="171450" lvl="0" indent="-171450">
-              <a:buFont typeface="Arial" panose="020B0604020202020204" pitchFamily="34" charset="0"/>
-              <a:buChar char="•"/>
-            </a:pPr>
-            <a:r>
-              <a:rPr lang="de-DE" dirty="0" smtClean="0"/>
-              <a:t>Verwaltung der freien Mitarbeiter (Vertragsmanagement, Honorare, Aufnahme und Verwaltung der persönlichen und beschäftigungsrelevanten Daten, Kurseinteilung)</a:t>
-            </a:r>
-            <a:endParaRPr lang="en-US" dirty="0" smtClean="0"/>
-          </a:p>
-          <a:p>
-            <a:pPr marL="171450" lvl="0" indent="-171450">
-              <a:buFont typeface="Arial" panose="020B0604020202020204" pitchFamily="34" charset="0"/>
-              <a:buChar char="•"/>
-            </a:pPr>
-            <a:r>
-              <a:rPr lang="de-DE" dirty="0" smtClean="0"/>
-              <a:t>Verwaltung der Kurse (Termine, Zuordnung zu Kunden, Gebühren, Bereitstellung des Materials, Kursleiter)</a:t>
-            </a:r>
-            <a:endParaRPr lang="en-US" dirty="0" smtClean="0"/>
-          </a:p>
-          <a:p>
-            <a:pPr marL="171450" lvl="0" indent="-171450">
-              <a:buFont typeface="Arial" panose="020B0604020202020204" pitchFamily="34" charset="0"/>
-              <a:buChar char="•"/>
-            </a:pPr>
-            <a:r>
-              <a:rPr lang="de-DE" dirty="0" smtClean="0"/>
-              <a:t>Materialverwaltung (Einsatzbereitschaft, Aussonderung, Reparaturverwaltung, Neubeschaffung, Daten zu Material)</a:t>
-            </a:r>
-            <a:endParaRPr lang="en-US" dirty="0" smtClean="0"/>
-          </a:p>
-          <a:p>
-            <a:pPr marL="171450" lvl="0" indent="-171450">
-              <a:buFont typeface="Arial" panose="020B0604020202020204" pitchFamily="34" charset="0"/>
-              <a:buChar char="•"/>
-            </a:pPr>
-            <a:r>
-              <a:rPr lang="de-DE" dirty="0" smtClean="0"/>
-              <a:t>Kundenverwaltung (Stammdaten, gebuchte Kurse, Rechnungserstellung, Zahlungsverfolgung, Mahnwesen)</a:t>
-            </a:r>
-            <a:endParaRPr lang="en-US" dirty="0" smtClean="0"/>
-          </a:p>
-          <a:p>
-            <a:endParaRPr lang="de-DE" dirty="0"/>
-          </a:p>
-        </p:txBody>
-      </p:sp>
-      <p:sp>
-        <p:nvSpPr>
-          <p:cNvPr id="4" name="Foliennummernplatzhalter 3"/>
-          <p:cNvSpPr>
-            <a:spLocks noGrp="1"/>
-          </p:cNvSpPr>
-          <p:nvPr>
-            <p:ph type="sldNum" sz="quarter" idx="10"/>
-          </p:nvPr>
-        </p:nvSpPr>
-        <p:spPr/>
-        <p:txBody>
-          <a:bodyPr/>
-          <a:lstStyle/>
-          <a:p>
-            <a:fld id="{8013F91C-DA4C-44E6-AF51-04C6DD0BE823}" type="slidenum">
-              <a:rPr lang="de-DE" smtClean="0"/>
-              <a:t>11</a:t>
-            </a:fld>
-            <a:endParaRPr lang="de-DE"/>
-          </a:p>
-        </p:txBody>
-      </p:sp>
-    </p:spTree>
-    <p:extLst>
-      <p:ext uri="{BB962C8B-B14F-4D97-AF65-F5344CB8AC3E}">
-        <p14:creationId xmlns:p14="http://schemas.microsoft.com/office/powerpoint/2010/main" val="1209065036"/>
-      </p:ext>
-    </p:extLst>
-  </p:cSld>
-  <p:clrMapOvr>
-    <a:masterClrMapping/>
-  </p:clrMapOvr>
-</p:notes>
-</file>
-
 <file path=ppt/slideLayouts/slideLayout1.xml><?xml version="1.0" encoding="utf-8"?>
 <p:sldLayout xmlns:a="http://schemas.openxmlformats.org/drawingml/2006/main" xmlns:r="http://schemas.openxmlformats.org/officeDocument/2006/relationships" xmlns:p="http://schemas.openxmlformats.org/presentationml/2006/main" showMasterSp="0" type="title" preserve="1">
   <p:cSld name="Titelfolie">
@@ -15168,7 +15330,7 @@
           <a:p>
             <a:fld id="{96DFF08F-DC6B-4601-B491-B0F83F6DD2DA}" type="datetimeFigureOut">
               <a:rPr lang="en-US" dirty="0"/>
-              <a:t>5/10/2014</a:t>
+              <a:t>5/22/2014</a:t>
             </a:fld>
             <a:endParaRPr lang="en-US" dirty="0"/>
           </a:p>
@@ -15378,7 +15540,7 @@
           <a:p>
             <a:fld id="{96DFF08F-DC6B-4601-B491-B0F83F6DD2DA}" type="datetimeFigureOut">
               <a:rPr lang="en-US" dirty="0"/>
-              <a:t>5/10/2014</a:t>
+              <a:t>5/22/2014</a:t>
             </a:fld>
             <a:endParaRPr lang="en-US" dirty="0"/>
           </a:p>
@@ -15629,7 +15791,7 @@
           <a:p>
             <a:fld id="{96DFF08F-DC6B-4601-B491-B0F83F6DD2DA}" type="datetimeFigureOut">
               <a:rPr lang="en-US" dirty="0"/>
-              <a:t>5/10/2014</a:t>
+              <a:t>5/22/2014</a:t>
             </a:fld>
             <a:endParaRPr lang="en-US" dirty="0"/>
           </a:p>
@@ -15794,7 +15956,7 @@
           <a:p>
             <a:fld id="{D62CEF3B-A037-46D0-B02C-1428F07E9383}" type="datetimeFigureOut">
               <a:rPr lang="en-US" dirty="0"/>
-              <a:t>5/10/2014</a:t>
+              <a:t>5/22/2014</a:t>
             </a:fld>
             <a:endParaRPr lang="en-US" dirty="0"/>
           </a:p>
@@ -16139,7 +16301,7 @@
           <a:p>
             <a:fld id="{96DFF08F-DC6B-4601-B491-B0F83F6DD2DA}" type="datetimeFigureOut">
               <a:rPr lang="en-US" dirty="0"/>
-              <a:t>5/10/2014</a:t>
+              <a:t>5/22/2014</a:t>
             </a:fld>
             <a:endParaRPr lang="en-US" dirty="0"/>
           </a:p>
@@ -16409,7 +16571,7 @@
           <a:p>
             <a:fld id="{96DFF08F-DC6B-4601-B491-B0F83F6DD2DA}" type="datetimeFigureOut">
               <a:rPr lang="en-US" dirty="0"/>
-              <a:t>5/10/2014</a:t>
+              <a:t>5/22/2014</a:t>
             </a:fld>
             <a:endParaRPr lang="en-US" dirty="0"/>
           </a:p>
@@ -16783,7 +16945,7 @@
           <a:p>
             <a:fld id="{96DFF08F-DC6B-4601-B491-B0F83F6DD2DA}" type="datetimeFigureOut">
               <a:rPr lang="en-US" dirty="0"/>
-              <a:t>5/10/2014</a:t>
+              <a:t>5/22/2014</a:t>
             </a:fld>
             <a:endParaRPr lang="en-US" dirty="0"/>
           </a:p>
@@ -16896,7 +17058,7 @@
           <a:p>
             <a:fld id="{96DFF08F-DC6B-4601-B491-B0F83F6DD2DA}" type="datetimeFigureOut">
               <a:rPr lang="en-US" dirty="0"/>
-              <a:t>5/10/2014</a:t>
+              <a:t>5/22/2014</a:t>
             </a:fld>
             <a:endParaRPr lang="en-US" dirty="0"/>
           </a:p>
@@ -17063,7 +17225,7 @@
             <a:fld id="{96DFF08F-DC6B-4601-B491-B0F83F6DD2DA}" type="datetimeFigureOut">
               <a:rPr lang="en-US" dirty="0"/>
               <a:pPr/>
-              <a:t>5/10/2014</a:t>
+              <a:t>5/22/2014</a:t>
             </a:fld>
             <a:endParaRPr lang="en-US" dirty="0"/>
           </a:p>
@@ -17414,7 +17576,7 @@
             <a:fld id="{96DFF08F-DC6B-4601-B491-B0F83F6DD2DA}" type="datetimeFigureOut">
               <a:rPr lang="en-US" dirty="0"/>
               <a:pPr/>
-              <a:t>5/10/2014</a:t>
+              <a:t>5/22/2014</a:t>
             </a:fld>
             <a:endParaRPr lang="en-US" dirty="0"/>
           </a:p>
@@ -17794,7 +17956,7 @@
           <a:p>
             <a:fld id="{96DFF08F-DC6B-4601-B491-B0F83F6DD2DA}" type="datetimeFigureOut">
               <a:rPr lang="en-US" dirty="0"/>
-              <a:t>5/10/2014</a:t>
+              <a:t>5/22/2014</a:t>
             </a:fld>
             <a:endParaRPr lang="en-US" dirty="0"/>
           </a:p>
@@ -18084,7 +18246,7 @@
             <a:fld id="{96DFF08F-DC6B-4601-B491-B0F83F6DD2DA}" type="datetimeFigureOut">
               <a:rPr lang="en-US" dirty="0"/>
               <a:pPr/>
-              <a:t>5/10/2014</a:t>
+              <a:t>5/22/2014</a:t>
             </a:fld>
             <a:endParaRPr lang="en-US" dirty="0"/>
           </a:p>
@@ -18817,7 +18979,7 @@
         </p:blipFill>
         <p:spPr bwMode="auto">
           <a:xfrm>
-            <a:off x="3810273" y="2749856"/>
+            <a:off x="3782977" y="2237414"/>
             <a:ext cx="4954129" cy="3240000"/>
           </a:xfrm>
           <a:prstGeom prst="rect">
@@ -18872,32 +19034,55 @@
           <a:chExt cx="0" cy="0"/>
         </a:xfrm>
       </p:grpSpPr>
+      <p:sp>
+        <p:nvSpPr>
+          <p:cNvPr id="2" name="Titel 1"/>
+          <p:cNvSpPr>
+            <a:spLocks noGrp="1"/>
+          </p:cNvSpPr>
+          <p:nvPr>
+            <p:ph type="title"/>
+          </p:nvPr>
+        </p:nvSpPr>
+        <p:spPr/>
+        <p:txBody>
+          <a:bodyPr/>
+          <a:lstStyle/>
+          <a:p>
+            <a:r>
+              <a:rPr lang="de-DE" dirty="0" smtClean="0"/>
+              <a:t>Anforderungen</a:t>
+            </a:r>
+            <a:endParaRPr lang="de-DE" dirty="0"/>
+          </a:p>
+        </p:txBody>
+      </p:sp>
       <p:graphicFrame>
         <p:nvGraphicFramePr>
-          <p:cNvPr id="4" name="Diagramm 3"/>
+          <p:cNvPr id="5" name="Diagramm 4"/>
           <p:cNvGraphicFramePr/>
           <p:nvPr>
             <p:extLst>
               <p:ext uri="{D42A27DB-BD31-4B8C-83A1-F6EECF244321}">
-                <p14:modId xmlns:p14="http://schemas.microsoft.com/office/powerpoint/2010/main" val="1190875526"/>
+                <p14:modId xmlns:p14="http://schemas.microsoft.com/office/powerpoint/2010/main" val="2566287017"/>
               </p:ext>
             </p:extLst>
           </p:nvPr>
         </p:nvGraphicFramePr>
         <p:xfrm>
-          <a:off x="2032000" y="719666"/>
-          <a:ext cx="8128000" cy="5418667"/>
+          <a:off x="2550615" y="2101755"/>
+          <a:ext cx="7071057" cy="3985146"/>
         </p:xfrm>
         <a:graphic>
           <a:graphicData uri="http://schemas.openxmlformats.org/drawingml/2006/diagram">
-            <dgm:relIds xmlns:dgm="http://schemas.openxmlformats.org/drawingml/2006/diagram" xmlns:r="http://schemas.openxmlformats.org/officeDocument/2006/relationships" r:dm="rId3" r:lo="rId4" r:qs="rId5" r:cs="rId6"/>
+            <dgm:relIds xmlns:dgm="http://schemas.openxmlformats.org/drawingml/2006/diagram" xmlns:r="http://schemas.openxmlformats.org/officeDocument/2006/relationships" r:dm="rId2" r:lo="rId3" r:qs="rId4" r:cs="rId5"/>
           </a:graphicData>
         </a:graphic>
       </p:graphicFrame>
     </p:spTree>
     <p:extLst>
       <p:ext uri="{BB962C8B-B14F-4D97-AF65-F5344CB8AC3E}">
-        <p14:creationId xmlns:p14="http://schemas.microsoft.com/office/powerpoint/2010/main" val="545626261"/>
+        <p14:creationId xmlns:p14="http://schemas.microsoft.com/office/powerpoint/2010/main" val="82425569"/>
       </p:ext>
     </p:extLst>
   </p:cSld>
@@ -18996,7 +19181,7 @@
         </p:blipFill>
         <p:spPr bwMode="auto">
           <a:xfrm>
-            <a:off x="3865545" y="2774075"/>
+            <a:off x="3920136" y="2237414"/>
             <a:ext cx="4869739" cy="3240000"/>
           </a:xfrm>
           <a:prstGeom prst="rect">
@@ -19247,7 +19432,9 @@
         </p:nvSpPr>
         <p:spPr/>
         <p:txBody>
-          <a:bodyPr/>
+          <a:bodyPr>
+            <a:normAutofit fontScale="85000" lnSpcReduction="10000"/>
+          </a:bodyPr>
           <a:lstStyle/>
           <a:p>
             <a:pPr>
@@ -19259,7 +19446,15 @@
             </a:pPr>
             <a:r>
               <a:rPr lang="de-DE" dirty="0" smtClean="0"/>
-              <a:t> Betriebssystem:	Microsoft Windows Server 2008 R2 / Windows 7 Professional 64-Bit</a:t>
+              <a:t> Betriebssystem:	</a:t>
+            </a:r>
+            <a:r>
+              <a:rPr lang="de-DE" dirty="0" smtClean="0"/>
+              <a:t>	Microsoft </a:t>
+            </a:r>
+            <a:r>
+              <a:rPr lang="de-DE" dirty="0" smtClean="0"/>
+              <a:t>Windows Server 2008 R2 / Windows 7 Professional 64-Bit</a:t>
             </a:r>
           </a:p>
           <a:p>
@@ -19319,8 +19514,26 @@
             </a:pPr>
             <a:r>
               <a:rPr lang="de-DE" dirty="0" smtClean="0"/>
-              <a:t> GUI-Modell:		MVVM, Modern UI</a:t>
+              <a:t> GUI-Modell:		MVVM, Modern </a:t>
             </a:r>
+            <a:r>
+              <a:rPr lang="de-DE" dirty="0" smtClean="0"/>
+              <a:t>UI</a:t>
+            </a:r>
+          </a:p>
+          <a:p>
+            <a:pPr>
+              <a:lnSpc>
+                <a:spcPct val="200000"/>
+              </a:lnSpc>
+              <a:buFont typeface="Wingdings" panose="05000000000000000000" pitchFamily="2" charset="2"/>
+              <a:buChar char="ü"/>
+            </a:pPr>
+            <a:r>
+              <a:rPr lang="de-DE" dirty="0" smtClean="0"/>
+              <a:t>Entwicklungsmodell:	SCRUM</a:t>
+            </a:r>
+            <a:endParaRPr lang="de-DE" dirty="0" smtClean="0"/>
           </a:p>
         </p:txBody>
       </p:sp>
@@ -19345,6 +19558,405 @@
 </file>
 
 <file path=ppt/slides/slide15.xml><?xml version="1.0" encoding="utf-8"?>
+<p:sld xmlns:a="http://schemas.openxmlformats.org/drawingml/2006/main" xmlns:r="http://schemas.openxmlformats.org/officeDocument/2006/relationships" xmlns:p="http://schemas.openxmlformats.org/presentationml/2006/main">
+  <p:cSld>
+    <p:spTree>
+      <p:nvGrpSpPr>
+        <p:cNvPr id="1" name=""/>
+        <p:cNvGrpSpPr/>
+        <p:nvPr/>
+      </p:nvGrpSpPr>
+      <p:grpSpPr>
+        <a:xfrm>
+          <a:off x="0" y="0"/>
+          <a:ext cx="0" cy="0"/>
+          <a:chOff x="0" y="0"/>
+          <a:chExt cx="0" cy="0"/>
+        </a:xfrm>
+      </p:grpSpPr>
+      <p:sp>
+        <p:nvSpPr>
+          <p:cNvPr id="2" name="Titel 1"/>
+          <p:cNvSpPr>
+            <a:spLocks noGrp="1"/>
+          </p:cNvSpPr>
+          <p:nvPr>
+            <p:ph type="title"/>
+          </p:nvPr>
+        </p:nvSpPr>
+        <p:spPr/>
+        <p:txBody>
+          <a:bodyPr/>
+          <a:lstStyle/>
+          <a:p>
+            <a:r>
+              <a:rPr lang="de-DE" dirty="0" smtClean="0"/>
+              <a:t>Das Projekt</a:t>
+            </a:r>
+            <a:br>
+              <a:rPr lang="de-DE" dirty="0" smtClean="0"/>
+            </a:br>
+            <a:r>
+              <a:rPr lang="de-DE" sz="4000" dirty="0" smtClean="0">
+                <a:solidFill>
+                  <a:schemeClr val="accent1"/>
+                </a:solidFill>
+              </a:rPr>
+              <a:t>Verwendete Technologien</a:t>
+            </a:r>
+            <a:endParaRPr lang="de-DE" dirty="0">
+              <a:solidFill>
+                <a:schemeClr val="accent1"/>
+              </a:solidFill>
+            </a:endParaRPr>
+          </a:p>
+        </p:txBody>
+      </p:sp>
+      <p:pic>
+        <p:nvPicPr>
+          <p:cNvPr id="5" name="Grafik 4"/>
+          <p:cNvPicPr/>
+          <p:nvPr/>
+        </p:nvPicPr>
+        <p:blipFill>
+          <a:blip r:embed="rId2"/>
+          <a:stretch>
+            <a:fillRect/>
+          </a:stretch>
+        </p:blipFill>
+        <p:spPr>
+          <a:xfrm>
+            <a:off x="1802234" y="2390568"/>
+            <a:ext cx="8648491" cy="2795581"/>
+          </a:xfrm>
+          <a:prstGeom prst="rect">
+            <a:avLst/>
+          </a:prstGeom>
+        </p:spPr>
+      </p:pic>
+    </p:spTree>
+    <p:extLst>
+      <p:ext uri="{BB962C8B-B14F-4D97-AF65-F5344CB8AC3E}">
+        <p14:creationId xmlns:p14="http://schemas.microsoft.com/office/powerpoint/2010/main" val="484202812"/>
+      </p:ext>
+    </p:extLst>
+  </p:cSld>
+  <p:clrMapOvr>
+    <a:masterClrMapping/>
+  </p:clrMapOvr>
+  <p:timing>
+    <p:tnLst>
+      <p:par>
+        <p:cTn id="1" dur="indefinite" restart="never" nodeType="tmRoot"/>
+      </p:par>
+    </p:tnLst>
+  </p:timing>
+</p:sld>
+</file>
+
+<file path=ppt/slides/slide16.xml><?xml version="1.0" encoding="utf-8"?>
+<p:sld xmlns:a="http://schemas.openxmlformats.org/drawingml/2006/main" xmlns:r="http://schemas.openxmlformats.org/officeDocument/2006/relationships" xmlns:p="http://schemas.openxmlformats.org/presentationml/2006/main">
+  <p:cSld>
+    <p:spTree>
+      <p:nvGrpSpPr>
+        <p:cNvPr id="1" name=""/>
+        <p:cNvGrpSpPr/>
+        <p:nvPr/>
+      </p:nvGrpSpPr>
+      <p:grpSpPr>
+        <a:xfrm>
+          <a:off x="0" y="0"/>
+          <a:ext cx="0" cy="0"/>
+          <a:chOff x="0" y="0"/>
+          <a:chExt cx="0" cy="0"/>
+        </a:xfrm>
+      </p:grpSpPr>
+      <p:sp>
+        <p:nvSpPr>
+          <p:cNvPr id="2" name="Titel 1"/>
+          <p:cNvSpPr>
+            <a:spLocks noGrp="1"/>
+          </p:cNvSpPr>
+          <p:nvPr>
+            <p:ph type="title"/>
+          </p:nvPr>
+        </p:nvSpPr>
+        <p:spPr/>
+        <p:txBody>
+          <a:bodyPr/>
+          <a:lstStyle/>
+          <a:p>
+            <a:r>
+              <a:rPr lang="de-DE" dirty="0" smtClean="0"/>
+              <a:t>Das Projekt</a:t>
+            </a:r>
+            <a:br>
+              <a:rPr lang="de-DE" dirty="0" smtClean="0"/>
+            </a:br>
+            <a:r>
+              <a:rPr lang="de-DE" sz="4000" dirty="0" smtClean="0">
+                <a:solidFill>
+                  <a:schemeClr val="accent1"/>
+                </a:solidFill>
+              </a:rPr>
+              <a:t>Verwendete Technologien</a:t>
+            </a:r>
+            <a:endParaRPr lang="de-DE" dirty="0">
+              <a:solidFill>
+                <a:schemeClr val="accent1"/>
+              </a:solidFill>
+            </a:endParaRPr>
+          </a:p>
+        </p:txBody>
+      </p:sp>
+      <p:pic>
+        <p:nvPicPr>
+          <p:cNvPr id="4" name="Grafik 3"/>
+          <p:cNvPicPr/>
+          <p:nvPr/>
+        </p:nvPicPr>
+        <p:blipFill>
+          <a:blip r:embed="rId2"/>
+          <a:stretch>
+            <a:fillRect/>
+          </a:stretch>
+        </p:blipFill>
+        <p:spPr>
+          <a:xfrm>
+            <a:off x="1834702" y="2320446"/>
+            <a:ext cx="8583555" cy="3015829"/>
+          </a:xfrm>
+          <a:prstGeom prst="rect">
+            <a:avLst/>
+          </a:prstGeom>
+        </p:spPr>
+      </p:pic>
+    </p:spTree>
+    <p:extLst>
+      <p:ext uri="{BB962C8B-B14F-4D97-AF65-F5344CB8AC3E}">
+        <p14:creationId xmlns:p14="http://schemas.microsoft.com/office/powerpoint/2010/main" val="2001576020"/>
+      </p:ext>
+    </p:extLst>
+  </p:cSld>
+  <p:clrMapOvr>
+    <a:masterClrMapping/>
+  </p:clrMapOvr>
+  <p:timing>
+    <p:tnLst>
+      <p:par>
+        <p:cTn id="1" dur="indefinite" restart="never" nodeType="tmRoot"/>
+      </p:par>
+    </p:tnLst>
+  </p:timing>
+</p:sld>
+</file>
+
+<file path=ppt/slides/slide17.xml><?xml version="1.0" encoding="utf-8"?>
+<p:sld xmlns:a="http://schemas.openxmlformats.org/drawingml/2006/main" xmlns:r="http://schemas.openxmlformats.org/officeDocument/2006/relationships" xmlns:p="http://schemas.openxmlformats.org/presentationml/2006/main">
+  <p:cSld>
+    <p:spTree>
+      <p:nvGrpSpPr>
+        <p:cNvPr id="1" name=""/>
+        <p:cNvGrpSpPr/>
+        <p:nvPr/>
+      </p:nvGrpSpPr>
+      <p:grpSpPr>
+        <a:xfrm>
+          <a:off x="0" y="0"/>
+          <a:ext cx="0" cy="0"/>
+          <a:chOff x="0" y="0"/>
+          <a:chExt cx="0" cy="0"/>
+        </a:xfrm>
+      </p:grpSpPr>
+      <p:sp>
+        <p:nvSpPr>
+          <p:cNvPr id="2" name="Titel 1"/>
+          <p:cNvSpPr>
+            <a:spLocks noGrp="1"/>
+          </p:cNvSpPr>
+          <p:nvPr>
+            <p:ph type="title"/>
+          </p:nvPr>
+        </p:nvSpPr>
+        <p:spPr/>
+        <p:txBody>
+          <a:bodyPr/>
+          <a:lstStyle/>
+          <a:p>
+            <a:r>
+              <a:rPr lang="de-DE" dirty="0" smtClean="0"/>
+              <a:t>Das Projekt</a:t>
+            </a:r>
+            <a:br>
+              <a:rPr lang="de-DE" dirty="0" smtClean="0"/>
+            </a:br>
+            <a:r>
+              <a:rPr lang="de-DE" sz="4000" dirty="0" smtClean="0">
+                <a:solidFill>
+                  <a:schemeClr val="accent1"/>
+                </a:solidFill>
+              </a:rPr>
+              <a:t>Grobarchitektur</a:t>
+            </a:r>
+            <a:endParaRPr lang="de-DE" dirty="0">
+              <a:solidFill>
+                <a:schemeClr val="accent1"/>
+              </a:solidFill>
+            </a:endParaRPr>
+          </a:p>
+        </p:txBody>
+      </p:sp>
+      <p:pic>
+        <p:nvPicPr>
+          <p:cNvPr id="5" name="Grafik 4"/>
+          <p:cNvPicPr/>
+          <p:nvPr/>
+        </p:nvPicPr>
+        <p:blipFill>
+          <a:blip r:embed="rId2">
+            <a:extLst>
+              <a:ext uri="{28A0092B-C50C-407E-A947-70E740481C1C}">
+                <a14:useLocalDpi xmlns:a14="http://schemas.microsoft.com/office/drawing/2010/main" val="0"/>
+              </a:ext>
+            </a:extLst>
+          </a:blip>
+          <a:srcRect/>
+          <a:stretch>
+            <a:fillRect/>
+          </a:stretch>
+        </p:blipFill>
+        <p:spPr bwMode="auto">
+          <a:xfrm>
+            <a:off x="4241901" y="2019868"/>
+            <a:ext cx="3960403" cy="4107977"/>
+          </a:xfrm>
+          <a:prstGeom prst="rect">
+            <a:avLst/>
+          </a:prstGeom>
+          <a:noFill/>
+        </p:spPr>
+      </p:pic>
+    </p:spTree>
+    <p:extLst>
+      <p:ext uri="{BB962C8B-B14F-4D97-AF65-F5344CB8AC3E}">
+        <p14:creationId xmlns:p14="http://schemas.microsoft.com/office/powerpoint/2010/main" val="4017815461"/>
+      </p:ext>
+    </p:extLst>
+  </p:cSld>
+  <p:clrMapOvr>
+    <a:masterClrMapping/>
+  </p:clrMapOvr>
+  <p:timing>
+    <p:tnLst>
+      <p:par>
+        <p:cTn id="1" dur="indefinite" restart="never" nodeType="tmRoot"/>
+      </p:par>
+    </p:tnLst>
+  </p:timing>
+</p:sld>
+</file>
+
+<file path=ppt/slides/slide18.xml><?xml version="1.0" encoding="utf-8"?>
+<p:sld xmlns:a="http://schemas.openxmlformats.org/drawingml/2006/main" xmlns:r="http://schemas.openxmlformats.org/officeDocument/2006/relationships" xmlns:p="http://schemas.openxmlformats.org/presentationml/2006/main">
+  <p:cSld>
+    <p:spTree>
+      <p:nvGrpSpPr>
+        <p:cNvPr id="1" name=""/>
+        <p:cNvGrpSpPr/>
+        <p:nvPr/>
+      </p:nvGrpSpPr>
+      <p:grpSpPr>
+        <a:xfrm>
+          <a:off x="0" y="0"/>
+          <a:ext cx="0" cy="0"/>
+          <a:chOff x="0" y="0"/>
+          <a:chExt cx="0" cy="0"/>
+        </a:xfrm>
+      </p:grpSpPr>
+      <p:sp>
+        <p:nvSpPr>
+          <p:cNvPr id="2" name="Titel 1"/>
+          <p:cNvSpPr>
+            <a:spLocks noGrp="1"/>
+          </p:cNvSpPr>
+          <p:nvPr>
+            <p:ph type="title"/>
+          </p:nvPr>
+        </p:nvSpPr>
+        <p:spPr/>
+        <p:txBody>
+          <a:bodyPr/>
+          <a:lstStyle/>
+          <a:p>
+            <a:r>
+              <a:rPr lang="de-DE" dirty="0" smtClean="0"/>
+              <a:t>Das Projekt</a:t>
+            </a:r>
+            <a:br>
+              <a:rPr lang="de-DE" dirty="0" smtClean="0"/>
+            </a:br>
+            <a:r>
+              <a:rPr lang="de-DE" sz="4000" dirty="0" smtClean="0">
+                <a:solidFill>
+                  <a:schemeClr val="accent1"/>
+                </a:solidFill>
+              </a:rPr>
+              <a:t>Arbeitspakete</a:t>
+            </a:r>
+            <a:endParaRPr lang="de-DE" dirty="0">
+              <a:solidFill>
+                <a:schemeClr val="accent1"/>
+              </a:solidFill>
+            </a:endParaRPr>
+          </a:p>
+        </p:txBody>
+      </p:sp>
+      <p:graphicFrame>
+        <p:nvGraphicFramePr>
+          <p:cNvPr id="5" name="Inhaltsplatzhalter 4"/>
+          <p:cNvGraphicFramePr>
+            <a:graphicFrameLocks noGrp="1"/>
+          </p:cNvGraphicFramePr>
+          <p:nvPr>
+            <p:ph idx="1"/>
+            <p:extLst>
+              <p:ext uri="{D42A27DB-BD31-4B8C-83A1-F6EECF244321}">
+                <p14:modId xmlns:p14="http://schemas.microsoft.com/office/powerpoint/2010/main" val="4201793414"/>
+              </p:ext>
+            </p:extLst>
+          </p:nvPr>
+        </p:nvGraphicFramePr>
+        <p:xfrm>
+          <a:off x="1096963" y="1846263"/>
+          <a:ext cx="10058400" cy="4022725"/>
+        </p:xfrm>
+        <a:graphic>
+          <a:graphicData uri="http://schemas.openxmlformats.org/drawingml/2006/diagram">
+            <dgm:relIds xmlns:dgm="http://schemas.openxmlformats.org/drawingml/2006/diagram" xmlns:r="http://schemas.openxmlformats.org/officeDocument/2006/relationships" r:dm="rId2" r:lo="rId3" r:qs="rId4" r:cs="rId5"/>
+          </a:graphicData>
+        </a:graphic>
+      </p:graphicFrame>
+    </p:spTree>
+    <p:extLst>
+      <p:ext uri="{BB962C8B-B14F-4D97-AF65-F5344CB8AC3E}">
+        <p14:creationId xmlns:p14="http://schemas.microsoft.com/office/powerpoint/2010/main" val="3121339168"/>
+      </p:ext>
+    </p:extLst>
+  </p:cSld>
+  <p:clrMapOvr>
+    <a:masterClrMapping/>
+  </p:clrMapOvr>
+  <p:timing>
+    <p:tnLst>
+      <p:par>
+        <p:cTn id="1" dur="indefinite" restart="never" nodeType="tmRoot"/>
+      </p:par>
+    </p:tnLst>
+  </p:timing>
+</p:sld>
+</file>
+
+<file path=ppt/slides/slide19.xml><?xml version="1.0" encoding="utf-8"?>
 <p:sld xmlns:a="http://schemas.openxmlformats.org/drawingml/2006/main" xmlns:r="http://schemas.openxmlformats.org/officeDocument/2006/relationships" xmlns:p="http://schemas.openxmlformats.org/presentationml/2006/main">
   <p:cSld>
     <p:spTree>
@@ -19444,7 +20056,7 @@
 </p:sld>
 </file>
 
-<file path=ppt/slides/slide16.xml><?xml version="1.0" encoding="utf-8"?>
+<file path=ppt/slides/slide2.xml><?xml version="1.0" encoding="utf-8"?>
 <p:sld xmlns:a="http://schemas.openxmlformats.org/drawingml/2006/main" xmlns:r="http://schemas.openxmlformats.org/officeDocument/2006/relationships" xmlns:p="http://schemas.openxmlformats.org/presentationml/2006/main">
   <p:cSld>
     <p:spTree>
@@ -19473,61 +20085,122 @@
         </p:nvSpPr>
         <p:spPr/>
         <p:txBody>
-          <a:bodyPr/>
+          <a:bodyPr>
+            <a:normAutofit/>
+          </a:bodyPr>
           <a:lstStyle/>
           <a:p>
             <a:r>
               <a:rPr lang="de-DE" dirty="0" smtClean="0"/>
-              <a:t>Das Projekt</a:t>
+              <a:t>Zwischenpräsentation</a:t>
+            </a:r>
+            <a:r>
+              <a:rPr lang="de-DE" dirty="0"/>
+              <a:t/>
             </a:r>
             <a:br>
-              <a:rPr lang="de-DE" dirty="0" smtClean="0"/>
+              <a:rPr lang="de-DE" dirty="0"/>
             </a:br>
             <a:r>
-              <a:rPr lang="de-DE" sz="4000" dirty="0" smtClean="0">
+              <a:rPr lang="de-DE" dirty="0" err="1" smtClean="0">
                 <a:solidFill>
                   <a:schemeClr val="accent1"/>
                 </a:solidFill>
               </a:rPr>
-              <a:t>Arbeitspakete</a:t>
+              <a:t>Naukanu</a:t>
             </a:r>
-            <a:endParaRPr lang="de-DE" dirty="0">
-              <a:solidFill>
-                <a:schemeClr val="accent1"/>
-              </a:solidFill>
-            </a:endParaRPr>
+            <a:r>
+              <a:rPr lang="de-DE" dirty="0" smtClean="0">
+                <a:solidFill>
+                  <a:schemeClr val="accent1"/>
+                </a:solidFill>
+              </a:rPr>
+              <a:t> </a:t>
+            </a:r>
+            <a:r>
+              <a:rPr lang="de-DE" dirty="0" err="1" smtClean="0">
+                <a:solidFill>
+                  <a:schemeClr val="accent1"/>
+                </a:solidFill>
+              </a:rPr>
+              <a:t>Sailing</a:t>
+            </a:r>
+            <a:r>
+              <a:rPr lang="de-DE" dirty="0" smtClean="0">
+                <a:solidFill>
+                  <a:schemeClr val="accent1"/>
+                </a:solidFill>
+              </a:rPr>
+              <a:t> School</a:t>
+            </a:r>
+            <a:endParaRPr lang="de-DE" dirty="0"/>
           </a:p>
         </p:txBody>
       </p:sp>
-      <p:graphicFrame>
-        <p:nvGraphicFramePr>
-          <p:cNvPr id="5" name="Inhaltsplatzhalter 4"/>
-          <p:cNvGraphicFramePr>
-            <a:graphicFrameLocks noGrp="1"/>
-          </p:cNvGraphicFramePr>
+      <p:sp>
+        <p:nvSpPr>
+          <p:cNvPr id="3" name="Inhaltsplatzhalter 2"/>
+          <p:cNvSpPr>
+            <a:spLocks noGrp="1"/>
+          </p:cNvSpPr>
           <p:nvPr>
             <p:ph idx="1"/>
-            <p:extLst>
-              <p:ext uri="{D42A27DB-BD31-4B8C-83A1-F6EECF244321}">
-                <p14:modId xmlns:p14="http://schemas.microsoft.com/office/powerpoint/2010/main" val="2092887737"/>
-              </p:ext>
-            </p:extLst>
           </p:nvPr>
-        </p:nvGraphicFramePr>
-        <p:xfrm>
-          <a:off x="1096963" y="1846263"/>
-          <a:ext cx="10058400" cy="4022725"/>
-        </p:xfrm>
-        <a:graphic>
-          <a:graphicData uri="http://schemas.openxmlformats.org/drawingml/2006/diagram">
-            <dgm:relIds xmlns:dgm="http://schemas.openxmlformats.org/drawingml/2006/diagram" xmlns:r="http://schemas.openxmlformats.org/officeDocument/2006/relationships" r:dm="rId2" r:lo="rId3" r:qs="rId4" r:cs="rId5"/>
-          </a:graphicData>
-        </a:graphic>
-      </p:graphicFrame>
+        </p:nvSpPr>
+        <p:spPr/>
+        <p:txBody>
+          <a:bodyPr>
+            <a:normAutofit/>
+          </a:bodyPr>
+          <a:lstStyle/>
+          <a:p>
+            <a:r>
+              <a:rPr lang="de-DE" sz="2400" dirty="0" smtClean="0"/>
+              <a:t>Auftraggeber: </a:t>
+            </a:r>
+            <a:r>
+              <a:rPr lang="de-DE" sz="2400" dirty="0" err="1" smtClean="0"/>
+              <a:t>Naukanu</a:t>
+            </a:r>
+            <a:r>
+              <a:rPr lang="de-DE" sz="2400" dirty="0" smtClean="0"/>
+              <a:t> </a:t>
+            </a:r>
+            <a:r>
+              <a:rPr lang="de-DE" sz="2400" dirty="0" err="1" smtClean="0"/>
+              <a:t>Sailing</a:t>
+            </a:r>
+            <a:r>
+              <a:rPr lang="de-DE" sz="2400" dirty="0" smtClean="0"/>
+              <a:t> </a:t>
+            </a:r>
+            <a:r>
+              <a:rPr lang="de-DE" sz="2400" dirty="0" smtClean="0"/>
+              <a:t>School – Prof. Dr. Dr. Neunteufel</a:t>
+            </a:r>
+            <a:endParaRPr lang="de-DE" sz="2400" dirty="0" smtClean="0"/>
+          </a:p>
+          <a:p>
+            <a:r>
+              <a:rPr lang="de-DE" sz="2400" dirty="0" smtClean="0"/>
+              <a:t>Auftragnehmer: </a:t>
+            </a:r>
+            <a:r>
+              <a:rPr lang="de-DE" sz="2400" dirty="0" err="1" smtClean="0"/>
+              <a:t>Studs@Work</a:t>
+            </a:r>
+            <a:r>
+              <a:rPr lang="de-DE" sz="2400" dirty="0" smtClean="0"/>
+              <a:t> AG</a:t>
+            </a:r>
+            <a:endParaRPr lang="de-DE" sz="2400" dirty="0"/>
+          </a:p>
+        </p:txBody>
+      </p:sp>
     </p:spTree>
     <p:extLst>
       <p:ext uri="{BB962C8B-B14F-4D97-AF65-F5344CB8AC3E}">
-        <p14:creationId xmlns:p14="http://schemas.microsoft.com/office/powerpoint/2010/main" val="3121339168"/>
+        <p14:creationId xmlns:p14="http://schemas.microsoft.com/office/powerpoint/2010/main" val="2145389335"/>
       </p:ext>
     </p:extLst>
   </p:cSld>
@@ -19544,7 +20217,7 @@
 </p:sld>
 </file>
 
-<file path=ppt/slides/slide17.xml><?xml version="1.0" encoding="utf-8"?>
+<file path=ppt/slides/slide20.xml><?xml version="1.0" encoding="utf-8"?>
 <p:sld xmlns:a="http://schemas.openxmlformats.org/drawingml/2006/main" xmlns:r="http://schemas.openxmlformats.org/officeDocument/2006/relationships" xmlns:p="http://schemas.openxmlformats.org/presentationml/2006/main">
   <p:cSld>
     <p:spTree>
@@ -22507,7 +23180,7 @@
 </p:sld>
 </file>
 
-<file path=ppt/slides/slide18.xml><?xml version="1.0" encoding="utf-8"?>
+<file path=ppt/slides/slide21.xml><?xml version="1.0" encoding="utf-8"?>
 <p:sld xmlns:a="http://schemas.openxmlformats.org/drawingml/2006/main" xmlns:r="http://schemas.openxmlformats.org/officeDocument/2006/relationships" xmlns:p="http://schemas.openxmlformats.org/presentationml/2006/main">
   <p:cSld>
     <p:spTree>
@@ -22547,12 +23220,12 @@
               <a:rPr lang="de-DE" dirty="0" smtClean="0"/>
             </a:br>
             <a:r>
-              <a:rPr lang="de-DE" sz="4000" dirty="0" smtClean="0">
+              <a:rPr lang="de-DE" sz="4000" dirty="0" err="1" smtClean="0">
                 <a:solidFill>
                   <a:schemeClr val="accent1"/>
                 </a:solidFill>
               </a:rPr>
-              <a:t>Projektstand</a:t>
+              <a:t>Burndown</a:t>
             </a:r>
             <a:endParaRPr lang="de-DE" dirty="0">
               <a:solidFill>
@@ -22562,476 +23235,34 @@
           </a:p>
         </p:txBody>
       </p:sp>
-      <p:graphicFrame>
-        <p:nvGraphicFramePr>
-          <p:cNvPr id="4" name="Inhaltsplatzhalter 3"/>
-          <p:cNvGraphicFramePr>
-            <a:graphicFrameLocks noGrp="1"/>
-          </p:cNvGraphicFramePr>
-          <p:nvPr>
-            <p:ph idx="1"/>
-            <p:extLst>
-              <p:ext uri="{D42A27DB-BD31-4B8C-83A1-F6EECF244321}">
-                <p14:modId xmlns:p14="http://schemas.microsoft.com/office/powerpoint/2010/main" val="3301468139"/>
-              </p:ext>
-            </p:extLst>
-          </p:nvPr>
-        </p:nvGraphicFramePr>
-        <p:xfrm>
-          <a:off x="3495675" y="2200275"/>
-          <a:ext cx="6035040" cy="3337560"/>
-        </p:xfrm>
-        <a:graphic>
-          <a:graphicData uri="http://schemas.openxmlformats.org/drawingml/2006/table">
-            <a:tbl>
-              <a:tblPr firstRow="1" bandRow="1">
-                <a:tableStyleId>{5C22544A-7EE6-4342-B048-85BDC9FD1C3A}</a:tableStyleId>
-              </a:tblPr>
-              <a:tblGrid>
-                <a:gridCol w="2541587"/>
-                <a:gridCol w="1685925"/>
-                <a:gridCol w="1807528"/>
-              </a:tblGrid>
-              <a:tr h="370840">
-                <a:tc>
-                  <a:txBody>
-                    <a:bodyPr/>
-                    <a:lstStyle/>
-                    <a:p>
-                      <a:pPr algn="l"/>
-                      <a:r>
-                        <a:rPr lang="de-DE" dirty="0" smtClean="0">
-                          <a:latin typeface="Calibri" panose="020F0502020204030204" pitchFamily="34" charset="0"/>
-                        </a:rPr>
-                        <a:t>Modul</a:t>
-                      </a:r>
-                      <a:endParaRPr lang="en-US" dirty="0">
-                        <a:latin typeface="Calibri" panose="020F0502020204030204" pitchFamily="34" charset="0"/>
-                      </a:endParaRPr>
-                    </a:p>
-                  </a:txBody>
-                  <a:tcPr/>
-                </a:tc>
-                <a:tc>
-                  <a:txBody>
-                    <a:bodyPr/>
-                    <a:lstStyle/>
-                    <a:p>
-                      <a:pPr algn="l"/>
-                      <a:r>
-                        <a:rPr lang="de-DE" dirty="0" smtClean="0">
-                          <a:latin typeface="Calibri" panose="020F0502020204030204" pitchFamily="34" charset="0"/>
-                        </a:rPr>
-                        <a:t>Aktueller Stand</a:t>
-                      </a:r>
-                      <a:endParaRPr lang="en-US" dirty="0">
-                        <a:latin typeface="Calibri" panose="020F0502020204030204" pitchFamily="34" charset="0"/>
-                      </a:endParaRPr>
-                    </a:p>
-                  </a:txBody>
-                  <a:tcPr/>
-                </a:tc>
-                <a:tc>
-                  <a:txBody>
-                    <a:bodyPr/>
-                    <a:lstStyle/>
-                    <a:p>
-                      <a:pPr algn="l"/>
-                      <a:r>
-                        <a:rPr lang="de-DE" dirty="0" smtClean="0">
-                          <a:latin typeface="Calibri" panose="020F0502020204030204" pitchFamily="34" charset="0"/>
-                        </a:rPr>
-                        <a:t>Offene Punkte</a:t>
-                      </a:r>
-                      <a:endParaRPr lang="en-US" dirty="0">
-                        <a:latin typeface="Calibri" panose="020F0502020204030204" pitchFamily="34" charset="0"/>
-                      </a:endParaRPr>
-                    </a:p>
-                  </a:txBody>
-                  <a:tcPr/>
-                </a:tc>
-              </a:tr>
-              <a:tr h="370840">
-                <a:tc>
-                  <a:txBody>
-                    <a:bodyPr/>
-                    <a:lstStyle/>
-                    <a:p>
-                      <a:pPr algn="l"/>
-                      <a:r>
-                        <a:rPr lang="de-DE" dirty="0" smtClean="0">
-                          <a:latin typeface="Calibri" panose="020F0502020204030204" pitchFamily="34" charset="0"/>
-                        </a:rPr>
-                        <a:t>Rechnungsverwaltung</a:t>
-                      </a:r>
-                    </a:p>
-                  </a:txBody>
-                  <a:tcPr/>
-                </a:tc>
-                <a:tc>
-                  <a:txBody>
-                    <a:bodyPr/>
-                    <a:lstStyle/>
-                    <a:p>
-                      <a:pPr algn="l"/>
-                      <a:endParaRPr lang="en-US" dirty="0">
-                        <a:latin typeface="Calibri" panose="020F0502020204030204" pitchFamily="34" charset="0"/>
-                      </a:endParaRPr>
-                    </a:p>
-                  </a:txBody>
-                  <a:tcPr/>
-                </a:tc>
-                <a:tc>
-                  <a:txBody>
-                    <a:bodyPr/>
-                    <a:lstStyle/>
-                    <a:p>
-                      <a:pPr algn="l"/>
-                      <a:endParaRPr lang="en-US">
-                        <a:latin typeface="Calibri" panose="020F0502020204030204" pitchFamily="34" charset="0"/>
-                      </a:endParaRPr>
-                    </a:p>
-                  </a:txBody>
-                  <a:tcPr/>
-                </a:tc>
-              </a:tr>
-              <a:tr h="370840">
-                <a:tc>
-                  <a:txBody>
-                    <a:bodyPr/>
-                    <a:lstStyle/>
-                    <a:p>
-                      <a:pPr algn="l"/>
-                      <a:r>
-                        <a:rPr lang="de-DE" dirty="0" smtClean="0">
-                          <a:latin typeface="Calibri" panose="020F0502020204030204" pitchFamily="34" charset="0"/>
-                        </a:rPr>
-                        <a:t>Kundenverwaltung</a:t>
-                      </a:r>
-                      <a:endParaRPr lang="en-US" dirty="0">
-                        <a:latin typeface="Calibri" panose="020F0502020204030204" pitchFamily="34" charset="0"/>
-                      </a:endParaRPr>
-                    </a:p>
-                  </a:txBody>
-                  <a:tcPr/>
-                </a:tc>
-                <a:tc>
-                  <a:txBody>
-                    <a:bodyPr/>
-                    <a:lstStyle/>
-                    <a:p>
-                      <a:pPr algn="l"/>
-                      <a:endParaRPr lang="en-US">
-                        <a:latin typeface="Calibri" panose="020F0502020204030204" pitchFamily="34" charset="0"/>
-                      </a:endParaRPr>
-                    </a:p>
-                  </a:txBody>
-                  <a:tcPr/>
-                </a:tc>
-                <a:tc>
-                  <a:txBody>
-                    <a:bodyPr/>
-                    <a:lstStyle/>
-                    <a:p>
-                      <a:pPr algn="l"/>
-                      <a:endParaRPr lang="en-US">
-                        <a:latin typeface="Calibri" panose="020F0502020204030204" pitchFamily="34" charset="0"/>
-                      </a:endParaRPr>
-                    </a:p>
-                  </a:txBody>
-                  <a:tcPr/>
-                </a:tc>
-              </a:tr>
-              <a:tr h="370840">
-                <a:tc>
-                  <a:txBody>
-                    <a:bodyPr/>
-                    <a:lstStyle/>
-                    <a:p>
-                      <a:pPr algn="l"/>
-                      <a:r>
-                        <a:rPr lang="de-DE" dirty="0" smtClean="0">
-                          <a:latin typeface="Calibri" panose="020F0502020204030204" pitchFamily="34" charset="0"/>
-                        </a:rPr>
-                        <a:t>Mitarbeiterverwaltung</a:t>
-                      </a:r>
-                      <a:endParaRPr lang="en-US" dirty="0">
-                        <a:latin typeface="Calibri" panose="020F0502020204030204" pitchFamily="34" charset="0"/>
-                      </a:endParaRPr>
-                    </a:p>
-                  </a:txBody>
-                  <a:tcPr/>
-                </a:tc>
-                <a:tc>
-                  <a:txBody>
-                    <a:bodyPr/>
-                    <a:lstStyle/>
-                    <a:p>
-                      <a:pPr algn="l"/>
-                      <a:endParaRPr lang="en-US">
-                        <a:latin typeface="Calibri" panose="020F0502020204030204" pitchFamily="34" charset="0"/>
-                      </a:endParaRPr>
-                    </a:p>
-                  </a:txBody>
-                  <a:tcPr/>
-                </a:tc>
-                <a:tc>
-                  <a:txBody>
-                    <a:bodyPr/>
-                    <a:lstStyle/>
-                    <a:p>
-                      <a:pPr algn="l"/>
-                      <a:endParaRPr lang="en-US">
-                        <a:latin typeface="Calibri" panose="020F0502020204030204" pitchFamily="34" charset="0"/>
-                      </a:endParaRPr>
-                    </a:p>
-                  </a:txBody>
-                  <a:tcPr/>
-                </a:tc>
-              </a:tr>
-              <a:tr h="370840">
-                <a:tc>
-                  <a:txBody>
-                    <a:bodyPr/>
-                    <a:lstStyle/>
-                    <a:p>
-                      <a:pPr algn="l"/>
-                      <a:r>
-                        <a:rPr lang="de-DE" dirty="0" smtClean="0">
-                          <a:latin typeface="Calibri" panose="020F0502020204030204" pitchFamily="34" charset="0"/>
-                        </a:rPr>
-                        <a:t>Kursverwaltung</a:t>
-                      </a:r>
-                      <a:endParaRPr lang="en-US" dirty="0">
-                        <a:latin typeface="Calibri" panose="020F0502020204030204" pitchFamily="34" charset="0"/>
-                      </a:endParaRPr>
-                    </a:p>
-                  </a:txBody>
-                  <a:tcPr/>
-                </a:tc>
-                <a:tc>
-                  <a:txBody>
-                    <a:bodyPr/>
-                    <a:lstStyle/>
-                    <a:p>
-                      <a:pPr algn="l"/>
-                      <a:endParaRPr lang="en-US">
-                        <a:latin typeface="Calibri" panose="020F0502020204030204" pitchFamily="34" charset="0"/>
-                      </a:endParaRPr>
-                    </a:p>
-                  </a:txBody>
-                  <a:tcPr/>
-                </a:tc>
-                <a:tc>
-                  <a:txBody>
-                    <a:bodyPr/>
-                    <a:lstStyle/>
-                    <a:p>
-                      <a:pPr algn="l"/>
-                      <a:endParaRPr lang="en-US" dirty="0">
-                        <a:latin typeface="Calibri" panose="020F0502020204030204" pitchFamily="34" charset="0"/>
-                      </a:endParaRPr>
-                    </a:p>
-                  </a:txBody>
-                  <a:tcPr/>
-                </a:tc>
-              </a:tr>
-              <a:tr h="370840">
-                <a:tc>
-                  <a:txBody>
-                    <a:bodyPr/>
-                    <a:lstStyle/>
-                    <a:p>
-                      <a:pPr algn="l"/>
-                      <a:r>
-                        <a:rPr lang="de-DE" dirty="0" smtClean="0">
-                          <a:latin typeface="Calibri" panose="020F0502020204030204" pitchFamily="34" charset="0"/>
-                        </a:rPr>
-                        <a:t>Terminverwaltung</a:t>
-                      </a:r>
-                      <a:endParaRPr lang="en-US" dirty="0">
-                        <a:latin typeface="Calibri" panose="020F0502020204030204" pitchFamily="34" charset="0"/>
-                      </a:endParaRPr>
-                    </a:p>
-                  </a:txBody>
-                  <a:tcPr/>
-                </a:tc>
-                <a:tc>
-                  <a:txBody>
-                    <a:bodyPr/>
-                    <a:lstStyle/>
-                    <a:p>
-                      <a:pPr algn="l"/>
-                      <a:endParaRPr lang="en-US">
-                        <a:latin typeface="Calibri" panose="020F0502020204030204" pitchFamily="34" charset="0"/>
-                      </a:endParaRPr>
-                    </a:p>
-                  </a:txBody>
-                  <a:tcPr/>
-                </a:tc>
-                <a:tc>
-                  <a:txBody>
-                    <a:bodyPr/>
-                    <a:lstStyle/>
-                    <a:p>
-                      <a:pPr algn="l"/>
-                      <a:endParaRPr lang="en-US" dirty="0">
-                        <a:latin typeface="Calibri" panose="020F0502020204030204" pitchFamily="34" charset="0"/>
-                      </a:endParaRPr>
-                    </a:p>
-                  </a:txBody>
-                  <a:tcPr/>
-                </a:tc>
-              </a:tr>
-              <a:tr h="370840">
-                <a:tc>
-                  <a:txBody>
-                    <a:bodyPr/>
-                    <a:lstStyle/>
-                    <a:p>
-                      <a:pPr algn="l"/>
-                      <a:r>
-                        <a:rPr lang="de-DE" dirty="0" smtClean="0">
-                          <a:latin typeface="Calibri" panose="020F0502020204030204" pitchFamily="34" charset="0"/>
-                        </a:rPr>
-                        <a:t>Materialverwaltung</a:t>
-                      </a:r>
-                      <a:endParaRPr lang="en-US" dirty="0">
-                        <a:latin typeface="Calibri" panose="020F0502020204030204" pitchFamily="34" charset="0"/>
-                      </a:endParaRPr>
-                    </a:p>
-                  </a:txBody>
-                  <a:tcPr/>
-                </a:tc>
-                <a:tc>
-                  <a:txBody>
-                    <a:bodyPr/>
-                    <a:lstStyle/>
-                    <a:p>
-                      <a:pPr algn="l"/>
-                      <a:endParaRPr lang="en-US">
-                        <a:latin typeface="Calibri" panose="020F0502020204030204" pitchFamily="34" charset="0"/>
-                      </a:endParaRPr>
-                    </a:p>
-                  </a:txBody>
-                  <a:tcPr/>
-                </a:tc>
-                <a:tc>
-                  <a:txBody>
-                    <a:bodyPr/>
-                    <a:lstStyle/>
-                    <a:p>
-                      <a:pPr algn="l"/>
-                      <a:endParaRPr lang="en-US" dirty="0">
-                        <a:latin typeface="Calibri" panose="020F0502020204030204" pitchFamily="34" charset="0"/>
-                      </a:endParaRPr>
-                    </a:p>
-                  </a:txBody>
-                  <a:tcPr/>
-                </a:tc>
-              </a:tr>
-              <a:tr h="370840">
-                <a:tc>
-                  <a:txBody>
-                    <a:bodyPr/>
-                    <a:lstStyle/>
-                    <a:p>
-                      <a:pPr algn="l"/>
-                      <a:r>
-                        <a:rPr lang="de-DE" dirty="0" smtClean="0">
-                          <a:latin typeface="Calibri" panose="020F0502020204030204" pitchFamily="34" charset="0"/>
-                        </a:rPr>
-                        <a:t>GUI</a:t>
-                      </a:r>
-                      <a:endParaRPr lang="en-US" dirty="0">
-                        <a:latin typeface="Calibri" panose="020F0502020204030204" pitchFamily="34" charset="0"/>
-                      </a:endParaRPr>
-                    </a:p>
-                  </a:txBody>
-                  <a:tcPr/>
-                </a:tc>
-                <a:tc>
-                  <a:txBody>
-                    <a:bodyPr/>
-                    <a:lstStyle/>
-                    <a:p>
-                      <a:pPr algn="l"/>
-                      <a:endParaRPr lang="en-US">
-                        <a:latin typeface="Calibri" panose="020F0502020204030204" pitchFamily="34" charset="0"/>
-                      </a:endParaRPr>
-                    </a:p>
-                  </a:txBody>
-                  <a:tcPr/>
-                </a:tc>
-                <a:tc>
-                  <a:txBody>
-                    <a:bodyPr/>
-                    <a:lstStyle/>
-                    <a:p>
-                      <a:pPr algn="l"/>
-                      <a:endParaRPr lang="en-US" dirty="0">
-                        <a:latin typeface="Calibri" panose="020F0502020204030204" pitchFamily="34" charset="0"/>
-                      </a:endParaRPr>
-                    </a:p>
-                  </a:txBody>
-                  <a:tcPr/>
-                </a:tc>
-              </a:tr>
-              <a:tr h="370840">
-                <a:tc>
-                  <a:txBody>
-                    <a:bodyPr/>
-                    <a:lstStyle/>
-                    <a:p>
-                      <a:pPr algn="l"/>
-                      <a:r>
-                        <a:rPr lang="de-DE" dirty="0" smtClean="0">
-                          <a:latin typeface="Calibri" panose="020F0502020204030204" pitchFamily="34" charset="0"/>
-                        </a:rPr>
-                        <a:t>Dokumentation</a:t>
-                      </a:r>
-                      <a:endParaRPr lang="en-US" dirty="0">
-                        <a:latin typeface="Calibri" panose="020F0502020204030204" pitchFamily="34" charset="0"/>
-                      </a:endParaRPr>
-                    </a:p>
-                  </a:txBody>
-                  <a:tcPr/>
-                </a:tc>
-                <a:tc>
-                  <a:txBody>
-                    <a:bodyPr/>
-                    <a:lstStyle/>
-                    <a:p>
-                      <a:pPr algn="l"/>
-                      <a:endParaRPr lang="en-US">
-                        <a:latin typeface="Calibri" panose="020F0502020204030204" pitchFamily="34" charset="0"/>
-                      </a:endParaRPr>
-                    </a:p>
-                  </a:txBody>
-                  <a:tcPr/>
-                </a:tc>
-                <a:tc>
-                  <a:txBody>
-                    <a:bodyPr/>
-                    <a:lstStyle/>
-                    <a:p>
-                      <a:pPr algn="l"/>
-                      <a:endParaRPr lang="en-US" dirty="0">
-                        <a:latin typeface="Calibri" panose="020F0502020204030204" pitchFamily="34" charset="0"/>
-                      </a:endParaRPr>
-                    </a:p>
-                  </a:txBody>
-                  <a:tcPr/>
-                </a:tc>
-              </a:tr>
-            </a:tbl>
-          </a:graphicData>
-        </a:graphic>
-      </p:graphicFrame>
+      <p:pic>
+        <p:nvPicPr>
+          <p:cNvPr id="17" name="Grafik 16"/>
+          <p:cNvPicPr>
+            <a:picLocks noChangeAspect="1"/>
+          </p:cNvPicPr>
+          <p:nvPr/>
+        </p:nvPicPr>
+        <p:blipFill>
+          <a:blip r:embed="rId2"/>
+          <a:stretch>
+            <a:fillRect/>
+          </a:stretch>
+        </p:blipFill>
+        <p:spPr>
+          <a:xfrm>
+            <a:off x="2216467" y="2127700"/>
+            <a:ext cx="7820025" cy="3667125"/>
+          </a:xfrm>
+          <a:prstGeom prst="rect">
+            <a:avLst/>
+          </a:prstGeom>
+        </p:spPr>
+      </p:pic>
     </p:spTree>
     <p:extLst>
       <p:ext uri="{BB962C8B-B14F-4D97-AF65-F5344CB8AC3E}">
-        <p14:creationId xmlns:p14="http://schemas.microsoft.com/office/powerpoint/2010/main" val="2878703467"/>
+        <p14:creationId xmlns:p14="http://schemas.microsoft.com/office/powerpoint/2010/main" val="1948617035"/>
       </p:ext>
     </p:extLst>
   </p:cSld>
@@ -23048,7 +23279,106 @@
 </p:sld>
 </file>
 
-<file path=ppt/slides/slide19.xml><?xml version="1.0" encoding="utf-8"?>
+<file path=ppt/slides/slide22.xml><?xml version="1.0" encoding="utf-8"?>
+<p:sld xmlns:a="http://schemas.openxmlformats.org/drawingml/2006/main" xmlns:r="http://schemas.openxmlformats.org/officeDocument/2006/relationships" xmlns:p="http://schemas.openxmlformats.org/presentationml/2006/main">
+  <p:cSld>
+    <p:spTree>
+      <p:nvGrpSpPr>
+        <p:cNvPr id="1" name=""/>
+        <p:cNvGrpSpPr/>
+        <p:nvPr/>
+      </p:nvGrpSpPr>
+      <p:grpSpPr>
+        <a:xfrm>
+          <a:off x="0" y="0"/>
+          <a:ext cx="0" cy="0"/>
+          <a:chOff x="0" y="0"/>
+          <a:chExt cx="0" cy="0"/>
+        </a:xfrm>
+      </p:grpSpPr>
+      <p:sp>
+        <p:nvSpPr>
+          <p:cNvPr id="2" name="Titel 1"/>
+          <p:cNvSpPr>
+            <a:spLocks noGrp="1"/>
+          </p:cNvSpPr>
+          <p:nvPr>
+            <p:ph type="title"/>
+          </p:nvPr>
+        </p:nvSpPr>
+        <p:spPr/>
+        <p:txBody>
+          <a:bodyPr/>
+          <a:lstStyle/>
+          <a:p>
+            <a:r>
+              <a:rPr lang="de-DE" dirty="0" smtClean="0"/>
+              <a:t>Das Projekt</a:t>
+            </a:r>
+            <a:br>
+              <a:rPr lang="de-DE" dirty="0" smtClean="0"/>
+            </a:br>
+            <a:r>
+              <a:rPr lang="de-DE" sz="4000" dirty="0" err="1" smtClean="0">
+                <a:solidFill>
+                  <a:schemeClr val="accent1"/>
+                </a:solidFill>
+              </a:rPr>
+              <a:t>Burndown</a:t>
+            </a:r>
+            <a:endParaRPr lang="de-DE" dirty="0">
+              <a:solidFill>
+                <a:schemeClr val="accent1"/>
+              </a:solidFill>
+            </a:endParaRPr>
+          </a:p>
+        </p:txBody>
+      </p:sp>
+      <p:pic>
+        <p:nvPicPr>
+          <p:cNvPr id="4" name="Grafik 3"/>
+          <p:cNvPicPr>
+            <a:picLocks noChangeAspect="1"/>
+          </p:cNvPicPr>
+          <p:nvPr/>
+        </p:nvPicPr>
+        <p:blipFill>
+          <a:blip r:embed="rId2"/>
+          <a:stretch>
+            <a:fillRect/>
+          </a:stretch>
+        </p:blipFill>
+        <p:spPr>
+          <a:xfrm>
+            <a:off x="2235517" y="2055622"/>
+            <a:ext cx="7781925" cy="3838575"/>
+          </a:xfrm>
+          <a:prstGeom prst="rect">
+            <a:avLst/>
+          </a:prstGeom>
+        </p:spPr>
+      </p:pic>
+    </p:spTree>
+    <p:extLst>
+      <p:ext uri="{BB962C8B-B14F-4D97-AF65-F5344CB8AC3E}">
+        <p14:creationId xmlns:p14="http://schemas.microsoft.com/office/powerpoint/2010/main" val="2284369787"/>
+      </p:ext>
+    </p:extLst>
+  </p:cSld>
+  <p:clrMapOvr>
+    <a:masterClrMapping/>
+  </p:clrMapOvr>
+  <p:timing>
+    <p:tnLst>
+      <p:par>
+        <p:cTn id="1" dur="indefinite" restart="never" nodeType="tmRoot"/>
+      </p:par>
+    </p:tnLst>
+  </p:timing>
+</p:sld>
+</file>
+
+<file path=ppt/slides/slide23.xml><?xml version="1.0" encoding="utf-8"?>
 <p:sld xmlns:a="http://schemas.openxmlformats.org/drawingml/2006/main" xmlns:r="http://schemas.openxmlformats.org/officeDocument/2006/relationships" xmlns:p="http://schemas.openxmlformats.org/presentationml/2006/main">
   <p:cSld>
     <p:spTree>
@@ -23157,143 +23487,7 @@
 </p:sld>
 </file>
 
-<file path=ppt/slides/slide2.xml><?xml version="1.0" encoding="utf-8"?>
-<p:sld xmlns:a="http://schemas.openxmlformats.org/drawingml/2006/main" xmlns:r="http://schemas.openxmlformats.org/officeDocument/2006/relationships" xmlns:p="http://schemas.openxmlformats.org/presentationml/2006/main">
-  <p:cSld>
-    <p:spTree>
-      <p:nvGrpSpPr>
-        <p:cNvPr id="1" name=""/>
-        <p:cNvGrpSpPr/>
-        <p:nvPr/>
-      </p:nvGrpSpPr>
-      <p:grpSpPr>
-        <a:xfrm>
-          <a:off x="0" y="0"/>
-          <a:ext cx="0" cy="0"/>
-          <a:chOff x="0" y="0"/>
-          <a:chExt cx="0" cy="0"/>
-        </a:xfrm>
-      </p:grpSpPr>
-      <p:sp>
-        <p:nvSpPr>
-          <p:cNvPr id="2" name="Titel 1"/>
-          <p:cNvSpPr>
-            <a:spLocks noGrp="1"/>
-          </p:cNvSpPr>
-          <p:nvPr>
-            <p:ph type="title"/>
-          </p:nvPr>
-        </p:nvSpPr>
-        <p:spPr/>
-        <p:txBody>
-          <a:bodyPr>
-            <a:normAutofit/>
-          </a:bodyPr>
-          <a:lstStyle/>
-          <a:p>
-            <a:r>
-              <a:rPr lang="de-DE" dirty="0" smtClean="0"/>
-              <a:t>Zwischenpräsentation </a:t>
-            </a:r>
-            <a:br>
-              <a:rPr lang="de-DE" dirty="0" smtClean="0"/>
-            </a:br>
-            <a:r>
-              <a:rPr lang="de-DE" dirty="0" err="1"/>
-              <a:t>Naukanu</a:t>
-            </a:r>
-            <a:r>
-              <a:rPr lang="de-DE" dirty="0"/>
-              <a:t> </a:t>
-            </a:r>
-            <a:r>
-              <a:rPr lang="de-DE" dirty="0" err="1"/>
-              <a:t>Sealing</a:t>
-            </a:r>
-            <a:r>
-              <a:rPr lang="de-DE" dirty="0"/>
-              <a:t> </a:t>
-            </a:r>
-            <a:r>
-              <a:rPr lang="de-DE" dirty="0" smtClean="0"/>
-              <a:t>School</a:t>
-            </a:r>
-            <a:endParaRPr lang="de-DE" dirty="0"/>
-          </a:p>
-        </p:txBody>
-      </p:sp>
-      <p:sp>
-        <p:nvSpPr>
-          <p:cNvPr id="3" name="Inhaltsplatzhalter 2"/>
-          <p:cNvSpPr>
-            <a:spLocks noGrp="1"/>
-          </p:cNvSpPr>
-          <p:nvPr>
-            <p:ph idx="1"/>
-          </p:nvPr>
-        </p:nvSpPr>
-        <p:spPr/>
-        <p:txBody>
-          <a:bodyPr>
-            <a:normAutofit/>
-          </a:bodyPr>
-          <a:lstStyle/>
-          <a:p>
-            <a:r>
-              <a:rPr lang="de-DE" sz="2400" dirty="0" smtClean="0"/>
-              <a:t>Auftraggeber: </a:t>
-            </a:r>
-            <a:r>
-              <a:rPr lang="de-DE" sz="2400" dirty="0" err="1" smtClean="0"/>
-              <a:t>Naukanu</a:t>
-            </a:r>
-            <a:r>
-              <a:rPr lang="de-DE" sz="2400" dirty="0" smtClean="0"/>
-              <a:t> </a:t>
-            </a:r>
-            <a:r>
-              <a:rPr lang="de-DE" sz="2400" dirty="0" err="1" smtClean="0"/>
-              <a:t>Sealing</a:t>
-            </a:r>
-            <a:r>
-              <a:rPr lang="de-DE" sz="2400" dirty="0" smtClean="0"/>
-              <a:t> School</a:t>
-            </a:r>
-          </a:p>
-          <a:p>
-            <a:r>
-              <a:rPr lang="de-DE" sz="2400" dirty="0" smtClean="0"/>
-              <a:t>Auftragnehmer: </a:t>
-            </a:r>
-            <a:r>
-              <a:rPr lang="de-DE" sz="2400" dirty="0" err="1" smtClean="0"/>
-              <a:t>Studs@Work</a:t>
-            </a:r>
-            <a:endParaRPr lang="de-DE" sz="2400" dirty="0"/>
-          </a:p>
-        </p:txBody>
-      </p:sp>
-    </p:spTree>
-    <p:extLst>
-      <p:ext uri="{BB962C8B-B14F-4D97-AF65-F5344CB8AC3E}">
-        <p14:creationId xmlns:p14="http://schemas.microsoft.com/office/powerpoint/2010/main" val="2145389335"/>
-      </p:ext>
-    </p:extLst>
-  </p:cSld>
-  <p:clrMapOvr>
-    <a:masterClrMapping/>
-  </p:clrMapOvr>
-  <p:timing>
-    <p:tnLst>
-      <p:par>
-        <p:cTn id="1" dur="indefinite" restart="never" nodeType="tmRoot"/>
-      </p:par>
-    </p:tnLst>
-  </p:timing>
-</p:sld>
-</file>
-
-<file path=ppt/slides/slide20.xml><?xml version="1.0" encoding="utf-8"?>
+<file path=ppt/slides/slide24.xml><?xml version="1.0" encoding="utf-8"?>
 <p:sld xmlns:a="http://schemas.openxmlformats.org/drawingml/2006/main" xmlns:r="http://schemas.openxmlformats.org/officeDocument/2006/relationships" xmlns:p="http://schemas.openxmlformats.org/presentationml/2006/main">
   <p:cSld>
     <p:spTree>
@@ -23375,7 +23569,7 @@
         </p:blipFill>
         <p:spPr bwMode="auto">
           <a:xfrm>
-            <a:off x="3826033" y="2765888"/>
+            <a:off x="3921567" y="2237414"/>
             <a:ext cx="4924013" cy="3240000"/>
           </a:xfrm>
           <a:prstGeom prst="rect">
@@ -23397,6 +23591,92 @@
     <p:extLst>
       <p:ext uri="{BB962C8B-B14F-4D97-AF65-F5344CB8AC3E}">
         <p14:creationId xmlns:p14="http://schemas.microsoft.com/office/powerpoint/2010/main" val="3636803198"/>
+      </p:ext>
+    </p:extLst>
+  </p:cSld>
+  <p:clrMapOvr>
+    <a:masterClrMapping/>
+  </p:clrMapOvr>
+  <p:timing>
+    <p:tnLst>
+      <p:par>
+        <p:cTn id="1" dur="indefinite" restart="never" nodeType="tmRoot"/>
+      </p:par>
+    </p:tnLst>
+  </p:timing>
+</p:sld>
+</file>
+
+<file path=ppt/slides/slide25.xml><?xml version="1.0" encoding="utf-8"?>
+<p:sld xmlns:a="http://schemas.openxmlformats.org/drawingml/2006/main" xmlns:r="http://schemas.openxmlformats.org/officeDocument/2006/relationships" xmlns:p="http://schemas.openxmlformats.org/presentationml/2006/main">
+  <p:cSld>
+    <p:spTree>
+      <p:nvGrpSpPr>
+        <p:cNvPr id="1" name=""/>
+        <p:cNvGrpSpPr/>
+        <p:nvPr/>
+      </p:nvGrpSpPr>
+      <p:grpSpPr>
+        <a:xfrm>
+          <a:off x="0" y="0"/>
+          <a:ext cx="0" cy="0"/>
+          <a:chOff x="0" y="0"/>
+          <a:chExt cx="0" cy="0"/>
+        </a:xfrm>
+      </p:grpSpPr>
+      <p:sp>
+        <p:nvSpPr>
+          <p:cNvPr id="3" name="Inhaltsplatzhalter 2"/>
+          <p:cNvSpPr>
+            <a:spLocks noGrp="1"/>
+          </p:cNvSpPr>
+          <p:nvPr>
+            <p:ph idx="1"/>
+          </p:nvPr>
+        </p:nvSpPr>
+        <p:spPr>
+          <a:xfrm>
+            <a:off x="1138224" y="2756847"/>
+            <a:ext cx="10058400" cy="2483893"/>
+          </a:xfrm>
+        </p:spPr>
+        <p:txBody>
+          <a:bodyPr anchor="ctr">
+            <a:normAutofit/>
+          </a:bodyPr>
+          <a:lstStyle/>
+          <a:p>
+            <a:pPr marL="0" indent="0" algn="ctr">
+              <a:buNone/>
+            </a:pPr>
+            <a:r>
+              <a:rPr lang="de-DE" sz="3600" dirty="0" smtClean="0"/>
+              <a:t>„Unsere </a:t>
+            </a:r>
+            <a:r>
+              <a:rPr lang="de-DE" sz="3600" dirty="0"/>
+              <a:t>Hauptaufgabe ist nicht, zu erkennen, was unklar in weiter Entfernung liegt, sondern zu tun, was klar vor uns liegt</a:t>
+            </a:r>
+            <a:r>
+              <a:rPr lang="de-DE" sz="3600" dirty="0" smtClean="0"/>
+              <a:t>.“</a:t>
+            </a:r>
+            <a:endParaRPr lang="de-DE" sz="3600" dirty="0"/>
+          </a:p>
+          <a:p>
+            <a:pPr algn="ctr"/>
+            <a:r>
+              <a:rPr lang="de-DE" sz="2800" i="1" dirty="0"/>
+              <a:t>Thomas Carlyle (1795–1881) </a:t>
+            </a:r>
+            <a:endParaRPr lang="de-DE" sz="2800" i="1" dirty="0"/>
+          </a:p>
+        </p:txBody>
+      </p:sp>
+    </p:spTree>
+    <p:extLst>
+      <p:ext uri="{BB962C8B-B14F-4D97-AF65-F5344CB8AC3E}">
+        <p14:creationId xmlns:p14="http://schemas.microsoft.com/office/powerpoint/2010/main" val="1839257766"/>
       </p:ext>
     </p:extLst>
   </p:cSld>
@@ -23626,11 +23906,7 @@
           <a:p>
             <a:r>
               <a:rPr lang="de-DE" dirty="0" err="1" smtClean="0"/>
-              <a:t>Studs</a:t>
-            </a:r>
-            <a:r>
-              <a:rPr lang="de-DE" dirty="0" err="1" smtClean="0"/>
-              <a:t>@Work</a:t>
+              <a:t>Studs@Work</a:t>
             </a:r>
             <a:r>
               <a:rPr lang="de-DE" dirty="0" smtClean="0"/>
@@ -23646,7 +23922,7 @@
           <a:p>
             <a:r>
               <a:rPr lang="de-DE" dirty="0" smtClean="0"/>
-              <a:t>Bereich </a:t>
+              <a:t>Bereich der </a:t>
             </a:r>
             <a:r>
               <a:rPr lang="de-DE" dirty="0" err="1" smtClean="0"/>
@@ -23787,8 +24063,27 @@
                   </a:schemeClr>
                 </a:solidFill>
               </a:rPr>
-              <a:t>Automobil-, Energiebranche, Banken sowie IT Dienstleister</a:t>
+              <a:t>Automobil-, Energiebranche, Banken sowie </a:t>
             </a:r>
+            <a:r>
+              <a:rPr lang="de-DE" sz="2000" dirty="0" smtClean="0">
+                <a:solidFill>
+                  <a:schemeClr val="tx1">
+                    <a:lumMod val="75000"/>
+                    <a:lumOff val="25000"/>
+                  </a:schemeClr>
+                </a:solidFill>
+              </a:rPr>
+              <a:t>IT-Dienstleister</a:t>
+            </a:r>
+            <a:endParaRPr lang="de-DE" sz="2000" dirty="0">
+              <a:solidFill>
+                <a:schemeClr val="tx1">
+                  <a:lumMod val="75000"/>
+                  <a:lumOff val="25000"/>
+                </a:schemeClr>
+              </a:solidFill>
+            </a:endParaRPr>
           </a:p>
           <a:p>
             <a:pPr marL="342900" indent="-342900" defTabSz="914400">
@@ -23949,6 +24244,14 @@
               </a:rPr>
               <a:t>Studs@Work</a:t>
             </a:r>
+            <a:r>
+              <a:rPr lang="de-DE" sz="4000" dirty="0" smtClean="0">
+                <a:solidFill>
+                  <a:schemeClr val="accent1"/>
+                </a:solidFill>
+              </a:rPr>
+              <a:t> AG</a:t>
+            </a:r>
             <a:endParaRPr lang="de-DE" dirty="0">
               <a:solidFill>
                 <a:schemeClr val="accent1"/>
@@ -23969,7 +24272,9 @@
         </p:nvSpPr>
         <p:spPr/>
         <p:txBody>
-          <a:bodyPr/>
+          <a:bodyPr>
+            <a:normAutofit fontScale="92500"/>
+          </a:bodyPr>
           <a:lstStyle/>
           <a:p>
             <a:pPr marL="342763" indent="-342900">
@@ -24025,8 +24330,32 @@
               <a:rPr lang="de-DE" dirty="0">
                 <a:latin typeface="Calibri" panose="020F0502020204030204" pitchFamily="34" charset="0"/>
               </a:rPr>
-              <a:t>aktuellster Technologien sowie modernster Prozess- und Organisationsmethoden</a:t>
+              <a:t>aktuellster Technologien sowie modernster Prozess- und </a:t>
             </a:r>
+            <a:r>
+              <a:rPr lang="de-DE" dirty="0" smtClean="0">
+                <a:latin typeface="Calibri" panose="020F0502020204030204" pitchFamily="34" charset="0"/>
+              </a:rPr>
+              <a:t>Organisationsmethoden</a:t>
+            </a:r>
+          </a:p>
+          <a:p>
+            <a:pPr marL="342763" indent="-342900">
+              <a:lnSpc>
+                <a:spcPct val="200000"/>
+              </a:lnSpc>
+              <a:buFont typeface="Wingdings" panose="05000000000000000000" pitchFamily="2" charset="2"/>
+              <a:buChar char="ü"/>
+            </a:pPr>
+            <a:r>
+              <a:rPr lang="de-DE" dirty="0" smtClean="0">
+                <a:latin typeface="Calibri" panose="020F0502020204030204" pitchFamily="34" charset="0"/>
+              </a:rPr>
+              <a:t>Vereinbarkeit von Familie und Beruf</a:t>
+            </a:r>
+            <a:endParaRPr lang="de-DE" dirty="0">
+              <a:latin typeface="Calibri" panose="020F0502020204030204" pitchFamily="34" charset="0"/>
+            </a:endParaRPr>
           </a:p>
           <a:p>
             <a:pPr marL="342763" indent="-342900">
@@ -24145,7 +24474,7 @@
             <p:ph idx="1"/>
             <p:extLst>
               <p:ext uri="{D42A27DB-BD31-4B8C-83A1-F6EECF244321}">
-                <p14:modId xmlns:p14="http://schemas.microsoft.com/office/powerpoint/2010/main" val="3637720505"/>
+                <p14:modId xmlns:p14="http://schemas.microsoft.com/office/powerpoint/2010/main" val="2840050140"/>
               </p:ext>
             </p:extLst>
           </p:nvPr>
@@ -24172,14 +24501,14 @@
                     <a:lstStyle/>
                     <a:p>
                       <a:r>
-                        <a:rPr lang="de-DE" b="0" dirty="0" smtClean="0">
+                        <a:rPr lang="de-DE" b="1" dirty="0" smtClean="0">
                           <a:solidFill>
                             <a:schemeClr val="tx1"/>
                           </a:solidFill>
                         </a:rPr>
                         <a:t>Name</a:t>
                       </a:r>
-                      <a:endParaRPr lang="de-DE" b="0" dirty="0">
+                      <a:endParaRPr lang="de-DE" b="1" dirty="0">
                         <a:solidFill>
                           <a:schemeClr val="tx1"/>
                         </a:solidFill>
@@ -24354,14 +24683,14 @@
                     <a:lstStyle/>
                     <a:p>
                       <a:r>
-                        <a:rPr lang="de-DE" b="0" dirty="0" smtClean="0">
+                        <a:rPr lang="de-DE" b="1" dirty="0" smtClean="0">
                           <a:solidFill>
                             <a:schemeClr val="tx1"/>
                           </a:solidFill>
                         </a:rPr>
                         <a:t>Ausbildung</a:t>
                       </a:r>
-                      <a:endParaRPr lang="de-DE" b="0" dirty="0">
+                      <a:endParaRPr lang="de-DE" b="1" dirty="0">
                         <a:solidFill>
                           <a:schemeClr val="tx1"/>
                         </a:solidFill>
@@ -24540,14 +24869,14 @@
                     <a:lstStyle/>
                     <a:p>
                       <a:r>
-                        <a:rPr lang="de-DE" b="0" dirty="0" smtClean="0">
+                        <a:rPr lang="de-DE" b="1" dirty="0" smtClean="0">
                           <a:solidFill>
                             <a:schemeClr val="tx1"/>
                           </a:solidFill>
                         </a:rPr>
                         <a:t>Tätigkeit</a:t>
                       </a:r>
-                      <a:endParaRPr lang="de-DE" b="0" dirty="0">
+                      <a:endParaRPr lang="de-DE" b="1" dirty="0">
                         <a:solidFill>
                           <a:schemeClr val="tx1"/>
                         </a:solidFill>
@@ -24737,14 +25066,14 @@
                     <a:lstStyle/>
                     <a:p>
                       <a:r>
-                        <a:rPr lang="de-DE" b="0" dirty="0" smtClean="0">
+                        <a:rPr lang="de-DE" b="1" dirty="0" smtClean="0">
                           <a:solidFill>
                             <a:schemeClr val="tx1"/>
                           </a:solidFill>
                         </a:rPr>
                         <a:t>Schwerpunkte</a:t>
                       </a:r>
-                      <a:endParaRPr lang="de-DE" b="0" dirty="0">
+                      <a:endParaRPr lang="de-DE" b="1" dirty="0">
                         <a:solidFill>
                           <a:schemeClr val="tx1"/>
                         </a:solidFill>
@@ -25047,7 +25376,7 @@
             <p:ph idx="1"/>
             <p:extLst>
               <p:ext uri="{D42A27DB-BD31-4B8C-83A1-F6EECF244321}">
-                <p14:modId xmlns:p14="http://schemas.microsoft.com/office/powerpoint/2010/main" val="2632986543"/>
+                <p14:modId xmlns:p14="http://schemas.microsoft.com/office/powerpoint/2010/main" val="526028278"/>
               </p:ext>
             </p:extLst>
           </p:nvPr>
@@ -25074,14 +25403,14 @@
                     <a:lstStyle/>
                     <a:p>
                       <a:r>
-                        <a:rPr lang="de-DE" b="0" dirty="0" smtClean="0">
+                        <a:rPr lang="de-DE" b="1" dirty="0" smtClean="0">
                           <a:solidFill>
                             <a:schemeClr val="tx1"/>
                           </a:solidFill>
                         </a:rPr>
                         <a:t>Name</a:t>
                       </a:r>
-                      <a:endParaRPr lang="de-DE" b="0" dirty="0">
+                      <a:endParaRPr lang="de-DE" b="1" dirty="0">
                         <a:solidFill>
                           <a:schemeClr val="tx1"/>
                         </a:solidFill>
@@ -25248,14 +25577,14 @@
                     <a:lstStyle/>
                     <a:p>
                       <a:r>
-                        <a:rPr lang="de-DE" b="0" dirty="0" smtClean="0">
+                        <a:rPr lang="de-DE" b="1" dirty="0" smtClean="0">
                           <a:solidFill>
                             <a:schemeClr val="tx1"/>
                           </a:solidFill>
                         </a:rPr>
                         <a:t>Ausbildung</a:t>
                       </a:r>
-                      <a:endParaRPr lang="de-DE" b="0" dirty="0">
+                      <a:endParaRPr lang="de-DE" b="1" dirty="0">
                         <a:solidFill>
                           <a:schemeClr val="tx1"/>
                         </a:solidFill>
@@ -25434,14 +25763,14 @@
                     <a:lstStyle/>
                     <a:p>
                       <a:r>
-                        <a:rPr lang="de-DE" b="0" dirty="0" smtClean="0">
+                        <a:rPr lang="de-DE" b="1" dirty="0" smtClean="0">
                           <a:solidFill>
                             <a:schemeClr val="tx1"/>
                           </a:solidFill>
                         </a:rPr>
                         <a:t>Tätigkeit</a:t>
                       </a:r>
-                      <a:endParaRPr lang="de-DE" b="0" dirty="0">
+                      <a:endParaRPr lang="de-DE" b="1" dirty="0">
                         <a:solidFill>
                           <a:schemeClr val="tx1"/>
                         </a:solidFill>
@@ -25614,14 +25943,14 @@
                     <a:lstStyle/>
                     <a:p>
                       <a:r>
-                        <a:rPr lang="de-DE" b="0" dirty="0" smtClean="0">
+                        <a:rPr lang="de-DE" b="1" dirty="0" smtClean="0">
                           <a:solidFill>
                             <a:schemeClr val="tx1"/>
                           </a:solidFill>
                         </a:rPr>
                         <a:t>Schwerpunkte</a:t>
                       </a:r>
-                      <a:endParaRPr lang="de-DE" b="0" dirty="0">
+                      <a:endParaRPr lang="de-DE" b="1" dirty="0">
                         <a:solidFill>
                           <a:schemeClr val="tx1"/>
                         </a:solidFill>
@@ -25832,8 +26161,8 @@
         </p:blipFill>
         <p:spPr>
           <a:xfrm>
-            <a:off x="8280568" y="1953347"/>
-            <a:ext cx="3374403" cy="3917682"/>
+            <a:off x="8280569" y="1953347"/>
+            <a:ext cx="2902050" cy="3369280"/>
           </a:xfrm>
           <a:prstGeom prst="rect">
             <a:avLst/>
@@ -25925,7 +26254,7 @@
             <p:ph idx="1"/>
             <p:extLst>
               <p:ext uri="{D42A27DB-BD31-4B8C-83A1-F6EECF244321}">
-                <p14:modId xmlns:p14="http://schemas.microsoft.com/office/powerpoint/2010/main" val="2455919810"/>
+                <p14:modId xmlns:p14="http://schemas.microsoft.com/office/powerpoint/2010/main" val="3596255550"/>
               </p:ext>
             </p:extLst>
           </p:nvPr>
@@ -25952,14 +26281,14 @@
                     <a:lstStyle/>
                     <a:p>
                       <a:r>
-                        <a:rPr lang="de-DE" b="0" dirty="0" smtClean="0">
+                        <a:rPr lang="de-DE" b="1" dirty="0" smtClean="0">
                           <a:solidFill>
                             <a:schemeClr val="tx1"/>
                           </a:solidFill>
                         </a:rPr>
                         <a:t>Name</a:t>
                       </a:r>
-                      <a:endParaRPr lang="de-DE" b="0" dirty="0">
+                      <a:endParaRPr lang="de-DE" b="1" dirty="0">
                         <a:solidFill>
                           <a:schemeClr val="tx1"/>
                         </a:solidFill>
@@ -26126,14 +26455,14 @@
                     <a:lstStyle/>
                     <a:p>
                       <a:r>
-                        <a:rPr lang="de-DE" b="0" dirty="0" smtClean="0">
+                        <a:rPr lang="de-DE" b="1" dirty="0" smtClean="0">
                           <a:solidFill>
                             <a:schemeClr val="tx1"/>
                           </a:solidFill>
                         </a:rPr>
                         <a:t>Ausbildung</a:t>
                       </a:r>
-                      <a:endParaRPr lang="de-DE" b="0" dirty="0">
+                      <a:endParaRPr lang="de-DE" b="1" dirty="0">
                         <a:solidFill>
                           <a:schemeClr val="tx1"/>
                         </a:solidFill>
@@ -26308,14 +26637,14 @@
                     <a:lstStyle/>
                     <a:p>
                       <a:r>
-                        <a:rPr lang="de-DE" b="0" dirty="0" smtClean="0">
+                        <a:rPr lang="de-DE" b="1" dirty="0" smtClean="0">
                           <a:solidFill>
                             <a:schemeClr val="tx1"/>
                           </a:solidFill>
                         </a:rPr>
                         <a:t>Tätigkeit</a:t>
                       </a:r>
-                      <a:endParaRPr lang="de-DE" b="0" dirty="0">
+                      <a:endParaRPr lang="de-DE" b="1" dirty="0">
                         <a:solidFill>
                           <a:schemeClr val="tx1"/>
                         </a:solidFill>
@@ -26518,14 +26847,14 @@
                     <a:lstStyle/>
                     <a:p>
                       <a:r>
-                        <a:rPr lang="de-DE" b="0" dirty="0" smtClean="0">
+                        <a:rPr lang="de-DE" b="1" dirty="0" smtClean="0">
                           <a:solidFill>
                             <a:schemeClr val="tx1"/>
                           </a:solidFill>
                         </a:rPr>
                         <a:t>Schwerpunkte</a:t>
                       </a:r>
-                      <a:endParaRPr lang="de-DE" b="0" dirty="0">
+                      <a:endParaRPr lang="de-DE" b="1" dirty="0">
                         <a:solidFill>
                           <a:schemeClr val="tx1"/>
                         </a:solidFill>
@@ -26826,7 +27155,7 @@
             <p:ph idx="1"/>
             <p:extLst>
               <p:ext uri="{D42A27DB-BD31-4B8C-83A1-F6EECF244321}">
-                <p14:modId xmlns:p14="http://schemas.microsoft.com/office/powerpoint/2010/main" val="3888170281"/>
+                <p14:modId xmlns:p14="http://schemas.microsoft.com/office/powerpoint/2010/main" val="3865006117"/>
               </p:ext>
             </p:extLst>
           </p:nvPr>
@@ -26853,14 +27182,14 @@
                     <a:lstStyle/>
                     <a:p>
                       <a:r>
-                        <a:rPr lang="de-DE" b="0" dirty="0" smtClean="0">
+                        <a:rPr lang="de-DE" b="1" dirty="0" smtClean="0">
                           <a:solidFill>
                             <a:schemeClr val="tx1"/>
                           </a:solidFill>
                         </a:rPr>
                         <a:t>Name</a:t>
                       </a:r>
-                      <a:endParaRPr lang="de-DE" b="0" dirty="0">
+                      <a:endParaRPr lang="de-DE" b="1" dirty="0">
                         <a:solidFill>
                           <a:schemeClr val="tx1"/>
                         </a:solidFill>
@@ -27027,14 +27356,14 @@
                     <a:lstStyle/>
                     <a:p>
                       <a:r>
-                        <a:rPr lang="de-DE" b="0" dirty="0" smtClean="0">
+                        <a:rPr lang="de-DE" b="1" dirty="0" smtClean="0">
                           <a:solidFill>
                             <a:schemeClr val="tx1"/>
                           </a:solidFill>
                         </a:rPr>
                         <a:t>Ausbildung</a:t>
                       </a:r>
-                      <a:endParaRPr lang="de-DE" b="0" dirty="0">
+                      <a:endParaRPr lang="de-DE" b="1" dirty="0">
                         <a:solidFill>
                           <a:schemeClr val="tx1"/>
                         </a:solidFill>
@@ -27213,14 +27542,14 @@
                     <a:lstStyle/>
                     <a:p>
                       <a:r>
-                        <a:rPr lang="de-DE" b="0" dirty="0" smtClean="0">
+                        <a:rPr lang="de-DE" b="1" dirty="0" smtClean="0">
                           <a:solidFill>
                             <a:schemeClr val="tx1"/>
                           </a:solidFill>
                         </a:rPr>
                         <a:t>Tätigkeit</a:t>
                       </a:r>
-                      <a:endParaRPr lang="de-DE" b="0" dirty="0">
+                      <a:endParaRPr lang="de-DE" b="1" dirty="0">
                         <a:solidFill>
                           <a:schemeClr val="tx1"/>
                         </a:solidFill>
@@ -27393,14 +27722,14 @@
                     <a:lstStyle/>
                     <a:p>
                       <a:r>
-                        <a:rPr lang="de-DE" b="0" dirty="0" smtClean="0">
+                        <a:rPr lang="de-DE" b="1" dirty="0" smtClean="0">
                           <a:solidFill>
                             <a:schemeClr val="tx1"/>
                           </a:solidFill>
                         </a:rPr>
                         <a:t>Schwerpunkte</a:t>
                       </a:r>
-                      <a:endParaRPr lang="de-DE" b="0" dirty="0">
+                      <a:endParaRPr lang="de-DE" b="1" dirty="0">
                         <a:solidFill>
                           <a:schemeClr val="tx1"/>
                         </a:solidFill>
@@ -27580,6 +27909,36 @@
           </a:graphicData>
         </a:graphic>
       </p:graphicFrame>
+      <p:pic>
+        <p:nvPicPr>
+          <p:cNvPr id="3" name="Grafik 2"/>
+          <p:cNvPicPr>
+            <a:picLocks noChangeAspect="1"/>
+          </p:cNvPicPr>
+          <p:nvPr/>
+        </p:nvPicPr>
+        <p:blipFill>
+          <a:blip r:embed="rId2">
+            <a:extLst>
+              <a:ext uri="{28A0092B-C50C-407E-A947-70E740481C1C}">
+                <a14:useLocalDpi xmlns:a14="http://schemas.microsoft.com/office/drawing/2010/main" val="0"/>
+              </a:ext>
+            </a:extLst>
+          </a:blip>
+          <a:stretch>
+            <a:fillRect/>
+          </a:stretch>
+        </p:blipFill>
+        <p:spPr>
+          <a:xfrm>
+            <a:off x="8215952" y="1930657"/>
+            <a:ext cx="2939729" cy="3710806"/>
+          </a:xfrm>
+          <a:prstGeom prst="rect">
+            <a:avLst/>
+          </a:prstGeom>
+        </p:spPr>
+      </p:pic>
     </p:spTree>
     <p:extLst>
       <p:ext uri="{BB962C8B-B14F-4D97-AF65-F5344CB8AC3E}">
